--- a/DP4_Team2_Image_recognition.pptx
+++ b/DP4_Team2_Image_recognition.pptx
@@ -1,37 +1,37 @@
 
 <file path=ppt/presentation.xml><?xml version="1.0" encoding="utf-8"?>
-<p:presentation xmlns:a="http://schemas.openxmlformats.org/drawingml/2006/main" xmlns:r="http://schemas.openxmlformats.org/officeDocument/2006/relationships" xmlns:mc="http://schemas.openxmlformats.org/markup-compatibility/2006" xmlns:mv="urn:schemas-microsoft-com:mac:vml" xmlns:p="http://schemas.openxmlformats.org/presentationml/2006/main" xmlns:c="http://schemas.openxmlformats.org/drawingml/2006/chart" xmlns:dgm="http://schemas.openxmlformats.org/drawingml/2006/diagram" xmlns:o="urn:schemas-microsoft-com:office:office" xmlns:v="urn:schemas-microsoft-com:vml" xmlns:pvml="urn:schemas-microsoft-com:office:powerpoint" xmlns:com="http://schemas.openxmlformats.org/drawingml/2006/compatibility" xmlns:p14="http://schemas.microsoft.com/office/powerpoint/2010/main" xmlns:p15="http://schemas.microsoft.com/office/powerpoint/2012/main" xmlns:ahyp="http://schemas.microsoft.com/office/drawing/2018/hyperlinkcolor" autoCompressPictures="0" embedTrueTypeFonts="1" strictFirstAndLastChars="0" saveSubsetFonts="1">
+<p:presentation xmlns:a="http://schemas.openxmlformats.org/drawingml/2006/main" xmlns:r="http://schemas.openxmlformats.org/officeDocument/2006/relationships" xmlns:p="http://schemas.openxmlformats.org/presentationml/2006/main" strictFirstAndLastChars="0" embedTrueTypeFonts="1" saveSubsetFonts="1" autoCompressPictures="0">
   <p:sldMasterIdLst>
-    <p:sldMasterId id="2147483659" r:id="rId4"/>
+    <p:sldMasterId id="2147483659" r:id="rId1"/>
   </p:sldMasterIdLst>
   <p:notesMasterIdLst>
-    <p:notesMasterId r:id="rId5"/>
+    <p:notesMasterId r:id="rId12"/>
   </p:notesMasterIdLst>
   <p:sldIdLst>
-    <p:sldId id="256" r:id="rId6"/>
-    <p:sldId id="257" r:id="rId7"/>
-    <p:sldId id="258" r:id="rId8"/>
-    <p:sldId id="259" r:id="rId9"/>
-    <p:sldId id="260" r:id="rId10"/>
-    <p:sldId id="261" r:id="rId11"/>
-    <p:sldId id="262" r:id="rId12"/>
-    <p:sldId id="263" r:id="rId13"/>
-    <p:sldId id="264" r:id="rId14"/>
-    <p:sldId id="265" r:id="rId15"/>
+    <p:sldId id="256" r:id="rId2"/>
+    <p:sldId id="257" r:id="rId3"/>
+    <p:sldId id="258" r:id="rId4"/>
+    <p:sldId id="259" r:id="rId5"/>
+    <p:sldId id="260" r:id="rId6"/>
+    <p:sldId id="261" r:id="rId7"/>
+    <p:sldId id="262" r:id="rId8"/>
+    <p:sldId id="263" r:id="rId9"/>
+    <p:sldId id="264" r:id="rId10"/>
+    <p:sldId id="265" r:id="rId11"/>
   </p:sldIdLst>
-  <p:sldSz cy="5143500" cx="9144000"/>
+  <p:sldSz cx="9144000" cy="5143500" type="screen16x9"/>
   <p:notesSz cx="6858000" cy="9144000"/>
   <p:embeddedFontLst>
     <p:embeddedFont>
-      <p:font typeface="Roboto Mono"/>
-      <p:regular r:id="rId16"/>
-      <p:bold r:id="rId17"/>
-      <p:italic r:id="rId18"/>
-      <p:boldItalic r:id="rId19"/>
+      <p:font typeface="Roboto Mono" panose="00000009000000000000" pitchFamily="49" charset="0"/>
+      <p:regular r:id="rId13"/>
+      <p:bold r:id="rId14"/>
+      <p:italic r:id="rId15"/>
+      <p:boldItalic r:id="rId16"/>
     </p:embeddedFont>
   </p:embeddedFontLst>
   <p:defaultTextStyle>
-    <a:defPPr lvl="0" marR="0" rtl="0" algn="l">
+    <a:defPPr marR="0" lvl="0" algn="l" rtl="0">
       <a:lnSpc>
         <a:spcPct val="100000"/>
       </a:lnSpc>
@@ -42,7 +42,7 @@
         <a:spcPts val="0"/>
       </a:spcAft>
     </a:defPPr>
-    <a:lvl1pPr lvl="0" marR="0" rtl="0" algn="l">
+    <a:lvl1pPr marR="0" lvl="0" algn="l" rtl="0">
       <a:lnSpc>
         <a:spcPct val="100000"/>
       </a:lnSpc>
@@ -56,7 +56,7 @@
         <a:srgbClr val="000000"/>
       </a:buClr>
       <a:buFont typeface="Arial"/>
-      <a:defRPr b="0" i="0" sz="1400" u="none" cap="none" strike="noStrike">
+      <a:defRPr sz="1400" b="0" i="0" u="none" strike="noStrike" cap="none">
         <a:solidFill>
           <a:srgbClr val="000000"/>
         </a:solidFill>
@@ -66,7 +66,7 @@
         <a:sym typeface="Arial"/>
       </a:defRPr>
     </a:lvl1pPr>
-    <a:lvl2pPr lvl="1" marR="0" rtl="0" algn="l">
+    <a:lvl2pPr marR="0" lvl="1" algn="l" rtl="0">
       <a:lnSpc>
         <a:spcPct val="100000"/>
       </a:lnSpc>
@@ -80,7 +80,7 @@
         <a:srgbClr val="000000"/>
       </a:buClr>
       <a:buFont typeface="Arial"/>
-      <a:defRPr b="0" i="0" sz="1400" u="none" cap="none" strike="noStrike">
+      <a:defRPr sz="1400" b="0" i="0" u="none" strike="noStrike" cap="none">
         <a:solidFill>
           <a:srgbClr val="000000"/>
         </a:solidFill>
@@ -90,7 +90,7 @@
         <a:sym typeface="Arial"/>
       </a:defRPr>
     </a:lvl2pPr>
-    <a:lvl3pPr lvl="2" marR="0" rtl="0" algn="l">
+    <a:lvl3pPr marR="0" lvl="2" algn="l" rtl="0">
       <a:lnSpc>
         <a:spcPct val="100000"/>
       </a:lnSpc>
@@ -104,7 +104,7 @@
         <a:srgbClr val="000000"/>
       </a:buClr>
       <a:buFont typeface="Arial"/>
-      <a:defRPr b="0" i="0" sz="1400" u="none" cap="none" strike="noStrike">
+      <a:defRPr sz="1400" b="0" i="0" u="none" strike="noStrike" cap="none">
         <a:solidFill>
           <a:srgbClr val="000000"/>
         </a:solidFill>
@@ -114,7 +114,7 @@
         <a:sym typeface="Arial"/>
       </a:defRPr>
     </a:lvl3pPr>
-    <a:lvl4pPr lvl="3" marR="0" rtl="0" algn="l">
+    <a:lvl4pPr marR="0" lvl="3" algn="l" rtl="0">
       <a:lnSpc>
         <a:spcPct val="100000"/>
       </a:lnSpc>
@@ -128,7 +128,7 @@
         <a:srgbClr val="000000"/>
       </a:buClr>
       <a:buFont typeface="Arial"/>
-      <a:defRPr b="0" i="0" sz="1400" u="none" cap="none" strike="noStrike">
+      <a:defRPr sz="1400" b="0" i="0" u="none" strike="noStrike" cap="none">
         <a:solidFill>
           <a:srgbClr val="000000"/>
         </a:solidFill>
@@ -138,7 +138,7 @@
         <a:sym typeface="Arial"/>
       </a:defRPr>
     </a:lvl4pPr>
-    <a:lvl5pPr lvl="4" marR="0" rtl="0" algn="l">
+    <a:lvl5pPr marR="0" lvl="4" algn="l" rtl="0">
       <a:lnSpc>
         <a:spcPct val="100000"/>
       </a:lnSpc>
@@ -152,7 +152,7 @@
         <a:srgbClr val="000000"/>
       </a:buClr>
       <a:buFont typeface="Arial"/>
-      <a:defRPr b="0" i="0" sz="1400" u="none" cap="none" strike="noStrike">
+      <a:defRPr sz="1400" b="0" i="0" u="none" strike="noStrike" cap="none">
         <a:solidFill>
           <a:srgbClr val="000000"/>
         </a:solidFill>
@@ -162,7 +162,7 @@
         <a:sym typeface="Arial"/>
       </a:defRPr>
     </a:lvl5pPr>
-    <a:lvl6pPr lvl="5" marR="0" rtl="0" algn="l">
+    <a:lvl6pPr marR="0" lvl="5" algn="l" rtl="0">
       <a:lnSpc>
         <a:spcPct val="100000"/>
       </a:lnSpc>
@@ -176,7 +176,7 @@
         <a:srgbClr val="000000"/>
       </a:buClr>
       <a:buFont typeface="Arial"/>
-      <a:defRPr b="0" i="0" sz="1400" u="none" cap="none" strike="noStrike">
+      <a:defRPr sz="1400" b="0" i="0" u="none" strike="noStrike" cap="none">
         <a:solidFill>
           <a:srgbClr val="000000"/>
         </a:solidFill>
@@ -186,7 +186,7 @@
         <a:sym typeface="Arial"/>
       </a:defRPr>
     </a:lvl6pPr>
-    <a:lvl7pPr lvl="6" marR="0" rtl="0" algn="l">
+    <a:lvl7pPr marR="0" lvl="6" algn="l" rtl="0">
       <a:lnSpc>
         <a:spcPct val="100000"/>
       </a:lnSpc>
@@ -200,7 +200,7 @@
         <a:srgbClr val="000000"/>
       </a:buClr>
       <a:buFont typeface="Arial"/>
-      <a:defRPr b="0" i="0" sz="1400" u="none" cap="none" strike="noStrike">
+      <a:defRPr sz="1400" b="0" i="0" u="none" strike="noStrike" cap="none">
         <a:solidFill>
           <a:srgbClr val="000000"/>
         </a:solidFill>
@@ -210,7 +210,7 @@
         <a:sym typeface="Arial"/>
       </a:defRPr>
     </a:lvl7pPr>
-    <a:lvl8pPr lvl="7" marR="0" rtl="0" algn="l">
+    <a:lvl8pPr marR="0" lvl="7" algn="l" rtl="0">
       <a:lnSpc>
         <a:spcPct val="100000"/>
       </a:lnSpc>
@@ -224,7 +224,7 @@
         <a:srgbClr val="000000"/>
       </a:buClr>
       <a:buFont typeface="Arial"/>
-      <a:defRPr b="0" i="0" sz="1400" u="none" cap="none" strike="noStrike">
+      <a:defRPr sz="1400" b="0" i="0" u="none" strike="noStrike" cap="none">
         <a:solidFill>
           <a:srgbClr val="000000"/>
         </a:solidFill>
@@ -234,7 +234,7 @@
         <a:sym typeface="Arial"/>
       </a:defRPr>
     </a:lvl8pPr>
-    <a:lvl9pPr lvl="8" marR="0" rtl="0" algn="l">
+    <a:lvl9pPr marR="0" lvl="8" algn="l" rtl="0">
       <a:lnSpc>
         <a:spcPct val="100000"/>
       </a:lnSpc>
@@ -248,7 +248,7 @@
         <a:srgbClr val="000000"/>
       </a:buClr>
       <a:buFont typeface="Arial"/>
-      <a:defRPr b="0" i="0" sz="1400" u="none" cap="none" strike="noStrike">
+      <a:defRPr sz="1400" b="0" i="0" u="none" strike="noStrike" cap="none">
         <a:solidFill>
           <a:srgbClr val="000000"/>
         </a:solidFill>
@@ -261,7 +261,7 @@
   </p:defaultTextStyle>
   <p:extLst>
     <p:ext uri="{EFAFB233-063F-42B5-8137-9DF3F51BA10A}">
-      <p15:sldGuideLst>
+      <p15:sldGuideLst xmlns:p15="http://schemas.microsoft.com/office/powerpoint/2012/main">
         <p15:guide id="1" orient="horz" pos="1620">
           <p15:clr>
             <a:srgbClr val="747775"/>
@@ -279,11 +279,16 @@
 </file>
 
 <file path=ppt/notesMasters/notesMaster1.xml><?xml version="1.0" encoding="utf-8"?>
-<p:notesMaster xmlns:a="http://schemas.openxmlformats.org/drawingml/2006/main" xmlns:r="http://schemas.openxmlformats.org/officeDocument/2006/relationships" xmlns:mc="http://schemas.openxmlformats.org/markup-compatibility/2006" xmlns:mv="urn:schemas-microsoft-com:mac:vml" xmlns:p="http://schemas.openxmlformats.org/presentationml/2006/main" xmlns:c="http://schemas.openxmlformats.org/drawingml/2006/chart" xmlns:dgm="http://schemas.openxmlformats.org/drawingml/2006/diagram" xmlns:o="urn:schemas-microsoft-com:office:office" xmlns:v="urn:schemas-microsoft-com:vml" xmlns:pvml="urn:schemas-microsoft-com:office:powerpoint" xmlns:com="http://schemas.openxmlformats.org/drawingml/2006/compatibility" xmlns:p14="http://schemas.microsoft.com/office/powerpoint/2010/main" xmlns:p15="http://schemas.microsoft.com/office/powerpoint/2012/main" xmlns:ahyp="http://schemas.microsoft.com/office/drawing/2018/hyperlinkcolor">
+<p:notesMaster xmlns:a="http://schemas.openxmlformats.org/drawingml/2006/main" xmlns:r="http://schemas.openxmlformats.org/officeDocument/2006/relationships" xmlns:p="http://schemas.openxmlformats.org/presentationml/2006/main">
   <p:cSld>
+    <p:bg>
+      <p:bgRef idx="1001">
+        <a:schemeClr val="bg1"/>
+      </p:bgRef>
+    </p:bg>
     <p:spTree>
       <p:nvGrpSpPr>
-        <p:cNvPr id="2" name="Shape 2"/>
+        <p:cNvPr id="1" name="Shape 2"/>
         <p:cNvGrpSpPr/>
         <p:nvPr/>
       </p:nvGrpSpPr>
@@ -298,9 +303,11 @@
       <p:sp>
         <p:nvSpPr>
           <p:cNvPr id="3" name="Google Shape;3;n"/>
-          <p:cNvSpPr/>
+          <p:cNvSpPr>
+            <a:spLocks noGrp="1" noRot="1" noChangeAspect="1"/>
+          </p:cNvSpPr>
           <p:nvPr>
-            <p:ph idx="2" type="sldImg"/>
+            <p:ph type="sldImg" idx="2"/>
           </p:nvPr>
         </p:nvSpPr>
         <p:spPr>
@@ -309,9 +316,13 @@
             <a:ext cx="6096075" cy="3429000"/>
           </a:xfrm>
           <a:custGeom>
-            <a:rect b="b" l="l" r="r" t="t"/>
+            <a:avLst/>
+            <a:gdLst/>
+            <a:ahLst/>
+            <a:cxnLst/>
+            <a:rect l="l" t="t" r="r" b="b"/>
             <a:pathLst>
-              <a:path extrusionOk="0" h="120000" w="120000">
+              <a:path w="120000" h="120000" extrusionOk="0">
                 <a:moveTo>
                   <a:pt x="0" y="0"/>
                 </a:moveTo>
@@ -329,23 +340,25 @@
             </a:pathLst>
           </a:custGeom>
           <a:noFill/>
-          <a:ln cap="flat" cmpd="sng" w="9525">
+          <a:ln w="9525" cap="flat" cmpd="sng">
             <a:solidFill>
               <a:srgbClr val="000000"/>
             </a:solidFill>
             <a:prstDash val="solid"/>
             <a:round/>
-            <a:headEnd len="sm" w="sm" type="none"/>
-            <a:tailEnd len="sm" w="sm" type="none"/>
+            <a:headEnd type="none" w="sm" len="sm"/>
+            <a:tailEnd type="none" w="sm" len="sm"/>
           </a:ln>
         </p:spPr>
       </p:sp>
       <p:sp>
         <p:nvSpPr>
           <p:cNvPr id="4" name="Google Shape;4;n"/>
-          <p:cNvSpPr txBox="1"/>
+          <p:cNvSpPr txBox="1">
+            <a:spLocks noGrp="1"/>
+          </p:cNvSpPr>
           <p:nvPr>
-            <p:ph idx="1" type="body"/>
+            <p:ph type="body" idx="1"/>
           </p:nvPr>
         </p:nvSpPr>
         <p:spPr>
@@ -362,11 +375,11 @@
           </a:ln>
         </p:spPr>
         <p:txBody>
-          <a:bodyPr anchorCtr="0" anchor="t" bIns="91425" lIns="91425" spcFirstLastPara="1" rIns="91425" wrap="square" tIns="91425">
+          <a:bodyPr spcFirstLastPara="1" wrap="square" lIns="91425" tIns="91425" rIns="91425" bIns="91425" anchor="t" anchorCtr="0">
             <a:noAutofit/>
           </a:bodyPr>
           <a:lstStyle>
-            <a:lvl1pPr indent="-298450" lvl="0" marL="457200">
+            <a:lvl1pPr marL="457200" lvl="0" indent="-298450">
               <a:spcBef>
                 <a:spcPts val="0"/>
               </a:spcBef>
@@ -377,7 +390,7 @@
               <a:buChar char="●"/>
               <a:defRPr sz="1100"/>
             </a:lvl1pPr>
-            <a:lvl2pPr indent="-298450" lvl="1" marL="914400">
+            <a:lvl2pPr marL="914400" lvl="1" indent="-298450">
               <a:spcBef>
                 <a:spcPts val="0"/>
               </a:spcBef>
@@ -388,7 +401,7 @@
               <a:buChar char="○"/>
               <a:defRPr sz="1100"/>
             </a:lvl2pPr>
-            <a:lvl3pPr indent="-298450" lvl="2" marL="1371600">
+            <a:lvl3pPr marL="1371600" lvl="2" indent="-298450">
               <a:spcBef>
                 <a:spcPts val="0"/>
               </a:spcBef>
@@ -399,7 +412,7 @@
               <a:buChar char="■"/>
               <a:defRPr sz="1100"/>
             </a:lvl3pPr>
-            <a:lvl4pPr indent="-298450" lvl="3" marL="1828800">
+            <a:lvl4pPr marL="1828800" lvl="3" indent="-298450">
               <a:spcBef>
                 <a:spcPts val="0"/>
               </a:spcBef>
@@ -410,7 +423,7 @@
               <a:buChar char="●"/>
               <a:defRPr sz="1100"/>
             </a:lvl4pPr>
-            <a:lvl5pPr indent="-298450" lvl="4" marL="2286000">
+            <a:lvl5pPr marL="2286000" lvl="4" indent="-298450">
               <a:spcBef>
                 <a:spcPts val="0"/>
               </a:spcBef>
@@ -421,7 +434,7 @@
               <a:buChar char="○"/>
               <a:defRPr sz="1100"/>
             </a:lvl5pPr>
-            <a:lvl6pPr indent="-298450" lvl="5" marL="2743200">
+            <a:lvl6pPr marL="2743200" lvl="5" indent="-298450">
               <a:spcBef>
                 <a:spcPts val="0"/>
               </a:spcBef>
@@ -432,7 +445,7 @@
               <a:buChar char="■"/>
               <a:defRPr sz="1100"/>
             </a:lvl6pPr>
-            <a:lvl7pPr indent="-298450" lvl="6" marL="3200400">
+            <a:lvl7pPr marL="3200400" lvl="6" indent="-298450">
               <a:spcBef>
                 <a:spcPts val="0"/>
               </a:spcBef>
@@ -443,7 +456,7 @@
               <a:buChar char="●"/>
               <a:defRPr sz="1100"/>
             </a:lvl7pPr>
-            <a:lvl8pPr indent="-298450" lvl="7" marL="3657600">
+            <a:lvl8pPr marL="3657600" lvl="7" indent="-298450">
               <a:spcBef>
                 <a:spcPts val="0"/>
               </a:spcBef>
@@ -454,7 +467,7 @@
               <a:buChar char="○"/>
               <a:defRPr sz="1100"/>
             </a:lvl8pPr>
-            <a:lvl9pPr indent="-298450" lvl="8" marL="4114800">
+            <a:lvl9pPr marL="4114800" lvl="8" indent="-298450">
               <a:spcBef>
                 <a:spcPts val="0"/>
               </a:spcBef>
@@ -466,14 +479,16 @@
               <a:defRPr sz="1100"/>
             </a:lvl9pPr>
           </a:lstStyle>
-          <a:p/>
+          <a:p>
+            <a:endParaRPr/>
+          </a:p>
         </p:txBody>
       </p:sp>
     </p:spTree>
   </p:cSld>
-  <p:clrMap accent1="accent1" accent2="accent2" accent3="accent3" accent4="accent4" accent5="accent5" accent6="accent6" bg1="lt1" bg2="dk2" tx1="dk1" tx2="lt2" folHlink="folHlink" hlink="hlink"/>
+  <p:clrMap bg1="lt1" tx1="dk1" bg2="dk2" tx2="lt2" accent1="accent1" accent2="accent2" accent3="accent3" accent4="accent4" accent5="accent5" accent6="accent6" hlink="hlink" folHlink="folHlink"/>
   <p:notesStyle>
-    <a:defPPr lvl="0" marR="0" rtl="0" algn="l">
+    <a:defPPr marR="0" lvl="0" algn="l" rtl="0">
       <a:lnSpc>
         <a:spcPct val="100000"/>
       </a:lnSpc>
@@ -484,7 +499,7 @@
         <a:spcPts val="0"/>
       </a:spcAft>
     </a:defPPr>
-    <a:lvl1pPr lvl="0" marR="0" rtl="0" algn="l">
+    <a:lvl1pPr marR="0" lvl="0" algn="l" rtl="0">
       <a:lnSpc>
         <a:spcPct val="100000"/>
       </a:lnSpc>
@@ -498,7 +513,7 @@
         <a:srgbClr val="000000"/>
       </a:buClr>
       <a:buFont typeface="Arial"/>
-      <a:defRPr b="0" i="0" sz="1400" u="none" cap="none" strike="noStrike">
+      <a:defRPr sz="1400" b="0" i="0" u="none" strike="noStrike" cap="none">
         <a:solidFill>
           <a:srgbClr val="000000"/>
         </a:solidFill>
@@ -508,7 +523,7 @@
         <a:sym typeface="Arial"/>
       </a:defRPr>
     </a:lvl1pPr>
-    <a:lvl2pPr lvl="1" marR="0" rtl="0" algn="l">
+    <a:lvl2pPr marR="0" lvl="1" algn="l" rtl="0">
       <a:lnSpc>
         <a:spcPct val="100000"/>
       </a:lnSpc>
@@ -522,7 +537,7 @@
         <a:srgbClr val="000000"/>
       </a:buClr>
       <a:buFont typeface="Arial"/>
-      <a:defRPr b="0" i="0" sz="1400" u="none" cap="none" strike="noStrike">
+      <a:defRPr sz="1400" b="0" i="0" u="none" strike="noStrike" cap="none">
         <a:solidFill>
           <a:srgbClr val="000000"/>
         </a:solidFill>
@@ -532,7 +547,7 @@
         <a:sym typeface="Arial"/>
       </a:defRPr>
     </a:lvl2pPr>
-    <a:lvl3pPr lvl="2" marR="0" rtl="0" algn="l">
+    <a:lvl3pPr marR="0" lvl="2" algn="l" rtl="0">
       <a:lnSpc>
         <a:spcPct val="100000"/>
       </a:lnSpc>
@@ -546,7 +561,7 @@
         <a:srgbClr val="000000"/>
       </a:buClr>
       <a:buFont typeface="Arial"/>
-      <a:defRPr b="0" i="0" sz="1400" u="none" cap="none" strike="noStrike">
+      <a:defRPr sz="1400" b="0" i="0" u="none" strike="noStrike" cap="none">
         <a:solidFill>
           <a:srgbClr val="000000"/>
         </a:solidFill>
@@ -556,7 +571,7 @@
         <a:sym typeface="Arial"/>
       </a:defRPr>
     </a:lvl3pPr>
-    <a:lvl4pPr lvl="3" marR="0" rtl="0" algn="l">
+    <a:lvl4pPr marR="0" lvl="3" algn="l" rtl="0">
       <a:lnSpc>
         <a:spcPct val="100000"/>
       </a:lnSpc>
@@ -570,7 +585,7 @@
         <a:srgbClr val="000000"/>
       </a:buClr>
       <a:buFont typeface="Arial"/>
-      <a:defRPr b="0" i="0" sz="1400" u="none" cap="none" strike="noStrike">
+      <a:defRPr sz="1400" b="0" i="0" u="none" strike="noStrike" cap="none">
         <a:solidFill>
           <a:srgbClr val="000000"/>
         </a:solidFill>
@@ -580,7 +595,7 @@
         <a:sym typeface="Arial"/>
       </a:defRPr>
     </a:lvl4pPr>
-    <a:lvl5pPr lvl="4" marR="0" rtl="0" algn="l">
+    <a:lvl5pPr marR="0" lvl="4" algn="l" rtl="0">
       <a:lnSpc>
         <a:spcPct val="100000"/>
       </a:lnSpc>
@@ -594,7 +609,7 @@
         <a:srgbClr val="000000"/>
       </a:buClr>
       <a:buFont typeface="Arial"/>
-      <a:defRPr b="0" i="0" sz="1400" u="none" cap="none" strike="noStrike">
+      <a:defRPr sz="1400" b="0" i="0" u="none" strike="noStrike" cap="none">
         <a:solidFill>
           <a:srgbClr val="000000"/>
         </a:solidFill>
@@ -604,7 +619,7 @@
         <a:sym typeface="Arial"/>
       </a:defRPr>
     </a:lvl5pPr>
-    <a:lvl6pPr lvl="5" marR="0" rtl="0" algn="l">
+    <a:lvl6pPr marR="0" lvl="5" algn="l" rtl="0">
       <a:lnSpc>
         <a:spcPct val="100000"/>
       </a:lnSpc>
@@ -618,7 +633,7 @@
         <a:srgbClr val="000000"/>
       </a:buClr>
       <a:buFont typeface="Arial"/>
-      <a:defRPr b="0" i="0" sz="1400" u="none" cap="none" strike="noStrike">
+      <a:defRPr sz="1400" b="0" i="0" u="none" strike="noStrike" cap="none">
         <a:solidFill>
           <a:srgbClr val="000000"/>
         </a:solidFill>
@@ -628,7 +643,7 @@
         <a:sym typeface="Arial"/>
       </a:defRPr>
     </a:lvl6pPr>
-    <a:lvl7pPr lvl="6" marR="0" rtl="0" algn="l">
+    <a:lvl7pPr marR="0" lvl="6" algn="l" rtl="0">
       <a:lnSpc>
         <a:spcPct val="100000"/>
       </a:lnSpc>
@@ -642,7 +657,7 @@
         <a:srgbClr val="000000"/>
       </a:buClr>
       <a:buFont typeface="Arial"/>
-      <a:defRPr b="0" i="0" sz="1400" u="none" cap="none" strike="noStrike">
+      <a:defRPr sz="1400" b="0" i="0" u="none" strike="noStrike" cap="none">
         <a:solidFill>
           <a:srgbClr val="000000"/>
         </a:solidFill>
@@ -652,7 +667,7 @@
         <a:sym typeface="Arial"/>
       </a:defRPr>
     </a:lvl7pPr>
-    <a:lvl8pPr lvl="7" marR="0" rtl="0" algn="l">
+    <a:lvl8pPr marR="0" lvl="7" algn="l" rtl="0">
       <a:lnSpc>
         <a:spcPct val="100000"/>
       </a:lnSpc>
@@ -666,7 +681,7 @@
         <a:srgbClr val="000000"/>
       </a:buClr>
       <a:buFont typeface="Arial"/>
-      <a:defRPr b="0" i="0" sz="1400" u="none" cap="none" strike="noStrike">
+      <a:defRPr sz="1400" b="0" i="0" u="none" strike="noStrike" cap="none">
         <a:solidFill>
           <a:srgbClr val="000000"/>
         </a:solidFill>
@@ -676,7 +691,7 @@
         <a:sym typeface="Arial"/>
       </a:defRPr>
     </a:lvl8pPr>
-    <a:lvl9pPr lvl="8" marR="0" rtl="0" algn="l">
+    <a:lvl9pPr marR="0" lvl="8" algn="l" rtl="0">
       <a:lnSpc>
         <a:spcPct val="100000"/>
       </a:lnSpc>
@@ -690,7 +705,7 @@
         <a:srgbClr val="000000"/>
       </a:buClr>
       <a:buFont typeface="Arial"/>
-      <a:defRPr b="0" i="0" sz="1400" u="none" cap="none" strike="noStrike">
+      <a:defRPr sz="1400" b="0" i="0" u="none" strike="noStrike" cap="none">
         <a:solidFill>
           <a:srgbClr val="000000"/>
         </a:solidFill>
@@ -705,11 +720,11 @@
 </file>
 
 <file path=ppt/notesSlides/notesSlide1.xml><?xml version="1.0" encoding="utf-8"?>
-<p:notes xmlns:a="http://schemas.openxmlformats.org/drawingml/2006/main" xmlns:r="http://schemas.openxmlformats.org/officeDocument/2006/relationships" xmlns:mc="http://schemas.openxmlformats.org/markup-compatibility/2006" xmlns:mv="urn:schemas-microsoft-com:mac:vml" xmlns:p="http://schemas.openxmlformats.org/presentationml/2006/main" xmlns:c="http://schemas.openxmlformats.org/drawingml/2006/chart" xmlns:dgm="http://schemas.openxmlformats.org/drawingml/2006/diagram" xmlns:o="urn:schemas-microsoft-com:office:office" xmlns:v="urn:schemas-microsoft-com:vml" xmlns:pvml="urn:schemas-microsoft-com:office:powerpoint" xmlns:com="http://schemas.openxmlformats.org/drawingml/2006/compatibility" xmlns:p14="http://schemas.microsoft.com/office/powerpoint/2010/main" xmlns:p15="http://schemas.microsoft.com/office/powerpoint/2012/main" xmlns:ahyp="http://schemas.microsoft.com/office/drawing/2018/hyperlinkcolor" showMasterPhAnim="0" showMasterSp="0">
+<p:notes xmlns:a="http://schemas.openxmlformats.org/drawingml/2006/main" xmlns:r="http://schemas.openxmlformats.org/officeDocument/2006/relationships" xmlns:p="http://schemas.openxmlformats.org/presentationml/2006/main" showMasterSp="0" showMasterPhAnim="0">
   <p:cSld>
     <p:spTree>
       <p:nvGrpSpPr>
-        <p:cNvPr id="50" name="Shape 50"/>
+        <p:cNvPr id="1" name="Shape 50"/>
         <p:cNvGrpSpPr/>
         <p:nvPr/>
       </p:nvGrpSpPr>
@@ -724,9 +739,11 @@
       <p:sp>
         <p:nvSpPr>
           <p:cNvPr id="51" name="Google Shape;51;g2e76964722e_0_3:notes"/>
-          <p:cNvSpPr/>
+          <p:cNvSpPr>
+            <a:spLocks noGrp="1" noRot="1" noChangeAspect="1"/>
+          </p:cNvSpPr>
           <p:nvPr>
-            <p:ph idx="2" type="sldImg"/>
+            <p:ph type="sldImg" idx="2"/>
           </p:nvPr>
         </p:nvSpPr>
         <p:spPr>
@@ -735,9 +752,13 @@
             <a:ext cx="6096000" cy="3429000"/>
           </a:xfrm>
           <a:custGeom>
-            <a:rect b="b" l="l" r="r" t="t"/>
+            <a:avLst/>
+            <a:gdLst/>
+            <a:ahLst/>
+            <a:cxnLst/>
+            <a:rect l="l" t="t" r="r" b="b"/>
             <a:pathLst>
-              <a:path extrusionOk="0" h="120000" w="120000">
+              <a:path w="120000" h="120000" extrusionOk="0">
                 <a:moveTo>
                   <a:pt x="0" y="0"/>
                 </a:moveTo>
@@ -759,9 +780,11 @@
       <p:sp>
         <p:nvSpPr>
           <p:cNvPr id="52" name="Google Shape;52;g2e76964722e_0_3:notes"/>
-          <p:cNvSpPr txBox="1"/>
+          <p:cNvSpPr txBox="1">
+            <a:spLocks noGrp="1"/>
+          </p:cNvSpPr>
           <p:nvPr>
-            <p:ph idx="1" type="body"/>
+            <p:ph type="body" idx="1"/>
           </p:nvPr>
         </p:nvSpPr>
         <p:spPr>
@@ -774,23 +797,20 @@
           </a:prstGeom>
         </p:spPr>
         <p:txBody>
-          <a:bodyPr anchorCtr="0" anchor="t" bIns="91425" lIns="91425" spcFirstLastPara="1" rIns="91425" wrap="square" tIns="91425">
+          <a:bodyPr spcFirstLastPara="1" wrap="square" lIns="91425" tIns="91425" rIns="91425" bIns="91425" anchor="t" anchorCtr="0">
             <a:noAutofit/>
           </a:bodyPr>
           <a:lstStyle/>
           <a:p>
-            <a:pPr indent="0" lvl="0" marL="0" rtl="0" algn="l">
-              <a:spcBef>
-                <a:spcPts val="0"/>
-              </a:spcBef>
-              <a:spcAft>
-                <a:spcPts val="0"/>
-              </a:spcAft>
-              <a:buNone/>
-            </a:pPr>
-            <a:r>
-              <a:t/>
-            </a:r>
+            <a:pPr marL="0" lvl="0" indent="0" algn="l" rtl="0">
+              <a:spcBef>
+                <a:spcPts val="0"/>
+              </a:spcBef>
+              <a:spcAft>
+                <a:spcPts val="0"/>
+              </a:spcAft>
+              <a:buNone/>
+            </a:pPr>
             <a:endParaRPr/>
           </a:p>
         </p:txBody>
@@ -804,11 +824,11 @@
 </file>
 
 <file path=ppt/notesSlides/notesSlide10.xml><?xml version="1.0" encoding="utf-8"?>
-<p:notes xmlns:a="http://schemas.openxmlformats.org/drawingml/2006/main" xmlns:r="http://schemas.openxmlformats.org/officeDocument/2006/relationships" xmlns:mc="http://schemas.openxmlformats.org/markup-compatibility/2006" xmlns:mv="urn:schemas-microsoft-com:mac:vml" xmlns:p="http://schemas.openxmlformats.org/presentationml/2006/main" xmlns:c="http://schemas.openxmlformats.org/drawingml/2006/chart" xmlns:dgm="http://schemas.openxmlformats.org/drawingml/2006/diagram" xmlns:o="urn:schemas-microsoft-com:office:office" xmlns:v="urn:schemas-microsoft-com:vml" xmlns:pvml="urn:schemas-microsoft-com:office:powerpoint" xmlns:com="http://schemas.openxmlformats.org/drawingml/2006/compatibility" xmlns:p14="http://schemas.microsoft.com/office/powerpoint/2010/main" xmlns:p15="http://schemas.microsoft.com/office/powerpoint/2012/main" xmlns:ahyp="http://schemas.microsoft.com/office/drawing/2018/hyperlinkcolor" showMasterPhAnim="0" showMasterSp="0">
+<p:notes xmlns:a="http://schemas.openxmlformats.org/drawingml/2006/main" xmlns:r="http://schemas.openxmlformats.org/officeDocument/2006/relationships" xmlns:p="http://schemas.openxmlformats.org/presentationml/2006/main" showMasterSp="0" showMasterPhAnim="0">
   <p:cSld>
     <p:spTree>
       <p:nvGrpSpPr>
-        <p:cNvPr id="99" name="Shape 99"/>
+        <p:cNvPr id="1" name="Shape 99"/>
         <p:cNvGrpSpPr/>
         <p:nvPr/>
       </p:nvGrpSpPr>
@@ -823,9 +843,11 @@
       <p:sp>
         <p:nvSpPr>
           <p:cNvPr id="100" name="Google Shape;100;g2e76964722e_0_38:notes"/>
-          <p:cNvSpPr/>
+          <p:cNvSpPr>
+            <a:spLocks noGrp="1" noRot="1" noChangeAspect="1"/>
+          </p:cNvSpPr>
           <p:nvPr>
-            <p:ph idx="2" type="sldImg"/>
+            <p:ph type="sldImg" idx="2"/>
           </p:nvPr>
         </p:nvSpPr>
         <p:spPr>
@@ -834,9 +856,13 @@
             <a:ext cx="6096000" cy="3429000"/>
           </a:xfrm>
           <a:custGeom>
-            <a:rect b="b" l="l" r="r" t="t"/>
+            <a:avLst/>
+            <a:gdLst/>
+            <a:ahLst/>
+            <a:cxnLst/>
+            <a:rect l="l" t="t" r="r" b="b"/>
             <a:pathLst>
-              <a:path extrusionOk="0" h="120000" w="120000">
+              <a:path w="120000" h="120000" extrusionOk="0">
                 <a:moveTo>
                   <a:pt x="0" y="0"/>
                 </a:moveTo>
@@ -858,9 +884,11 @@
       <p:sp>
         <p:nvSpPr>
           <p:cNvPr id="101" name="Google Shape;101;g2e76964722e_0_38:notes"/>
-          <p:cNvSpPr txBox="1"/>
+          <p:cNvSpPr txBox="1">
+            <a:spLocks noGrp="1"/>
+          </p:cNvSpPr>
           <p:nvPr>
-            <p:ph idx="1" type="body"/>
+            <p:ph type="body" idx="1"/>
           </p:nvPr>
         </p:nvSpPr>
         <p:spPr>
@@ -873,23 +901,20 @@
           </a:prstGeom>
         </p:spPr>
         <p:txBody>
-          <a:bodyPr anchorCtr="0" anchor="t" bIns="91425" lIns="91425" spcFirstLastPara="1" rIns="91425" wrap="square" tIns="91425">
+          <a:bodyPr spcFirstLastPara="1" wrap="square" lIns="91425" tIns="91425" rIns="91425" bIns="91425" anchor="t" anchorCtr="0">
             <a:noAutofit/>
           </a:bodyPr>
           <a:lstStyle/>
           <a:p>
-            <a:pPr indent="0" lvl="0" marL="0" rtl="0" algn="l">
-              <a:spcBef>
-                <a:spcPts val="0"/>
-              </a:spcBef>
-              <a:spcAft>
-                <a:spcPts val="0"/>
-              </a:spcAft>
-              <a:buNone/>
-            </a:pPr>
-            <a:r>
-              <a:t/>
-            </a:r>
+            <a:pPr marL="0" lvl="0" indent="0" algn="l" rtl="0">
+              <a:spcBef>
+                <a:spcPts val="0"/>
+              </a:spcBef>
+              <a:spcAft>
+                <a:spcPts val="0"/>
+              </a:spcAft>
+              <a:buNone/>
+            </a:pPr>
             <a:endParaRPr/>
           </a:p>
         </p:txBody>
@@ -903,11 +928,11 @@
 </file>
 
 <file path=ppt/notesSlides/notesSlide2.xml><?xml version="1.0" encoding="utf-8"?>
-<p:notes xmlns:a="http://schemas.openxmlformats.org/drawingml/2006/main" xmlns:r="http://schemas.openxmlformats.org/officeDocument/2006/relationships" xmlns:mc="http://schemas.openxmlformats.org/markup-compatibility/2006" xmlns:mv="urn:schemas-microsoft-com:mac:vml" xmlns:p="http://schemas.openxmlformats.org/presentationml/2006/main" xmlns:c="http://schemas.openxmlformats.org/drawingml/2006/chart" xmlns:dgm="http://schemas.openxmlformats.org/drawingml/2006/diagram" xmlns:o="urn:schemas-microsoft-com:office:office" xmlns:v="urn:schemas-microsoft-com:vml" xmlns:pvml="urn:schemas-microsoft-com:office:powerpoint" xmlns:com="http://schemas.openxmlformats.org/drawingml/2006/compatibility" xmlns:p14="http://schemas.microsoft.com/office/powerpoint/2010/main" xmlns:p15="http://schemas.microsoft.com/office/powerpoint/2012/main" xmlns:ahyp="http://schemas.microsoft.com/office/drawing/2018/hyperlinkcolor" showMasterPhAnim="0" showMasterSp="0">
+<p:notes xmlns:a="http://schemas.openxmlformats.org/drawingml/2006/main" xmlns:r="http://schemas.openxmlformats.org/officeDocument/2006/relationships" xmlns:p="http://schemas.openxmlformats.org/presentationml/2006/main" showMasterSp="0" showMasterPhAnim="0">
   <p:cSld>
     <p:spTree>
       <p:nvGrpSpPr>
-        <p:cNvPr id="56" name="Shape 56"/>
+        <p:cNvPr id="1" name="Shape 56"/>
         <p:cNvGrpSpPr/>
         <p:nvPr/>
       </p:nvGrpSpPr>
@@ -922,9 +947,11 @@
       <p:sp>
         <p:nvSpPr>
           <p:cNvPr id="57" name="Google Shape;57;p:notes"/>
-          <p:cNvSpPr/>
+          <p:cNvSpPr>
+            <a:spLocks noGrp="1" noRot="1" noChangeAspect="1"/>
+          </p:cNvSpPr>
           <p:nvPr>
-            <p:ph idx="2" type="sldImg"/>
+            <p:ph type="sldImg" idx="2"/>
           </p:nvPr>
         </p:nvSpPr>
         <p:spPr>
@@ -933,9 +960,13 @@
             <a:ext cx="6096075" cy="3429000"/>
           </a:xfrm>
           <a:custGeom>
-            <a:rect b="b" l="l" r="r" t="t"/>
+            <a:avLst/>
+            <a:gdLst/>
+            <a:ahLst/>
+            <a:cxnLst/>
+            <a:rect l="l" t="t" r="r" b="b"/>
             <a:pathLst>
-              <a:path extrusionOk="0" h="120000" w="120000">
+              <a:path w="120000" h="120000" extrusionOk="0">
                 <a:moveTo>
                   <a:pt x="0" y="0"/>
                 </a:moveTo>
@@ -957,9 +988,11 @@
       <p:sp>
         <p:nvSpPr>
           <p:cNvPr id="58" name="Google Shape;58;p:notes"/>
-          <p:cNvSpPr txBox="1"/>
+          <p:cNvSpPr txBox="1">
+            <a:spLocks noGrp="1"/>
+          </p:cNvSpPr>
           <p:nvPr>
-            <p:ph idx="1" type="body"/>
+            <p:ph type="body" idx="1"/>
           </p:nvPr>
         </p:nvSpPr>
         <p:spPr>
@@ -972,23 +1005,20 @@
           </a:prstGeom>
         </p:spPr>
         <p:txBody>
-          <a:bodyPr anchorCtr="0" anchor="t" bIns="91425" lIns="91425" spcFirstLastPara="1" rIns="91425" wrap="square" tIns="91425">
+          <a:bodyPr spcFirstLastPara="1" wrap="square" lIns="91425" tIns="91425" rIns="91425" bIns="91425" anchor="t" anchorCtr="0">
             <a:noAutofit/>
           </a:bodyPr>
           <a:lstStyle/>
           <a:p>
-            <a:pPr indent="0" lvl="0" marL="0" rtl="0" algn="l">
-              <a:spcBef>
-                <a:spcPts val="0"/>
-              </a:spcBef>
-              <a:spcAft>
-                <a:spcPts val="0"/>
-              </a:spcAft>
-              <a:buNone/>
-            </a:pPr>
-            <a:r>
-              <a:t/>
-            </a:r>
+            <a:pPr marL="0" lvl="0" indent="0" algn="l" rtl="0">
+              <a:spcBef>
+                <a:spcPts val="0"/>
+              </a:spcBef>
+              <a:spcAft>
+                <a:spcPts val="0"/>
+              </a:spcAft>
+              <a:buNone/>
+            </a:pPr>
             <a:endParaRPr/>
           </a:p>
         </p:txBody>
@@ -1002,11 +1032,11 @@
 </file>
 
 <file path=ppt/notesSlides/notesSlide3.xml><?xml version="1.0" encoding="utf-8"?>
-<p:notes xmlns:a="http://schemas.openxmlformats.org/drawingml/2006/main" xmlns:r="http://schemas.openxmlformats.org/officeDocument/2006/relationships" xmlns:mc="http://schemas.openxmlformats.org/markup-compatibility/2006" xmlns:mv="urn:schemas-microsoft-com:mac:vml" xmlns:p="http://schemas.openxmlformats.org/presentationml/2006/main" xmlns:c="http://schemas.openxmlformats.org/drawingml/2006/chart" xmlns:dgm="http://schemas.openxmlformats.org/drawingml/2006/diagram" xmlns:o="urn:schemas-microsoft-com:office:office" xmlns:v="urn:schemas-microsoft-com:vml" xmlns:pvml="urn:schemas-microsoft-com:office:powerpoint" xmlns:com="http://schemas.openxmlformats.org/drawingml/2006/compatibility" xmlns:p14="http://schemas.microsoft.com/office/powerpoint/2010/main" xmlns:p15="http://schemas.microsoft.com/office/powerpoint/2012/main" xmlns:ahyp="http://schemas.microsoft.com/office/drawing/2018/hyperlinkcolor" showMasterPhAnim="0" showMasterSp="0">
+<p:notes xmlns:a="http://schemas.openxmlformats.org/drawingml/2006/main" xmlns:r="http://schemas.openxmlformats.org/officeDocument/2006/relationships" xmlns:p="http://schemas.openxmlformats.org/presentationml/2006/main" showMasterSp="0" showMasterPhAnim="0">
   <p:cSld>
     <p:spTree>
       <p:nvGrpSpPr>
-        <p:cNvPr id="62" name="Shape 62"/>
+        <p:cNvPr id="1" name="Shape 62"/>
         <p:cNvGrpSpPr/>
         <p:nvPr/>
       </p:nvGrpSpPr>
@@ -1021,9 +1051,11 @@
       <p:sp>
         <p:nvSpPr>
           <p:cNvPr id="63" name="Google Shape;63;g2e76964722e_0_56:notes"/>
-          <p:cNvSpPr/>
+          <p:cNvSpPr>
+            <a:spLocks noGrp="1" noRot="1" noChangeAspect="1"/>
+          </p:cNvSpPr>
           <p:nvPr>
-            <p:ph idx="2" type="sldImg"/>
+            <p:ph type="sldImg" idx="2"/>
           </p:nvPr>
         </p:nvSpPr>
         <p:spPr>
@@ -1032,9 +1064,13 @@
             <a:ext cx="6096000" cy="3429000"/>
           </a:xfrm>
           <a:custGeom>
-            <a:rect b="b" l="l" r="r" t="t"/>
+            <a:avLst/>
+            <a:gdLst/>
+            <a:ahLst/>
+            <a:cxnLst/>
+            <a:rect l="l" t="t" r="r" b="b"/>
             <a:pathLst>
-              <a:path extrusionOk="0" h="120000" w="120000">
+              <a:path w="120000" h="120000" extrusionOk="0">
                 <a:moveTo>
                   <a:pt x="0" y="0"/>
                 </a:moveTo>
@@ -1056,9 +1092,11 @@
       <p:sp>
         <p:nvSpPr>
           <p:cNvPr id="64" name="Google Shape;64;g2e76964722e_0_56:notes"/>
-          <p:cNvSpPr txBox="1"/>
+          <p:cNvSpPr txBox="1">
+            <a:spLocks noGrp="1"/>
+          </p:cNvSpPr>
           <p:nvPr>
-            <p:ph idx="1" type="body"/>
+            <p:ph type="body" idx="1"/>
           </p:nvPr>
         </p:nvSpPr>
         <p:spPr>
@@ -1071,23 +1109,20 @@
           </a:prstGeom>
         </p:spPr>
         <p:txBody>
-          <a:bodyPr anchorCtr="0" anchor="t" bIns="91425" lIns="91425" spcFirstLastPara="1" rIns="91425" wrap="square" tIns="91425">
+          <a:bodyPr spcFirstLastPara="1" wrap="square" lIns="91425" tIns="91425" rIns="91425" bIns="91425" anchor="t" anchorCtr="0">
             <a:noAutofit/>
           </a:bodyPr>
           <a:lstStyle/>
           <a:p>
-            <a:pPr indent="0" lvl="0" marL="0" rtl="0" algn="l">
-              <a:spcBef>
-                <a:spcPts val="0"/>
-              </a:spcBef>
-              <a:spcAft>
-                <a:spcPts val="0"/>
-              </a:spcAft>
-              <a:buNone/>
-            </a:pPr>
-            <a:r>
-              <a:t/>
-            </a:r>
+            <a:pPr marL="0" lvl="0" indent="0" algn="l" rtl="0">
+              <a:spcBef>
+                <a:spcPts val="0"/>
+              </a:spcBef>
+              <a:spcAft>
+                <a:spcPts val="0"/>
+              </a:spcAft>
+              <a:buNone/>
+            </a:pPr>
             <a:endParaRPr/>
           </a:p>
         </p:txBody>
@@ -1101,11 +1136,11 @@
 </file>
 
 <file path=ppt/notesSlides/notesSlide4.xml><?xml version="1.0" encoding="utf-8"?>
-<p:notes xmlns:a="http://schemas.openxmlformats.org/drawingml/2006/main" xmlns:r="http://schemas.openxmlformats.org/officeDocument/2006/relationships" xmlns:mc="http://schemas.openxmlformats.org/markup-compatibility/2006" xmlns:mv="urn:schemas-microsoft-com:mac:vml" xmlns:p="http://schemas.openxmlformats.org/presentationml/2006/main" xmlns:c="http://schemas.openxmlformats.org/drawingml/2006/chart" xmlns:dgm="http://schemas.openxmlformats.org/drawingml/2006/diagram" xmlns:o="urn:schemas-microsoft-com:office:office" xmlns:v="urn:schemas-microsoft-com:vml" xmlns:pvml="urn:schemas-microsoft-com:office:powerpoint" xmlns:com="http://schemas.openxmlformats.org/drawingml/2006/compatibility" xmlns:p14="http://schemas.microsoft.com/office/powerpoint/2010/main" xmlns:p15="http://schemas.microsoft.com/office/powerpoint/2012/main" xmlns:ahyp="http://schemas.microsoft.com/office/drawing/2018/hyperlinkcolor" showMasterPhAnim="0" showMasterSp="0">
+<p:notes xmlns:a="http://schemas.openxmlformats.org/drawingml/2006/main" xmlns:r="http://schemas.openxmlformats.org/officeDocument/2006/relationships" xmlns:p="http://schemas.openxmlformats.org/presentationml/2006/main" showMasterSp="0" showMasterPhAnim="0">
   <p:cSld>
     <p:spTree>
       <p:nvGrpSpPr>
-        <p:cNvPr id="68" name="Shape 68"/>
+        <p:cNvPr id="1" name="Shape 68"/>
         <p:cNvGrpSpPr/>
         <p:nvPr/>
       </p:nvGrpSpPr>
@@ -1120,20 +1155,26 @@
       <p:sp>
         <p:nvSpPr>
           <p:cNvPr id="69" name="Google Shape;69;g2e76964722e_0_10:notes"/>
-          <p:cNvSpPr/>
+          <p:cNvSpPr>
+            <a:spLocks noGrp="1" noRot="1" noChangeAspect="1"/>
+          </p:cNvSpPr>
           <p:nvPr>
-            <p:ph idx="2" type="sldImg"/>
+            <p:ph type="sldImg" idx="2"/>
           </p:nvPr>
         </p:nvSpPr>
         <p:spPr>
           <a:xfrm>
-            <a:off x="381300" y="685800"/>
+            <a:off x="381000" y="685800"/>
             <a:ext cx="6096000" cy="3429000"/>
           </a:xfrm>
           <a:custGeom>
-            <a:rect b="b" l="l" r="r" t="t"/>
+            <a:avLst/>
+            <a:gdLst/>
+            <a:ahLst/>
+            <a:cxnLst/>
+            <a:rect l="l" t="t" r="r" b="b"/>
             <a:pathLst>
-              <a:path extrusionOk="0" h="120000" w="120000">
+              <a:path w="120000" h="120000" extrusionOk="0">
                 <a:moveTo>
                   <a:pt x="0" y="0"/>
                 </a:moveTo>
@@ -1155,9 +1196,11 @@
       <p:sp>
         <p:nvSpPr>
           <p:cNvPr id="70" name="Google Shape;70;g2e76964722e_0_10:notes"/>
-          <p:cNvSpPr txBox="1"/>
+          <p:cNvSpPr txBox="1">
+            <a:spLocks noGrp="1"/>
+          </p:cNvSpPr>
           <p:nvPr>
-            <p:ph idx="1" type="body"/>
+            <p:ph type="body" idx="1"/>
           </p:nvPr>
         </p:nvSpPr>
         <p:spPr>
@@ -1170,23 +1213,20 @@
           </a:prstGeom>
         </p:spPr>
         <p:txBody>
-          <a:bodyPr anchorCtr="0" anchor="t" bIns="91425" lIns="91425" spcFirstLastPara="1" rIns="91425" wrap="square" tIns="91425">
+          <a:bodyPr spcFirstLastPara="1" wrap="square" lIns="91425" tIns="91425" rIns="91425" bIns="91425" anchor="t" anchorCtr="0">
             <a:noAutofit/>
           </a:bodyPr>
           <a:lstStyle/>
           <a:p>
-            <a:pPr indent="0" lvl="0" marL="0" rtl="0" algn="l">
-              <a:spcBef>
-                <a:spcPts val="0"/>
-              </a:spcBef>
-              <a:spcAft>
-                <a:spcPts val="0"/>
-              </a:spcAft>
-              <a:buNone/>
-            </a:pPr>
-            <a:r>
-              <a:t/>
-            </a:r>
+            <a:pPr marL="0" lvl="0" indent="0" algn="l" rtl="0">
+              <a:spcBef>
+                <a:spcPts val="0"/>
+              </a:spcBef>
+              <a:spcAft>
+                <a:spcPts val="0"/>
+              </a:spcAft>
+              <a:buNone/>
+            </a:pPr>
             <a:endParaRPr/>
           </a:p>
         </p:txBody>
@@ -1200,11 +1240,11 @@
 </file>
 
 <file path=ppt/notesSlides/notesSlide5.xml><?xml version="1.0" encoding="utf-8"?>
-<p:notes xmlns:a="http://schemas.openxmlformats.org/drawingml/2006/main" xmlns:r="http://schemas.openxmlformats.org/officeDocument/2006/relationships" xmlns:mc="http://schemas.openxmlformats.org/markup-compatibility/2006" xmlns:mv="urn:schemas-microsoft-com:mac:vml" xmlns:p="http://schemas.openxmlformats.org/presentationml/2006/main" xmlns:c="http://schemas.openxmlformats.org/drawingml/2006/chart" xmlns:dgm="http://schemas.openxmlformats.org/drawingml/2006/diagram" xmlns:o="urn:schemas-microsoft-com:office:office" xmlns:v="urn:schemas-microsoft-com:vml" xmlns:pvml="urn:schemas-microsoft-com:office:powerpoint" xmlns:com="http://schemas.openxmlformats.org/drawingml/2006/compatibility" xmlns:p14="http://schemas.microsoft.com/office/powerpoint/2010/main" xmlns:p15="http://schemas.microsoft.com/office/powerpoint/2012/main" xmlns:ahyp="http://schemas.microsoft.com/office/drawing/2018/hyperlinkcolor" showMasterPhAnim="0" showMasterSp="0">
+<p:notes xmlns:a="http://schemas.openxmlformats.org/drawingml/2006/main" xmlns:r="http://schemas.openxmlformats.org/officeDocument/2006/relationships" xmlns:p="http://schemas.openxmlformats.org/presentationml/2006/main" showMasterSp="0" showMasterPhAnim="0">
   <p:cSld>
     <p:spTree>
       <p:nvGrpSpPr>
-        <p:cNvPr id="74" name="Shape 74"/>
+        <p:cNvPr id="1" name="Shape 74"/>
         <p:cNvGrpSpPr/>
         <p:nvPr/>
       </p:nvGrpSpPr>
@@ -1219,9 +1259,11 @@
       <p:sp>
         <p:nvSpPr>
           <p:cNvPr id="75" name="Google Shape;75;g2e76964722e_0_22:notes"/>
-          <p:cNvSpPr/>
+          <p:cNvSpPr>
+            <a:spLocks noGrp="1" noRot="1" noChangeAspect="1"/>
+          </p:cNvSpPr>
           <p:nvPr>
-            <p:ph idx="2" type="sldImg"/>
+            <p:ph type="sldImg" idx="2"/>
           </p:nvPr>
         </p:nvSpPr>
         <p:spPr>
@@ -1230,9 +1272,13 @@
             <a:ext cx="6096000" cy="3429000"/>
           </a:xfrm>
           <a:custGeom>
-            <a:rect b="b" l="l" r="r" t="t"/>
+            <a:avLst/>
+            <a:gdLst/>
+            <a:ahLst/>
+            <a:cxnLst/>
+            <a:rect l="l" t="t" r="r" b="b"/>
             <a:pathLst>
-              <a:path extrusionOk="0" h="120000" w="120000">
+              <a:path w="120000" h="120000" extrusionOk="0">
                 <a:moveTo>
                   <a:pt x="0" y="0"/>
                 </a:moveTo>
@@ -1254,9 +1300,11 @@
       <p:sp>
         <p:nvSpPr>
           <p:cNvPr id="76" name="Google Shape;76;g2e76964722e_0_22:notes"/>
-          <p:cNvSpPr txBox="1"/>
+          <p:cNvSpPr txBox="1">
+            <a:spLocks noGrp="1"/>
+          </p:cNvSpPr>
           <p:nvPr>
-            <p:ph idx="1" type="body"/>
+            <p:ph type="body" idx="1"/>
           </p:nvPr>
         </p:nvSpPr>
         <p:spPr>
@@ -1269,23 +1317,20 @@
           </a:prstGeom>
         </p:spPr>
         <p:txBody>
-          <a:bodyPr anchorCtr="0" anchor="t" bIns="91425" lIns="91425" spcFirstLastPara="1" rIns="91425" wrap="square" tIns="91425">
+          <a:bodyPr spcFirstLastPara="1" wrap="square" lIns="91425" tIns="91425" rIns="91425" bIns="91425" anchor="t" anchorCtr="0">
             <a:noAutofit/>
           </a:bodyPr>
           <a:lstStyle/>
           <a:p>
-            <a:pPr indent="0" lvl="0" marL="0" rtl="0" algn="l">
-              <a:spcBef>
-                <a:spcPts val="0"/>
-              </a:spcBef>
-              <a:spcAft>
-                <a:spcPts val="0"/>
-              </a:spcAft>
-              <a:buNone/>
-            </a:pPr>
-            <a:r>
-              <a:t/>
-            </a:r>
+            <a:pPr marL="0" lvl="0" indent="0" algn="l" rtl="0">
+              <a:spcBef>
+                <a:spcPts val="0"/>
+              </a:spcBef>
+              <a:spcAft>
+                <a:spcPts val="0"/>
+              </a:spcAft>
+              <a:buNone/>
+            </a:pPr>
             <a:endParaRPr/>
           </a:p>
         </p:txBody>
@@ -1299,11 +1344,11 @@
 </file>
 
 <file path=ppt/notesSlides/notesSlide6.xml><?xml version="1.0" encoding="utf-8"?>
-<p:notes xmlns:a="http://schemas.openxmlformats.org/drawingml/2006/main" xmlns:r="http://schemas.openxmlformats.org/officeDocument/2006/relationships" xmlns:mc="http://schemas.openxmlformats.org/markup-compatibility/2006" xmlns:mv="urn:schemas-microsoft-com:mac:vml" xmlns:p="http://schemas.openxmlformats.org/presentationml/2006/main" xmlns:c="http://schemas.openxmlformats.org/drawingml/2006/chart" xmlns:dgm="http://schemas.openxmlformats.org/drawingml/2006/diagram" xmlns:o="urn:schemas-microsoft-com:office:office" xmlns:v="urn:schemas-microsoft-com:vml" xmlns:pvml="urn:schemas-microsoft-com:office:powerpoint" xmlns:com="http://schemas.openxmlformats.org/drawingml/2006/compatibility" xmlns:p14="http://schemas.microsoft.com/office/powerpoint/2010/main" xmlns:p15="http://schemas.microsoft.com/office/powerpoint/2012/main" xmlns:ahyp="http://schemas.microsoft.com/office/drawing/2018/hyperlinkcolor" showMasterPhAnim="0" showMasterSp="0">
+<p:notes xmlns:a="http://schemas.openxmlformats.org/drawingml/2006/main" xmlns:r="http://schemas.openxmlformats.org/officeDocument/2006/relationships" xmlns:p="http://schemas.openxmlformats.org/presentationml/2006/main" showMasterSp="0" showMasterPhAnim="0">
   <p:cSld>
     <p:spTree>
       <p:nvGrpSpPr>
-        <p:cNvPr id="79" name="Shape 79"/>
+        <p:cNvPr id="1" name="Shape 79"/>
         <p:cNvGrpSpPr/>
         <p:nvPr/>
       </p:nvGrpSpPr>
@@ -1318,9 +1363,11 @@
       <p:sp>
         <p:nvSpPr>
           <p:cNvPr id="80" name="Google Shape;80;g2e76964722e_0_28:notes"/>
-          <p:cNvSpPr/>
+          <p:cNvSpPr>
+            <a:spLocks noGrp="1" noRot="1" noChangeAspect="1"/>
+          </p:cNvSpPr>
           <p:nvPr>
-            <p:ph idx="2" type="sldImg"/>
+            <p:ph type="sldImg" idx="2"/>
           </p:nvPr>
         </p:nvSpPr>
         <p:spPr>
@@ -1329,9 +1376,13 @@
             <a:ext cx="6096000" cy="3429000"/>
           </a:xfrm>
           <a:custGeom>
-            <a:rect b="b" l="l" r="r" t="t"/>
+            <a:avLst/>
+            <a:gdLst/>
+            <a:ahLst/>
+            <a:cxnLst/>
+            <a:rect l="l" t="t" r="r" b="b"/>
             <a:pathLst>
-              <a:path extrusionOk="0" h="120000" w="120000">
+              <a:path w="120000" h="120000" extrusionOk="0">
                 <a:moveTo>
                   <a:pt x="0" y="0"/>
                 </a:moveTo>
@@ -1353,9 +1404,11 @@
       <p:sp>
         <p:nvSpPr>
           <p:cNvPr id="81" name="Google Shape;81;g2e76964722e_0_28:notes"/>
-          <p:cNvSpPr txBox="1"/>
+          <p:cNvSpPr txBox="1">
+            <a:spLocks noGrp="1"/>
+          </p:cNvSpPr>
           <p:nvPr>
-            <p:ph idx="1" type="body"/>
+            <p:ph type="body" idx="1"/>
           </p:nvPr>
         </p:nvSpPr>
         <p:spPr>
@@ -1368,23 +1421,20 @@
           </a:prstGeom>
         </p:spPr>
         <p:txBody>
-          <a:bodyPr anchorCtr="0" anchor="t" bIns="91425" lIns="91425" spcFirstLastPara="1" rIns="91425" wrap="square" tIns="91425">
+          <a:bodyPr spcFirstLastPara="1" wrap="square" lIns="91425" tIns="91425" rIns="91425" bIns="91425" anchor="t" anchorCtr="0">
             <a:noAutofit/>
           </a:bodyPr>
           <a:lstStyle/>
           <a:p>
-            <a:pPr indent="0" lvl="0" marL="0" rtl="0" algn="l">
-              <a:spcBef>
-                <a:spcPts val="0"/>
-              </a:spcBef>
-              <a:spcAft>
-                <a:spcPts val="0"/>
-              </a:spcAft>
-              <a:buNone/>
-            </a:pPr>
-            <a:r>
-              <a:t/>
-            </a:r>
+            <a:pPr marL="0" lvl="0" indent="0" algn="l" rtl="0">
+              <a:spcBef>
+                <a:spcPts val="0"/>
+              </a:spcBef>
+              <a:spcAft>
+                <a:spcPts val="0"/>
+              </a:spcAft>
+              <a:buNone/>
+            </a:pPr>
             <a:endParaRPr/>
           </a:p>
         </p:txBody>
@@ -1398,11 +1448,11 @@
 </file>
 
 <file path=ppt/notesSlides/notesSlide7.xml><?xml version="1.0" encoding="utf-8"?>
-<p:notes xmlns:a="http://schemas.openxmlformats.org/drawingml/2006/main" xmlns:r="http://schemas.openxmlformats.org/officeDocument/2006/relationships" xmlns:mc="http://schemas.openxmlformats.org/markup-compatibility/2006" xmlns:mv="urn:schemas-microsoft-com:mac:vml" xmlns:p="http://schemas.openxmlformats.org/presentationml/2006/main" xmlns:c="http://schemas.openxmlformats.org/drawingml/2006/chart" xmlns:dgm="http://schemas.openxmlformats.org/drawingml/2006/diagram" xmlns:o="urn:schemas-microsoft-com:office:office" xmlns:v="urn:schemas-microsoft-com:vml" xmlns:pvml="urn:schemas-microsoft-com:office:powerpoint" xmlns:com="http://schemas.openxmlformats.org/drawingml/2006/compatibility" xmlns:p14="http://schemas.microsoft.com/office/powerpoint/2010/main" xmlns:p15="http://schemas.microsoft.com/office/powerpoint/2012/main" xmlns:ahyp="http://schemas.microsoft.com/office/drawing/2018/hyperlinkcolor" showMasterPhAnim="0" showMasterSp="0">
+<p:notes xmlns:a="http://schemas.openxmlformats.org/drawingml/2006/main" xmlns:r="http://schemas.openxmlformats.org/officeDocument/2006/relationships" xmlns:p="http://schemas.openxmlformats.org/presentationml/2006/main" showMasterSp="0" showMasterPhAnim="0">
   <p:cSld>
     <p:spTree>
       <p:nvGrpSpPr>
-        <p:cNvPr id="84" name="Shape 84"/>
+        <p:cNvPr id="1" name="Shape 84"/>
         <p:cNvGrpSpPr/>
         <p:nvPr/>
       </p:nvGrpSpPr>
@@ -1417,9 +1467,11 @@
       <p:sp>
         <p:nvSpPr>
           <p:cNvPr id="85" name="Google Shape;85;g2e76964722e_0_33:notes"/>
-          <p:cNvSpPr/>
+          <p:cNvSpPr>
+            <a:spLocks noGrp="1" noRot="1" noChangeAspect="1"/>
+          </p:cNvSpPr>
           <p:nvPr>
-            <p:ph idx="2" type="sldImg"/>
+            <p:ph type="sldImg" idx="2"/>
           </p:nvPr>
         </p:nvSpPr>
         <p:spPr>
@@ -1428,9 +1480,13 @@
             <a:ext cx="6096000" cy="3429000"/>
           </a:xfrm>
           <a:custGeom>
-            <a:rect b="b" l="l" r="r" t="t"/>
+            <a:avLst/>
+            <a:gdLst/>
+            <a:ahLst/>
+            <a:cxnLst/>
+            <a:rect l="l" t="t" r="r" b="b"/>
             <a:pathLst>
-              <a:path extrusionOk="0" h="120000" w="120000">
+              <a:path w="120000" h="120000" extrusionOk="0">
                 <a:moveTo>
                   <a:pt x="0" y="0"/>
                 </a:moveTo>
@@ -1452,9 +1508,11 @@
       <p:sp>
         <p:nvSpPr>
           <p:cNvPr id="86" name="Google Shape;86;g2e76964722e_0_33:notes"/>
-          <p:cNvSpPr txBox="1"/>
+          <p:cNvSpPr txBox="1">
+            <a:spLocks noGrp="1"/>
+          </p:cNvSpPr>
           <p:nvPr>
-            <p:ph idx="1" type="body"/>
+            <p:ph type="body" idx="1"/>
           </p:nvPr>
         </p:nvSpPr>
         <p:spPr>
@@ -1467,23 +1525,20 @@
           </a:prstGeom>
         </p:spPr>
         <p:txBody>
-          <a:bodyPr anchorCtr="0" anchor="t" bIns="91425" lIns="91425" spcFirstLastPara="1" rIns="91425" wrap="square" tIns="91425">
+          <a:bodyPr spcFirstLastPara="1" wrap="square" lIns="91425" tIns="91425" rIns="91425" bIns="91425" anchor="t" anchorCtr="0">
             <a:noAutofit/>
           </a:bodyPr>
           <a:lstStyle/>
           <a:p>
-            <a:pPr indent="0" lvl="0" marL="0" rtl="0" algn="l">
-              <a:spcBef>
-                <a:spcPts val="0"/>
-              </a:spcBef>
-              <a:spcAft>
-                <a:spcPts val="0"/>
-              </a:spcAft>
-              <a:buNone/>
-            </a:pPr>
-            <a:r>
-              <a:t/>
-            </a:r>
+            <a:pPr marL="0" lvl="0" indent="0" algn="l" rtl="0">
+              <a:spcBef>
+                <a:spcPts val="0"/>
+              </a:spcBef>
+              <a:spcAft>
+                <a:spcPts val="0"/>
+              </a:spcAft>
+              <a:buNone/>
+            </a:pPr>
             <a:endParaRPr/>
           </a:p>
         </p:txBody>
@@ -1497,11 +1552,11 @@
 </file>
 
 <file path=ppt/notesSlides/notesSlide8.xml><?xml version="1.0" encoding="utf-8"?>
-<p:notes xmlns:a="http://schemas.openxmlformats.org/drawingml/2006/main" xmlns:r="http://schemas.openxmlformats.org/officeDocument/2006/relationships" xmlns:mc="http://schemas.openxmlformats.org/markup-compatibility/2006" xmlns:mv="urn:schemas-microsoft-com:mac:vml" xmlns:p="http://schemas.openxmlformats.org/presentationml/2006/main" xmlns:c="http://schemas.openxmlformats.org/drawingml/2006/chart" xmlns:dgm="http://schemas.openxmlformats.org/drawingml/2006/diagram" xmlns:o="urn:schemas-microsoft-com:office:office" xmlns:v="urn:schemas-microsoft-com:vml" xmlns:pvml="urn:schemas-microsoft-com:office:powerpoint" xmlns:com="http://schemas.openxmlformats.org/drawingml/2006/compatibility" xmlns:p14="http://schemas.microsoft.com/office/powerpoint/2010/main" xmlns:p15="http://schemas.microsoft.com/office/powerpoint/2012/main" xmlns:ahyp="http://schemas.microsoft.com/office/drawing/2018/hyperlinkcolor" showMasterPhAnim="0" showMasterSp="0">
+<p:notes xmlns:a="http://schemas.openxmlformats.org/drawingml/2006/main" xmlns:r="http://schemas.openxmlformats.org/officeDocument/2006/relationships" xmlns:p="http://schemas.openxmlformats.org/presentationml/2006/main" showMasterSp="0" showMasterPhAnim="0">
   <p:cSld>
     <p:spTree>
       <p:nvGrpSpPr>
-        <p:cNvPr id="89" name="Shape 89"/>
+        <p:cNvPr id="1" name="Shape 89"/>
         <p:cNvGrpSpPr/>
         <p:nvPr/>
       </p:nvGrpSpPr>
@@ -1516,9 +1571,11 @@
       <p:sp>
         <p:nvSpPr>
           <p:cNvPr id="90" name="Google Shape;90;g2e76964722e_0_46:notes"/>
-          <p:cNvSpPr/>
+          <p:cNvSpPr>
+            <a:spLocks noGrp="1" noRot="1" noChangeAspect="1"/>
+          </p:cNvSpPr>
           <p:nvPr>
-            <p:ph idx="2" type="sldImg"/>
+            <p:ph type="sldImg" idx="2"/>
           </p:nvPr>
         </p:nvSpPr>
         <p:spPr>
@@ -1527,9 +1584,13 @@
             <a:ext cx="6096000" cy="3429000"/>
           </a:xfrm>
           <a:custGeom>
-            <a:rect b="b" l="l" r="r" t="t"/>
+            <a:avLst/>
+            <a:gdLst/>
+            <a:ahLst/>
+            <a:cxnLst/>
+            <a:rect l="l" t="t" r="r" b="b"/>
             <a:pathLst>
-              <a:path extrusionOk="0" h="120000" w="120000">
+              <a:path w="120000" h="120000" extrusionOk="0">
                 <a:moveTo>
                   <a:pt x="0" y="0"/>
                 </a:moveTo>
@@ -1551,9 +1612,11 @@
       <p:sp>
         <p:nvSpPr>
           <p:cNvPr id="91" name="Google Shape;91;g2e76964722e_0_46:notes"/>
-          <p:cNvSpPr txBox="1"/>
+          <p:cNvSpPr txBox="1">
+            <a:spLocks noGrp="1"/>
+          </p:cNvSpPr>
           <p:nvPr>
-            <p:ph idx="1" type="body"/>
+            <p:ph type="body" idx="1"/>
           </p:nvPr>
         </p:nvSpPr>
         <p:spPr>
@@ -1566,23 +1629,20 @@
           </a:prstGeom>
         </p:spPr>
         <p:txBody>
-          <a:bodyPr anchorCtr="0" anchor="t" bIns="91425" lIns="91425" spcFirstLastPara="1" rIns="91425" wrap="square" tIns="91425">
+          <a:bodyPr spcFirstLastPara="1" wrap="square" lIns="91425" tIns="91425" rIns="91425" bIns="91425" anchor="t" anchorCtr="0">
             <a:noAutofit/>
           </a:bodyPr>
           <a:lstStyle/>
           <a:p>
-            <a:pPr indent="0" lvl="0" marL="0" rtl="0" algn="l">
-              <a:spcBef>
-                <a:spcPts val="0"/>
-              </a:spcBef>
-              <a:spcAft>
-                <a:spcPts val="0"/>
-              </a:spcAft>
-              <a:buNone/>
-            </a:pPr>
-            <a:r>
-              <a:t/>
-            </a:r>
+            <a:pPr marL="0" lvl="0" indent="0" algn="l" rtl="0">
+              <a:spcBef>
+                <a:spcPts val="0"/>
+              </a:spcBef>
+              <a:spcAft>
+                <a:spcPts val="0"/>
+              </a:spcAft>
+              <a:buNone/>
+            </a:pPr>
             <a:endParaRPr/>
           </a:p>
         </p:txBody>
@@ -1596,11 +1656,11 @@
 </file>
 
 <file path=ppt/notesSlides/notesSlide9.xml><?xml version="1.0" encoding="utf-8"?>
-<p:notes xmlns:a="http://schemas.openxmlformats.org/drawingml/2006/main" xmlns:r="http://schemas.openxmlformats.org/officeDocument/2006/relationships" xmlns:mc="http://schemas.openxmlformats.org/markup-compatibility/2006" xmlns:mv="urn:schemas-microsoft-com:mac:vml" xmlns:p="http://schemas.openxmlformats.org/presentationml/2006/main" xmlns:c="http://schemas.openxmlformats.org/drawingml/2006/chart" xmlns:dgm="http://schemas.openxmlformats.org/drawingml/2006/diagram" xmlns:o="urn:schemas-microsoft-com:office:office" xmlns:v="urn:schemas-microsoft-com:vml" xmlns:pvml="urn:schemas-microsoft-com:office:powerpoint" xmlns:com="http://schemas.openxmlformats.org/drawingml/2006/compatibility" xmlns:p14="http://schemas.microsoft.com/office/powerpoint/2010/main" xmlns:p15="http://schemas.microsoft.com/office/powerpoint/2012/main" xmlns:ahyp="http://schemas.microsoft.com/office/drawing/2018/hyperlinkcolor" showMasterPhAnim="0" showMasterSp="0">
+<p:notes xmlns:a="http://schemas.openxmlformats.org/drawingml/2006/main" xmlns:r="http://schemas.openxmlformats.org/officeDocument/2006/relationships" xmlns:p="http://schemas.openxmlformats.org/presentationml/2006/main" showMasterSp="0" showMasterPhAnim="0">
   <p:cSld>
     <p:spTree>
       <p:nvGrpSpPr>
-        <p:cNvPr id="94" name="Shape 94"/>
+        <p:cNvPr id="1" name="Shape 94"/>
         <p:cNvGrpSpPr/>
         <p:nvPr/>
       </p:nvGrpSpPr>
@@ -1615,9 +1675,11 @@
       <p:sp>
         <p:nvSpPr>
           <p:cNvPr id="95" name="Google Shape;95;g2e76964722e_0_51:notes"/>
-          <p:cNvSpPr/>
+          <p:cNvSpPr>
+            <a:spLocks noGrp="1" noRot="1" noChangeAspect="1"/>
+          </p:cNvSpPr>
           <p:nvPr>
-            <p:ph idx="2" type="sldImg"/>
+            <p:ph type="sldImg" idx="2"/>
           </p:nvPr>
         </p:nvSpPr>
         <p:spPr>
@@ -1626,9 +1688,13 @@
             <a:ext cx="6096000" cy="3429000"/>
           </a:xfrm>
           <a:custGeom>
-            <a:rect b="b" l="l" r="r" t="t"/>
+            <a:avLst/>
+            <a:gdLst/>
+            <a:ahLst/>
+            <a:cxnLst/>
+            <a:rect l="l" t="t" r="r" b="b"/>
             <a:pathLst>
-              <a:path extrusionOk="0" h="120000" w="120000">
+              <a:path w="120000" h="120000" extrusionOk="0">
                 <a:moveTo>
                   <a:pt x="0" y="0"/>
                 </a:moveTo>
@@ -1650,9 +1716,11 @@
       <p:sp>
         <p:nvSpPr>
           <p:cNvPr id="96" name="Google Shape;96;g2e76964722e_0_51:notes"/>
-          <p:cNvSpPr txBox="1"/>
+          <p:cNvSpPr txBox="1">
+            <a:spLocks noGrp="1"/>
+          </p:cNvSpPr>
           <p:nvPr>
-            <p:ph idx="1" type="body"/>
+            <p:ph type="body" idx="1"/>
           </p:nvPr>
         </p:nvSpPr>
         <p:spPr>
@@ -1665,23 +1733,20 @@
           </a:prstGeom>
         </p:spPr>
         <p:txBody>
-          <a:bodyPr anchorCtr="0" anchor="t" bIns="91425" lIns="91425" spcFirstLastPara="1" rIns="91425" wrap="square" tIns="91425">
+          <a:bodyPr spcFirstLastPara="1" wrap="square" lIns="91425" tIns="91425" rIns="91425" bIns="91425" anchor="t" anchorCtr="0">
             <a:noAutofit/>
           </a:bodyPr>
           <a:lstStyle/>
           <a:p>
-            <a:pPr indent="0" lvl="0" marL="0" rtl="0" algn="l">
-              <a:spcBef>
-                <a:spcPts val="0"/>
-              </a:spcBef>
-              <a:spcAft>
-                <a:spcPts val="0"/>
-              </a:spcAft>
-              <a:buNone/>
-            </a:pPr>
-            <a:r>
-              <a:t/>
-            </a:r>
+            <a:pPr marL="0" lvl="0" indent="0" algn="l" rtl="0">
+              <a:spcBef>
+                <a:spcPts val="0"/>
+              </a:spcBef>
+              <a:spcAft>
+                <a:spcPts val="0"/>
+              </a:spcAft>
+              <a:buNone/>
+            </a:pPr>
             <a:endParaRPr/>
           </a:p>
         </p:txBody>
@@ -1695,11 +1760,11 @@
 </file>
 
 <file path=ppt/slideLayouts/slideLayout1.xml><?xml version="1.0" encoding="utf-8"?>
-<p:sldLayout xmlns:a="http://schemas.openxmlformats.org/drawingml/2006/main" xmlns:r="http://schemas.openxmlformats.org/officeDocument/2006/relationships" xmlns:mc="http://schemas.openxmlformats.org/markup-compatibility/2006" xmlns:mv="urn:schemas-microsoft-com:mac:vml" xmlns:p="http://schemas.openxmlformats.org/presentationml/2006/main" xmlns:c="http://schemas.openxmlformats.org/drawingml/2006/chart" xmlns:dgm="http://schemas.openxmlformats.org/drawingml/2006/diagram" xmlns:o="urn:schemas-microsoft-com:office:office" xmlns:v="urn:schemas-microsoft-com:vml" xmlns:pvml="urn:schemas-microsoft-com:office:powerpoint" xmlns:com="http://schemas.openxmlformats.org/drawingml/2006/compatibility" xmlns:p14="http://schemas.microsoft.com/office/powerpoint/2010/main" xmlns:p15="http://schemas.microsoft.com/office/powerpoint/2012/main" xmlns:ahyp="http://schemas.microsoft.com/office/drawing/2018/hyperlinkcolor" matchingName="Title slide" type="title">
+<p:sldLayout xmlns:a="http://schemas.openxmlformats.org/drawingml/2006/main" xmlns:r="http://schemas.openxmlformats.org/officeDocument/2006/relationships" xmlns:p="http://schemas.openxmlformats.org/presentationml/2006/main" matchingName="Title slide" type="title">
   <p:cSld name="TITLE">
     <p:spTree>
       <p:nvGrpSpPr>
-        <p:cNvPr id="9" name="Shape 9"/>
+        <p:cNvPr id="1" name="Shape 9"/>
         <p:cNvGrpSpPr/>
         <p:nvPr/>
       </p:nvGrpSpPr>
@@ -1714,7 +1779,9 @@
       <p:sp>
         <p:nvSpPr>
           <p:cNvPr id="10" name="Google Shape;10;p2"/>
-          <p:cNvSpPr txBox="1"/>
+          <p:cNvSpPr txBox="1">
+            <a:spLocks noGrp="1"/>
+          </p:cNvSpPr>
           <p:nvPr>
             <p:ph type="ctrTitle"/>
           </p:nvPr>
@@ -1729,7 +1796,7 @@
           </a:prstGeom>
         </p:spPr>
         <p:txBody>
-          <a:bodyPr anchorCtr="0" anchor="b" bIns="91425" lIns="91425" spcFirstLastPara="1" rIns="91425" wrap="square" tIns="91425">
+          <a:bodyPr spcFirstLastPara="1" wrap="square" lIns="91425" tIns="91425" rIns="91425" bIns="91425" anchor="b" anchorCtr="0">
             <a:normAutofit/>
           </a:bodyPr>
           <a:lstStyle>
@@ -1833,15 +1900,19 @@
               <a:defRPr sz="5200"/>
             </a:lvl9pPr>
           </a:lstStyle>
-          <a:p/>
+          <a:p>
+            <a:endParaRPr/>
+          </a:p>
         </p:txBody>
       </p:sp>
       <p:sp>
         <p:nvSpPr>
           <p:cNvPr id="11" name="Google Shape;11;p2"/>
-          <p:cNvSpPr txBox="1"/>
+          <p:cNvSpPr txBox="1">
+            <a:spLocks noGrp="1"/>
+          </p:cNvSpPr>
           <p:nvPr>
-            <p:ph idx="1" type="subTitle"/>
+            <p:ph type="subTitle" idx="1"/>
           </p:nvPr>
         </p:nvSpPr>
         <p:spPr>
@@ -1854,7 +1925,7 @@
           </a:prstGeom>
         </p:spPr>
         <p:txBody>
-          <a:bodyPr anchorCtr="0" anchor="t" bIns="91425" lIns="91425" spcFirstLastPara="1" rIns="91425" wrap="square" tIns="91425">
+          <a:bodyPr spcFirstLastPara="1" wrap="square" lIns="91425" tIns="91425" rIns="91425" bIns="91425" anchor="t" anchorCtr="0">
             <a:normAutofit/>
           </a:bodyPr>
           <a:lstStyle>
@@ -1985,15 +2056,19 @@
               <a:defRPr sz="2800"/>
             </a:lvl9pPr>
           </a:lstStyle>
-          <a:p/>
+          <a:p>
+            <a:endParaRPr/>
+          </a:p>
         </p:txBody>
       </p:sp>
       <p:sp>
         <p:nvSpPr>
           <p:cNvPr id="12" name="Google Shape;12;p2"/>
-          <p:cNvSpPr txBox="1"/>
+          <p:cNvSpPr txBox="1">
+            <a:spLocks noGrp="1"/>
+          </p:cNvSpPr>
           <p:nvPr>
-            <p:ph idx="12" type="sldNum"/>
+            <p:ph type="sldNum" idx="12"/>
           </p:nvPr>
         </p:nvSpPr>
         <p:spPr>
@@ -2006,7 +2081,7 @@
           </a:prstGeom>
         </p:spPr>
         <p:txBody>
-          <a:bodyPr anchorCtr="0" anchor="ctr" bIns="91425" lIns="91425" spcFirstLastPara="1" rIns="91425" wrap="square" tIns="91425">
+          <a:bodyPr spcFirstLastPara="1" wrap="square" lIns="91425" tIns="91425" rIns="91425" bIns="91425" anchor="ctr" anchorCtr="0">
             <a:normAutofit/>
           </a:bodyPr>
           <a:lstStyle>
@@ -2048,7 +2123,7 @@
             </a:lvl9pPr>
           </a:lstStyle>
           <a:p>
-            <a:pPr indent="0" lvl="0" marL="0" rtl="0" algn="r">
+            <a:pPr marL="0" lvl="0" indent="0" algn="r" rtl="0">
               <a:spcBef>
                 <a:spcPts val="0"/>
               </a:spcBef>
@@ -2059,7 +2134,7 @@
             </a:pPr>
             <a:fld id="{00000000-1234-1234-1234-123412341234}" type="slidenum">
               <a:rPr lang="es-419"/>
-              <a:t>‹#›</a:t>
+              <a:t>‹Nº›</a:t>
             </a:fld>
             <a:endParaRPr/>
           </a:p>
@@ -2074,11 +2149,11 @@
 </file>
 
 <file path=ppt/slideLayouts/slideLayout10.xml><?xml version="1.0" encoding="utf-8"?>
-<p:sldLayout xmlns:a="http://schemas.openxmlformats.org/drawingml/2006/main" xmlns:r="http://schemas.openxmlformats.org/officeDocument/2006/relationships" xmlns:mc="http://schemas.openxmlformats.org/markup-compatibility/2006" xmlns:mv="urn:schemas-microsoft-com:mac:vml" xmlns:p="http://schemas.openxmlformats.org/presentationml/2006/main" xmlns:c="http://schemas.openxmlformats.org/drawingml/2006/chart" xmlns:dgm="http://schemas.openxmlformats.org/drawingml/2006/diagram" xmlns:o="urn:schemas-microsoft-com:office:office" xmlns:v="urn:schemas-microsoft-com:vml" xmlns:pvml="urn:schemas-microsoft-com:office:powerpoint" xmlns:com="http://schemas.openxmlformats.org/drawingml/2006/compatibility" xmlns:p14="http://schemas.microsoft.com/office/powerpoint/2010/main" xmlns:p15="http://schemas.microsoft.com/office/powerpoint/2012/main" xmlns:ahyp="http://schemas.microsoft.com/office/drawing/2018/hyperlinkcolor" matchingName="Big number">
+<p:sldLayout xmlns:a="http://schemas.openxmlformats.org/drawingml/2006/main" xmlns:r="http://schemas.openxmlformats.org/officeDocument/2006/relationships" xmlns:p="http://schemas.openxmlformats.org/presentationml/2006/main" matchingName="Big number">
   <p:cSld name="BIG_NUMBER">
     <p:spTree>
       <p:nvGrpSpPr>
-        <p:cNvPr id="44" name="Shape 44"/>
+        <p:cNvPr id="1" name="Shape 44"/>
         <p:cNvGrpSpPr/>
         <p:nvPr/>
       </p:nvGrpSpPr>
@@ -2093,9 +2168,11 @@
       <p:sp>
         <p:nvSpPr>
           <p:cNvPr id="45" name="Google Shape;45;p11"/>
-          <p:cNvSpPr txBox="1"/>
+          <p:cNvSpPr txBox="1">
+            <a:spLocks noGrp="1"/>
+          </p:cNvSpPr>
           <p:nvPr>
-            <p:ph hasCustomPrompt="1" type="title"/>
+            <p:ph type="title" hasCustomPrompt="1"/>
           </p:nvPr>
         </p:nvSpPr>
         <p:spPr>
@@ -2108,7 +2185,7 @@
           </a:prstGeom>
         </p:spPr>
         <p:txBody>
-          <a:bodyPr anchorCtr="0" anchor="b" bIns="91425" lIns="91425" spcFirstLastPara="1" rIns="91425" wrap="square" tIns="91425">
+          <a:bodyPr spcFirstLastPara="1" wrap="square" lIns="91425" tIns="91425" rIns="91425" bIns="91425" anchor="b" anchorCtr="0">
             <a:normAutofit/>
           </a:bodyPr>
           <a:lstStyle>
@@ -2222,9 +2299,11 @@
       <p:sp>
         <p:nvSpPr>
           <p:cNvPr id="46" name="Google Shape;46;p11"/>
-          <p:cNvSpPr txBox="1"/>
+          <p:cNvSpPr txBox="1">
+            <a:spLocks noGrp="1"/>
+          </p:cNvSpPr>
           <p:nvPr>
-            <p:ph idx="1" type="body"/>
+            <p:ph type="body" idx="1"/>
           </p:nvPr>
         </p:nvSpPr>
         <p:spPr>
@@ -2237,11 +2316,11 @@
           </a:prstGeom>
         </p:spPr>
         <p:txBody>
-          <a:bodyPr anchorCtr="0" anchor="t" bIns="91425" lIns="91425" spcFirstLastPara="1" rIns="91425" wrap="square" tIns="91425">
+          <a:bodyPr spcFirstLastPara="1" wrap="square" lIns="91425" tIns="91425" rIns="91425" bIns="91425" anchor="t" anchorCtr="0">
             <a:normAutofit/>
           </a:bodyPr>
           <a:lstStyle>
-            <a:lvl1pPr indent="-342900" lvl="0" marL="457200" algn="ctr">
+            <a:lvl1pPr marL="457200" lvl="0" indent="-342900" algn="ctr">
               <a:spcBef>
                 <a:spcPts val="0"/>
               </a:spcBef>
@@ -2252,7 +2331,7 @@
               <a:buChar char="●"/>
               <a:defRPr/>
             </a:lvl1pPr>
-            <a:lvl2pPr indent="-317500" lvl="1" marL="914400" algn="ctr">
+            <a:lvl2pPr marL="914400" lvl="1" indent="-317500" algn="ctr">
               <a:spcBef>
                 <a:spcPts val="0"/>
               </a:spcBef>
@@ -2263,7 +2342,7 @@
               <a:buChar char="○"/>
               <a:defRPr/>
             </a:lvl2pPr>
-            <a:lvl3pPr indent="-317500" lvl="2" marL="1371600" algn="ctr">
+            <a:lvl3pPr marL="1371600" lvl="2" indent="-317500" algn="ctr">
               <a:spcBef>
                 <a:spcPts val="0"/>
               </a:spcBef>
@@ -2274,7 +2353,7 @@
               <a:buChar char="■"/>
               <a:defRPr/>
             </a:lvl3pPr>
-            <a:lvl4pPr indent="-317500" lvl="3" marL="1828800" algn="ctr">
+            <a:lvl4pPr marL="1828800" lvl="3" indent="-317500" algn="ctr">
               <a:spcBef>
                 <a:spcPts val="0"/>
               </a:spcBef>
@@ -2285,7 +2364,7 @@
               <a:buChar char="●"/>
               <a:defRPr/>
             </a:lvl4pPr>
-            <a:lvl5pPr indent="-317500" lvl="4" marL="2286000" algn="ctr">
+            <a:lvl5pPr marL="2286000" lvl="4" indent="-317500" algn="ctr">
               <a:spcBef>
                 <a:spcPts val="0"/>
               </a:spcBef>
@@ -2296,7 +2375,7 @@
               <a:buChar char="○"/>
               <a:defRPr/>
             </a:lvl5pPr>
-            <a:lvl6pPr indent="-317500" lvl="5" marL="2743200" algn="ctr">
+            <a:lvl6pPr marL="2743200" lvl="5" indent="-317500" algn="ctr">
               <a:spcBef>
                 <a:spcPts val="0"/>
               </a:spcBef>
@@ -2307,7 +2386,7 @@
               <a:buChar char="■"/>
               <a:defRPr/>
             </a:lvl6pPr>
-            <a:lvl7pPr indent="-317500" lvl="6" marL="3200400" algn="ctr">
+            <a:lvl7pPr marL="3200400" lvl="6" indent="-317500" algn="ctr">
               <a:spcBef>
                 <a:spcPts val="0"/>
               </a:spcBef>
@@ -2318,7 +2397,7 @@
               <a:buChar char="●"/>
               <a:defRPr/>
             </a:lvl7pPr>
-            <a:lvl8pPr indent="-317500" lvl="7" marL="3657600" algn="ctr">
+            <a:lvl8pPr marL="3657600" lvl="7" indent="-317500" algn="ctr">
               <a:spcBef>
                 <a:spcPts val="0"/>
               </a:spcBef>
@@ -2329,7 +2408,7 @@
               <a:buChar char="○"/>
               <a:defRPr/>
             </a:lvl8pPr>
-            <a:lvl9pPr indent="-317500" lvl="8" marL="4114800" algn="ctr">
+            <a:lvl9pPr marL="4114800" lvl="8" indent="-317500" algn="ctr">
               <a:spcBef>
                 <a:spcPts val="0"/>
               </a:spcBef>
@@ -2341,15 +2420,19 @@
               <a:defRPr/>
             </a:lvl9pPr>
           </a:lstStyle>
-          <a:p/>
+          <a:p>
+            <a:endParaRPr/>
+          </a:p>
         </p:txBody>
       </p:sp>
       <p:sp>
         <p:nvSpPr>
           <p:cNvPr id="47" name="Google Shape;47;p11"/>
-          <p:cNvSpPr txBox="1"/>
+          <p:cNvSpPr txBox="1">
+            <a:spLocks noGrp="1"/>
+          </p:cNvSpPr>
           <p:nvPr>
-            <p:ph idx="12" type="sldNum"/>
+            <p:ph type="sldNum" idx="12"/>
           </p:nvPr>
         </p:nvSpPr>
         <p:spPr>
@@ -2362,7 +2445,7 @@
           </a:prstGeom>
         </p:spPr>
         <p:txBody>
-          <a:bodyPr anchorCtr="0" anchor="ctr" bIns="91425" lIns="91425" spcFirstLastPara="1" rIns="91425" wrap="square" tIns="91425">
+          <a:bodyPr spcFirstLastPara="1" wrap="square" lIns="91425" tIns="91425" rIns="91425" bIns="91425" anchor="ctr" anchorCtr="0">
             <a:normAutofit/>
           </a:bodyPr>
           <a:lstStyle>
@@ -2404,7 +2487,7 @@
             </a:lvl9pPr>
           </a:lstStyle>
           <a:p>
-            <a:pPr indent="0" lvl="0" marL="0" rtl="0" algn="r">
+            <a:pPr marL="0" lvl="0" indent="0" algn="r" rtl="0">
               <a:spcBef>
                 <a:spcPts val="0"/>
               </a:spcBef>
@@ -2415,7 +2498,7 @@
             </a:pPr>
             <a:fld id="{00000000-1234-1234-1234-123412341234}" type="slidenum">
               <a:rPr lang="es-419"/>
-              <a:t>‹#›</a:t>
+              <a:t>‹Nº›</a:t>
             </a:fld>
             <a:endParaRPr/>
           </a:p>
@@ -2430,11 +2513,11 @@
 </file>
 
 <file path=ppt/slideLayouts/slideLayout11.xml><?xml version="1.0" encoding="utf-8"?>
-<p:sldLayout xmlns:a="http://schemas.openxmlformats.org/drawingml/2006/main" xmlns:r="http://schemas.openxmlformats.org/officeDocument/2006/relationships" xmlns:mc="http://schemas.openxmlformats.org/markup-compatibility/2006" xmlns:mv="urn:schemas-microsoft-com:mac:vml" xmlns:p="http://schemas.openxmlformats.org/presentationml/2006/main" xmlns:c="http://schemas.openxmlformats.org/drawingml/2006/chart" xmlns:dgm="http://schemas.openxmlformats.org/drawingml/2006/diagram" xmlns:o="urn:schemas-microsoft-com:office:office" xmlns:v="urn:schemas-microsoft-com:vml" xmlns:pvml="urn:schemas-microsoft-com:office:powerpoint" xmlns:com="http://schemas.openxmlformats.org/drawingml/2006/compatibility" xmlns:p14="http://schemas.microsoft.com/office/powerpoint/2010/main" xmlns:p15="http://schemas.microsoft.com/office/powerpoint/2012/main" xmlns:ahyp="http://schemas.microsoft.com/office/drawing/2018/hyperlinkcolor" matchingName="Blank" type="blank">
+<p:sldLayout xmlns:a="http://schemas.openxmlformats.org/drawingml/2006/main" xmlns:r="http://schemas.openxmlformats.org/officeDocument/2006/relationships" xmlns:p="http://schemas.openxmlformats.org/presentationml/2006/main" matchingName="Blank" type="blank">
   <p:cSld name="BLANK">
     <p:spTree>
       <p:nvGrpSpPr>
-        <p:cNvPr id="48" name="Shape 48"/>
+        <p:cNvPr id="1" name="Shape 48"/>
         <p:cNvGrpSpPr/>
         <p:nvPr/>
       </p:nvGrpSpPr>
@@ -2449,9 +2532,11 @@
       <p:sp>
         <p:nvSpPr>
           <p:cNvPr id="49" name="Google Shape;49;p12"/>
-          <p:cNvSpPr txBox="1"/>
+          <p:cNvSpPr txBox="1">
+            <a:spLocks noGrp="1"/>
+          </p:cNvSpPr>
           <p:nvPr>
-            <p:ph idx="12" type="sldNum"/>
+            <p:ph type="sldNum" idx="12"/>
           </p:nvPr>
         </p:nvSpPr>
         <p:spPr>
@@ -2464,7 +2549,7 @@
           </a:prstGeom>
         </p:spPr>
         <p:txBody>
-          <a:bodyPr anchorCtr="0" anchor="ctr" bIns="91425" lIns="91425" spcFirstLastPara="1" rIns="91425" wrap="square" tIns="91425">
+          <a:bodyPr spcFirstLastPara="1" wrap="square" lIns="91425" tIns="91425" rIns="91425" bIns="91425" anchor="ctr" anchorCtr="0">
             <a:normAutofit/>
           </a:bodyPr>
           <a:lstStyle>
@@ -2506,7 +2591,7 @@
             </a:lvl9pPr>
           </a:lstStyle>
           <a:p>
-            <a:pPr indent="0" lvl="0" marL="0" rtl="0" algn="r">
+            <a:pPr marL="0" lvl="0" indent="0" algn="r" rtl="0">
               <a:spcBef>
                 <a:spcPts val="0"/>
               </a:spcBef>
@@ -2517,7 +2602,7 @@
             </a:pPr>
             <a:fld id="{00000000-1234-1234-1234-123412341234}" type="slidenum">
               <a:rPr lang="es-419"/>
-              <a:t>‹#›</a:t>
+              <a:t>‹Nº›</a:t>
             </a:fld>
             <a:endParaRPr/>
           </a:p>
@@ -2532,11 +2617,11 @@
 </file>
 
 <file path=ppt/slideLayouts/slideLayout2.xml><?xml version="1.0" encoding="utf-8"?>
-<p:sldLayout xmlns:a="http://schemas.openxmlformats.org/drawingml/2006/main" xmlns:r="http://schemas.openxmlformats.org/officeDocument/2006/relationships" xmlns:mc="http://schemas.openxmlformats.org/markup-compatibility/2006" xmlns:mv="urn:schemas-microsoft-com:mac:vml" xmlns:p="http://schemas.openxmlformats.org/presentationml/2006/main" xmlns:c="http://schemas.openxmlformats.org/drawingml/2006/chart" xmlns:dgm="http://schemas.openxmlformats.org/drawingml/2006/diagram" xmlns:o="urn:schemas-microsoft-com:office:office" xmlns:v="urn:schemas-microsoft-com:vml" xmlns:pvml="urn:schemas-microsoft-com:office:powerpoint" xmlns:com="http://schemas.openxmlformats.org/drawingml/2006/compatibility" xmlns:p14="http://schemas.microsoft.com/office/powerpoint/2010/main" xmlns:p15="http://schemas.microsoft.com/office/powerpoint/2012/main" xmlns:ahyp="http://schemas.microsoft.com/office/drawing/2018/hyperlinkcolor" matchingName="Section header" type="secHead">
+<p:sldLayout xmlns:a="http://schemas.openxmlformats.org/drawingml/2006/main" xmlns:r="http://schemas.openxmlformats.org/officeDocument/2006/relationships" xmlns:p="http://schemas.openxmlformats.org/presentationml/2006/main" matchingName="Section header" type="secHead">
   <p:cSld name="SECTION_HEADER">
     <p:spTree>
       <p:nvGrpSpPr>
-        <p:cNvPr id="13" name="Shape 13"/>
+        <p:cNvPr id="1" name="Shape 13"/>
         <p:cNvGrpSpPr/>
         <p:nvPr/>
       </p:nvGrpSpPr>
@@ -2551,7 +2636,9 @@
       <p:sp>
         <p:nvSpPr>
           <p:cNvPr id="14" name="Google Shape;14;p3"/>
-          <p:cNvSpPr txBox="1"/>
+          <p:cNvSpPr txBox="1">
+            <a:spLocks noGrp="1"/>
+          </p:cNvSpPr>
           <p:nvPr>
             <p:ph type="title"/>
           </p:nvPr>
@@ -2566,7 +2653,7 @@
           </a:prstGeom>
         </p:spPr>
         <p:txBody>
-          <a:bodyPr anchorCtr="0" anchor="ctr" bIns="91425" lIns="91425" spcFirstLastPara="1" rIns="91425" wrap="square" tIns="91425">
+          <a:bodyPr spcFirstLastPara="1" wrap="square" lIns="91425" tIns="91425" rIns="91425" bIns="91425" anchor="ctr" anchorCtr="0">
             <a:normAutofit/>
           </a:bodyPr>
           <a:lstStyle>
@@ -2670,15 +2757,19 @@
               <a:defRPr sz="3600"/>
             </a:lvl9pPr>
           </a:lstStyle>
-          <a:p/>
+          <a:p>
+            <a:endParaRPr/>
+          </a:p>
         </p:txBody>
       </p:sp>
       <p:sp>
         <p:nvSpPr>
           <p:cNvPr id="15" name="Google Shape;15;p3"/>
-          <p:cNvSpPr txBox="1"/>
+          <p:cNvSpPr txBox="1">
+            <a:spLocks noGrp="1"/>
+          </p:cNvSpPr>
           <p:nvPr>
-            <p:ph idx="12" type="sldNum"/>
+            <p:ph type="sldNum" idx="12"/>
           </p:nvPr>
         </p:nvSpPr>
         <p:spPr>
@@ -2691,7 +2782,7 @@
           </a:prstGeom>
         </p:spPr>
         <p:txBody>
-          <a:bodyPr anchorCtr="0" anchor="ctr" bIns="91425" lIns="91425" spcFirstLastPara="1" rIns="91425" wrap="square" tIns="91425">
+          <a:bodyPr spcFirstLastPara="1" wrap="square" lIns="91425" tIns="91425" rIns="91425" bIns="91425" anchor="ctr" anchorCtr="0">
             <a:normAutofit/>
           </a:bodyPr>
           <a:lstStyle>
@@ -2733,7 +2824,7 @@
             </a:lvl9pPr>
           </a:lstStyle>
           <a:p>
-            <a:pPr indent="0" lvl="0" marL="0" rtl="0" algn="r">
+            <a:pPr marL="0" lvl="0" indent="0" algn="r" rtl="0">
               <a:spcBef>
                 <a:spcPts val="0"/>
               </a:spcBef>
@@ -2744,7 +2835,7 @@
             </a:pPr>
             <a:fld id="{00000000-1234-1234-1234-123412341234}" type="slidenum">
               <a:rPr lang="es-419"/>
-              <a:t>‹#›</a:t>
+              <a:t>‹Nº›</a:t>
             </a:fld>
             <a:endParaRPr/>
           </a:p>
@@ -2759,11 +2850,11 @@
 </file>
 
 <file path=ppt/slideLayouts/slideLayout3.xml><?xml version="1.0" encoding="utf-8"?>
-<p:sldLayout xmlns:a="http://schemas.openxmlformats.org/drawingml/2006/main" xmlns:r="http://schemas.openxmlformats.org/officeDocument/2006/relationships" xmlns:mc="http://schemas.openxmlformats.org/markup-compatibility/2006" xmlns:mv="urn:schemas-microsoft-com:mac:vml" xmlns:p="http://schemas.openxmlformats.org/presentationml/2006/main" xmlns:c="http://schemas.openxmlformats.org/drawingml/2006/chart" xmlns:dgm="http://schemas.openxmlformats.org/drawingml/2006/diagram" xmlns:o="urn:schemas-microsoft-com:office:office" xmlns:v="urn:schemas-microsoft-com:vml" xmlns:pvml="urn:schemas-microsoft-com:office:powerpoint" xmlns:com="http://schemas.openxmlformats.org/drawingml/2006/compatibility" xmlns:p14="http://schemas.microsoft.com/office/powerpoint/2010/main" xmlns:p15="http://schemas.microsoft.com/office/powerpoint/2012/main" xmlns:ahyp="http://schemas.microsoft.com/office/drawing/2018/hyperlinkcolor" matchingName="Title and body" type="tx">
+<p:sldLayout xmlns:a="http://schemas.openxmlformats.org/drawingml/2006/main" xmlns:r="http://schemas.openxmlformats.org/officeDocument/2006/relationships" xmlns:p="http://schemas.openxmlformats.org/presentationml/2006/main" matchingName="Title and body" type="tx">
   <p:cSld name="TITLE_AND_BODY">
     <p:spTree>
       <p:nvGrpSpPr>
-        <p:cNvPr id="16" name="Shape 16"/>
+        <p:cNvPr id="1" name="Shape 16"/>
         <p:cNvGrpSpPr/>
         <p:nvPr/>
       </p:nvGrpSpPr>
@@ -2778,7 +2869,9 @@
       <p:sp>
         <p:nvSpPr>
           <p:cNvPr id="17" name="Google Shape;17;p4"/>
-          <p:cNvSpPr txBox="1"/>
+          <p:cNvSpPr txBox="1">
+            <a:spLocks noGrp="1"/>
+          </p:cNvSpPr>
           <p:nvPr>
             <p:ph type="title"/>
           </p:nvPr>
@@ -2793,7 +2886,7 @@
           </a:prstGeom>
         </p:spPr>
         <p:txBody>
-          <a:bodyPr anchorCtr="0" anchor="t" bIns="91425" lIns="91425" spcFirstLastPara="1" rIns="91425" wrap="square" tIns="91425">
+          <a:bodyPr spcFirstLastPara="1" wrap="square" lIns="91425" tIns="91425" rIns="91425" bIns="91425" anchor="t" anchorCtr="0">
             <a:normAutofit/>
           </a:bodyPr>
           <a:lstStyle>
@@ -2897,15 +2990,19 @@
               <a:defRPr/>
             </a:lvl9pPr>
           </a:lstStyle>
-          <a:p/>
+          <a:p>
+            <a:endParaRPr/>
+          </a:p>
         </p:txBody>
       </p:sp>
       <p:sp>
         <p:nvSpPr>
           <p:cNvPr id="18" name="Google Shape;18;p4"/>
-          <p:cNvSpPr txBox="1"/>
+          <p:cNvSpPr txBox="1">
+            <a:spLocks noGrp="1"/>
+          </p:cNvSpPr>
           <p:nvPr>
-            <p:ph idx="1" type="body"/>
+            <p:ph type="body" idx="1"/>
           </p:nvPr>
         </p:nvSpPr>
         <p:spPr>
@@ -2918,11 +3015,11 @@
           </a:prstGeom>
         </p:spPr>
         <p:txBody>
-          <a:bodyPr anchorCtr="0" anchor="t" bIns="91425" lIns="91425" spcFirstLastPara="1" rIns="91425" wrap="square" tIns="91425">
+          <a:bodyPr spcFirstLastPara="1" wrap="square" lIns="91425" tIns="91425" rIns="91425" bIns="91425" anchor="t" anchorCtr="0">
             <a:normAutofit/>
           </a:bodyPr>
           <a:lstStyle>
-            <a:lvl1pPr indent="-342900" lvl="0" marL="457200">
+            <a:lvl1pPr marL="457200" lvl="0" indent="-342900">
               <a:spcBef>
                 <a:spcPts val="0"/>
               </a:spcBef>
@@ -2933,7 +3030,7 @@
               <a:buChar char="●"/>
               <a:defRPr/>
             </a:lvl1pPr>
-            <a:lvl2pPr indent="-317500" lvl="1" marL="914400">
+            <a:lvl2pPr marL="914400" lvl="1" indent="-317500">
               <a:spcBef>
                 <a:spcPts val="0"/>
               </a:spcBef>
@@ -2944,7 +3041,7 @@
               <a:buChar char="○"/>
               <a:defRPr/>
             </a:lvl2pPr>
-            <a:lvl3pPr indent="-317500" lvl="2" marL="1371600">
+            <a:lvl3pPr marL="1371600" lvl="2" indent="-317500">
               <a:spcBef>
                 <a:spcPts val="0"/>
               </a:spcBef>
@@ -2955,7 +3052,7 @@
               <a:buChar char="■"/>
               <a:defRPr/>
             </a:lvl3pPr>
-            <a:lvl4pPr indent="-317500" lvl="3" marL="1828800">
+            <a:lvl4pPr marL="1828800" lvl="3" indent="-317500">
               <a:spcBef>
                 <a:spcPts val="0"/>
               </a:spcBef>
@@ -2966,7 +3063,7 @@
               <a:buChar char="●"/>
               <a:defRPr/>
             </a:lvl4pPr>
-            <a:lvl5pPr indent="-317500" lvl="4" marL="2286000">
+            <a:lvl5pPr marL="2286000" lvl="4" indent="-317500">
               <a:spcBef>
                 <a:spcPts val="0"/>
               </a:spcBef>
@@ -2977,7 +3074,7 @@
               <a:buChar char="○"/>
               <a:defRPr/>
             </a:lvl5pPr>
-            <a:lvl6pPr indent="-317500" lvl="5" marL="2743200">
+            <a:lvl6pPr marL="2743200" lvl="5" indent="-317500">
               <a:spcBef>
                 <a:spcPts val="0"/>
               </a:spcBef>
@@ -2988,7 +3085,7 @@
               <a:buChar char="■"/>
               <a:defRPr/>
             </a:lvl6pPr>
-            <a:lvl7pPr indent="-317500" lvl="6" marL="3200400">
+            <a:lvl7pPr marL="3200400" lvl="6" indent="-317500">
               <a:spcBef>
                 <a:spcPts val="0"/>
               </a:spcBef>
@@ -2999,7 +3096,7 @@
               <a:buChar char="●"/>
               <a:defRPr/>
             </a:lvl7pPr>
-            <a:lvl8pPr indent="-317500" lvl="7" marL="3657600">
+            <a:lvl8pPr marL="3657600" lvl="7" indent="-317500">
               <a:spcBef>
                 <a:spcPts val="0"/>
               </a:spcBef>
@@ -3010,7 +3107,7 @@
               <a:buChar char="○"/>
               <a:defRPr/>
             </a:lvl8pPr>
-            <a:lvl9pPr indent="-317500" lvl="8" marL="4114800">
+            <a:lvl9pPr marL="4114800" lvl="8" indent="-317500">
               <a:spcBef>
                 <a:spcPts val="0"/>
               </a:spcBef>
@@ -3022,15 +3119,19 @@
               <a:defRPr/>
             </a:lvl9pPr>
           </a:lstStyle>
-          <a:p/>
+          <a:p>
+            <a:endParaRPr/>
+          </a:p>
         </p:txBody>
       </p:sp>
       <p:sp>
         <p:nvSpPr>
           <p:cNvPr id="19" name="Google Shape;19;p4"/>
-          <p:cNvSpPr txBox="1"/>
+          <p:cNvSpPr txBox="1">
+            <a:spLocks noGrp="1"/>
+          </p:cNvSpPr>
           <p:nvPr>
-            <p:ph idx="12" type="sldNum"/>
+            <p:ph type="sldNum" idx="12"/>
           </p:nvPr>
         </p:nvSpPr>
         <p:spPr>
@@ -3043,7 +3144,7 @@
           </a:prstGeom>
         </p:spPr>
         <p:txBody>
-          <a:bodyPr anchorCtr="0" anchor="ctr" bIns="91425" lIns="91425" spcFirstLastPara="1" rIns="91425" wrap="square" tIns="91425">
+          <a:bodyPr spcFirstLastPara="1" wrap="square" lIns="91425" tIns="91425" rIns="91425" bIns="91425" anchor="ctr" anchorCtr="0">
             <a:normAutofit/>
           </a:bodyPr>
           <a:lstStyle>
@@ -3085,7 +3186,7 @@
             </a:lvl9pPr>
           </a:lstStyle>
           <a:p>
-            <a:pPr indent="0" lvl="0" marL="0" rtl="0" algn="r">
+            <a:pPr marL="0" lvl="0" indent="0" algn="r" rtl="0">
               <a:spcBef>
                 <a:spcPts val="0"/>
               </a:spcBef>
@@ -3096,7 +3197,7 @@
             </a:pPr>
             <a:fld id="{00000000-1234-1234-1234-123412341234}" type="slidenum">
               <a:rPr lang="es-419"/>
-              <a:t>‹#›</a:t>
+              <a:t>‹Nº›</a:t>
             </a:fld>
             <a:endParaRPr/>
           </a:p>
@@ -3111,11 +3212,11 @@
 </file>
 
 <file path=ppt/slideLayouts/slideLayout4.xml><?xml version="1.0" encoding="utf-8"?>
-<p:sldLayout xmlns:a="http://schemas.openxmlformats.org/drawingml/2006/main" xmlns:r="http://schemas.openxmlformats.org/officeDocument/2006/relationships" xmlns:mc="http://schemas.openxmlformats.org/markup-compatibility/2006" xmlns:mv="urn:schemas-microsoft-com:mac:vml" xmlns:p="http://schemas.openxmlformats.org/presentationml/2006/main" xmlns:c="http://schemas.openxmlformats.org/drawingml/2006/chart" xmlns:dgm="http://schemas.openxmlformats.org/drawingml/2006/diagram" xmlns:o="urn:schemas-microsoft-com:office:office" xmlns:v="urn:schemas-microsoft-com:vml" xmlns:pvml="urn:schemas-microsoft-com:office:powerpoint" xmlns:com="http://schemas.openxmlformats.org/drawingml/2006/compatibility" xmlns:p14="http://schemas.microsoft.com/office/powerpoint/2010/main" xmlns:p15="http://schemas.microsoft.com/office/powerpoint/2012/main" xmlns:ahyp="http://schemas.microsoft.com/office/drawing/2018/hyperlinkcolor" matchingName="Title and two columns" type="twoColTx">
+<p:sldLayout xmlns:a="http://schemas.openxmlformats.org/drawingml/2006/main" xmlns:r="http://schemas.openxmlformats.org/officeDocument/2006/relationships" xmlns:p="http://schemas.openxmlformats.org/presentationml/2006/main" matchingName="Title and two columns" type="twoColTx">
   <p:cSld name="TITLE_AND_TWO_COLUMNS">
     <p:spTree>
       <p:nvGrpSpPr>
-        <p:cNvPr id="20" name="Shape 20"/>
+        <p:cNvPr id="1" name="Shape 20"/>
         <p:cNvGrpSpPr/>
         <p:nvPr/>
       </p:nvGrpSpPr>
@@ -3130,7 +3231,9 @@
       <p:sp>
         <p:nvSpPr>
           <p:cNvPr id="21" name="Google Shape;21;p5"/>
-          <p:cNvSpPr txBox="1"/>
+          <p:cNvSpPr txBox="1">
+            <a:spLocks noGrp="1"/>
+          </p:cNvSpPr>
           <p:nvPr>
             <p:ph type="title"/>
           </p:nvPr>
@@ -3145,7 +3248,7 @@
           </a:prstGeom>
         </p:spPr>
         <p:txBody>
-          <a:bodyPr anchorCtr="0" anchor="t" bIns="91425" lIns="91425" spcFirstLastPara="1" rIns="91425" wrap="square" tIns="91425">
+          <a:bodyPr spcFirstLastPara="1" wrap="square" lIns="91425" tIns="91425" rIns="91425" bIns="91425" anchor="t" anchorCtr="0">
             <a:normAutofit/>
           </a:bodyPr>
           <a:lstStyle>
@@ -3249,15 +3352,19 @@
               <a:defRPr/>
             </a:lvl9pPr>
           </a:lstStyle>
-          <a:p/>
+          <a:p>
+            <a:endParaRPr/>
+          </a:p>
         </p:txBody>
       </p:sp>
       <p:sp>
         <p:nvSpPr>
           <p:cNvPr id="22" name="Google Shape;22;p5"/>
-          <p:cNvSpPr txBox="1"/>
+          <p:cNvSpPr txBox="1">
+            <a:spLocks noGrp="1"/>
+          </p:cNvSpPr>
           <p:nvPr>
-            <p:ph idx="1" type="body"/>
+            <p:ph type="body" idx="1"/>
           </p:nvPr>
         </p:nvSpPr>
         <p:spPr>
@@ -3270,11 +3377,11 @@
           </a:prstGeom>
         </p:spPr>
         <p:txBody>
-          <a:bodyPr anchorCtr="0" anchor="t" bIns="91425" lIns="91425" spcFirstLastPara="1" rIns="91425" wrap="square" tIns="91425">
+          <a:bodyPr spcFirstLastPara="1" wrap="square" lIns="91425" tIns="91425" rIns="91425" bIns="91425" anchor="t" anchorCtr="0">
             <a:normAutofit/>
           </a:bodyPr>
           <a:lstStyle>
-            <a:lvl1pPr indent="-317500" lvl="0" marL="457200">
+            <a:lvl1pPr marL="457200" lvl="0" indent="-317500">
               <a:spcBef>
                 <a:spcPts val="0"/>
               </a:spcBef>
@@ -3285,7 +3392,7 @@
               <a:buChar char="●"/>
               <a:defRPr sz="1400"/>
             </a:lvl1pPr>
-            <a:lvl2pPr indent="-304800" lvl="1" marL="914400">
+            <a:lvl2pPr marL="914400" lvl="1" indent="-304800">
               <a:spcBef>
                 <a:spcPts val="0"/>
               </a:spcBef>
@@ -3296,7 +3403,7 @@
               <a:buChar char="○"/>
               <a:defRPr sz="1200"/>
             </a:lvl2pPr>
-            <a:lvl3pPr indent="-304800" lvl="2" marL="1371600">
+            <a:lvl3pPr marL="1371600" lvl="2" indent="-304800">
               <a:spcBef>
                 <a:spcPts val="0"/>
               </a:spcBef>
@@ -3307,7 +3414,7 @@
               <a:buChar char="■"/>
               <a:defRPr sz="1200"/>
             </a:lvl3pPr>
-            <a:lvl4pPr indent="-304800" lvl="3" marL="1828800">
+            <a:lvl4pPr marL="1828800" lvl="3" indent="-304800">
               <a:spcBef>
                 <a:spcPts val="0"/>
               </a:spcBef>
@@ -3318,7 +3425,7 @@
               <a:buChar char="●"/>
               <a:defRPr sz="1200"/>
             </a:lvl4pPr>
-            <a:lvl5pPr indent="-304800" lvl="4" marL="2286000">
+            <a:lvl5pPr marL="2286000" lvl="4" indent="-304800">
               <a:spcBef>
                 <a:spcPts val="0"/>
               </a:spcBef>
@@ -3329,7 +3436,7 @@
               <a:buChar char="○"/>
               <a:defRPr sz="1200"/>
             </a:lvl5pPr>
-            <a:lvl6pPr indent="-304800" lvl="5" marL="2743200">
+            <a:lvl6pPr marL="2743200" lvl="5" indent="-304800">
               <a:spcBef>
                 <a:spcPts val="0"/>
               </a:spcBef>
@@ -3340,7 +3447,7 @@
               <a:buChar char="■"/>
               <a:defRPr sz="1200"/>
             </a:lvl6pPr>
-            <a:lvl7pPr indent="-304800" lvl="6" marL="3200400">
+            <a:lvl7pPr marL="3200400" lvl="6" indent="-304800">
               <a:spcBef>
                 <a:spcPts val="0"/>
               </a:spcBef>
@@ -3351,7 +3458,7 @@
               <a:buChar char="●"/>
               <a:defRPr sz="1200"/>
             </a:lvl7pPr>
-            <a:lvl8pPr indent="-304800" lvl="7" marL="3657600">
+            <a:lvl8pPr marL="3657600" lvl="7" indent="-304800">
               <a:spcBef>
                 <a:spcPts val="0"/>
               </a:spcBef>
@@ -3362,7 +3469,7 @@
               <a:buChar char="○"/>
               <a:defRPr sz="1200"/>
             </a:lvl8pPr>
-            <a:lvl9pPr indent="-304800" lvl="8" marL="4114800">
+            <a:lvl9pPr marL="4114800" lvl="8" indent="-304800">
               <a:spcBef>
                 <a:spcPts val="0"/>
               </a:spcBef>
@@ -3374,15 +3481,19 @@
               <a:defRPr sz="1200"/>
             </a:lvl9pPr>
           </a:lstStyle>
-          <a:p/>
+          <a:p>
+            <a:endParaRPr/>
+          </a:p>
         </p:txBody>
       </p:sp>
       <p:sp>
         <p:nvSpPr>
           <p:cNvPr id="23" name="Google Shape;23;p5"/>
-          <p:cNvSpPr txBox="1"/>
+          <p:cNvSpPr txBox="1">
+            <a:spLocks noGrp="1"/>
+          </p:cNvSpPr>
           <p:nvPr>
-            <p:ph idx="2" type="body"/>
+            <p:ph type="body" idx="2"/>
           </p:nvPr>
         </p:nvSpPr>
         <p:spPr>
@@ -3395,11 +3506,11 @@
           </a:prstGeom>
         </p:spPr>
         <p:txBody>
-          <a:bodyPr anchorCtr="0" anchor="t" bIns="91425" lIns="91425" spcFirstLastPara="1" rIns="91425" wrap="square" tIns="91425">
+          <a:bodyPr spcFirstLastPara="1" wrap="square" lIns="91425" tIns="91425" rIns="91425" bIns="91425" anchor="t" anchorCtr="0">
             <a:normAutofit/>
           </a:bodyPr>
           <a:lstStyle>
-            <a:lvl1pPr indent="-317500" lvl="0" marL="457200">
+            <a:lvl1pPr marL="457200" lvl="0" indent="-317500">
               <a:spcBef>
                 <a:spcPts val="0"/>
               </a:spcBef>
@@ -3410,7 +3521,7 @@
               <a:buChar char="●"/>
               <a:defRPr sz="1400"/>
             </a:lvl1pPr>
-            <a:lvl2pPr indent="-304800" lvl="1" marL="914400">
+            <a:lvl2pPr marL="914400" lvl="1" indent="-304800">
               <a:spcBef>
                 <a:spcPts val="0"/>
               </a:spcBef>
@@ -3421,7 +3532,7 @@
               <a:buChar char="○"/>
               <a:defRPr sz="1200"/>
             </a:lvl2pPr>
-            <a:lvl3pPr indent="-304800" lvl="2" marL="1371600">
+            <a:lvl3pPr marL="1371600" lvl="2" indent="-304800">
               <a:spcBef>
                 <a:spcPts val="0"/>
               </a:spcBef>
@@ -3432,7 +3543,7 @@
               <a:buChar char="■"/>
               <a:defRPr sz="1200"/>
             </a:lvl3pPr>
-            <a:lvl4pPr indent="-304800" lvl="3" marL="1828800">
+            <a:lvl4pPr marL="1828800" lvl="3" indent="-304800">
               <a:spcBef>
                 <a:spcPts val="0"/>
               </a:spcBef>
@@ -3443,7 +3554,7 @@
               <a:buChar char="●"/>
               <a:defRPr sz="1200"/>
             </a:lvl4pPr>
-            <a:lvl5pPr indent="-304800" lvl="4" marL="2286000">
+            <a:lvl5pPr marL="2286000" lvl="4" indent="-304800">
               <a:spcBef>
                 <a:spcPts val="0"/>
               </a:spcBef>
@@ -3454,7 +3565,7 @@
               <a:buChar char="○"/>
               <a:defRPr sz="1200"/>
             </a:lvl5pPr>
-            <a:lvl6pPr indent="-304800" lvl="5" marL="2743200">
+            <a:lvl6pPr marL="2743200" lvl="5" indent="-304800">
               <a:spcBef>
                 <a:spcPts val="0"/>
               </a:spcBef>
@@ -3465,7 +3576,7 @@
               <a:buChar char="■"/>
               <a:defRPr sz="1200"/>
             </a:lvl6pPr>
-            <a:lvl7pPr indent="-304800" lvl="6" marL="3200400">
+            <a:lvl7pPr marL="3200400" lvl="6" indent="-304800">
               <a:spcBef>
                 <a:spcPts val="0"/>
               </a:spcBef>
@@ -3476,7 +3587,7 @@
               <a:buChar char="●"/>
               <a:defRPr sz="1200"/>
             </a:lvl7pPr>
-            <a:lvl8pPr indent="-304800" lvl="7" marL="3657600">
+            <a:lvl8pPr marL="3657600" lvl="7" indent="-304800">
               <a:spcBef>
                 <a:spcPts val="0"/>
               </a:spcBef>
@@ -3487,7 +3598,7 @@
               <a:buChar char="○"/>
               <a:defRPr sz="1200"/>
             </a:lvl8pPr>
-            <a:lvl9pPr indent="-304800" lvl="8" marL="4114800">
+            <a:lvl9pPr marL="4114800" lvl="8" indent="-304800">
               <a:spcBef>
                 <a:spcPts val="0"/>
               </a:spcBef>
@@ -3499,15 +3610,19 @@
               <a:defRPr sz="1200"/>
             </a:lvl9pPr>
           </a:lstStyle>
-          <a:p/>
+          <a:p>
+            <a:endParaRPr/>
+          </a:p>
         </p:txBody>
       </p:sp>
       <p:sp>
         <p:nvSpPr>
           <p:cNvPr id="24" name="Google Shape;24;p5"/>
-          <p:cNvSpPr txBox="1"/>
+          <p:cNvSpPr txBox="1">
+            <a:spLocks noGrp="1"/>
+          </p:cNvSpPr>
           <p:nvPr>
-            <p:ph idx="12" type="sldNum"/>
+            <p:ph type="sldNum" idx="12"/>
           </p:nvPr>
         </p:nvSpPr>
         <p:spPr>
@@ -3520,7 +3635,7 @@
           </a:prstGeom>
         </p:spPr>
         <p:txBody>
-          <a:bodyPr anchorCtr="0" anchor="ctr" bIns="91425" lIns="91425" spcFirstLastPara="1" rIns="91425" wrap="square" tIns="91425">
+          <a:bodyPr spcFirstLastPara="1" wrap="square" lIns="91425" tIns="91425" rIns="91425" bIns="91425" anchor="ctr" anchorCtr="0">
             <a:normAutofit/>
           </a:bodyPr>
           <a:lstStyle>
@@ -3562,7 +3677,7 @@
             </a:lvl9pPr>
           </a:lstStyle>
           <a:p>
-            <a:pPr indent="0" lvl="0" marL="0" rtl="0" algn="r">
+            <a:pPr marL="0" lvl="0" indent="0" algn="r" rtl="0">
               <a:spcBef>
                 <a:spcPts val="0"/>
               </a:spcBef>
@@ -3573,7 +3688,7 @@
             </a:pPr>
             <a:fld id="{00000000-1234-1234-1234-123412341234}" type="slidenum">
               <a:rPr lang="es-419"/>
-              <a:t>‹#›</a:t>
+              <a:t>‹Nº›</a:t>
             </a:fld>
             <a:endParaRPr/>
           </a:p>
@@ -3588,11 +3703,11 @@
 </file>
 
 <file path=ppt/slideLayouts/slideLayout5.xml><?xml version="1.0" encoding="utf-8"?>
-<p:sldLayout xmlns:a="http://schemas.openxmlformats.org/drawingml/2006/main" xmlns:r="http://schemas.openxmlformats.org/officeDocument/2006/relationships" xmlns:mc="http://schemas.openxmlformats.org/markup-compatibility/2006" xmlns:mv="urn:schemas-microsoft-com:mac:vml" xmlns:p="http://schemas.openxmlformats.org/presentationml/2006/main" xmlns:c="http://schemas.openxmlformats.org/drawingml/2006/chart" xmlns:dgm="http://schemas.openxmlformats.org/drawingml/2006/diagram" xmlns:o="urn:schemas-microsoft-com:office:office" xmlns:v="urn:schemas-microsoft-com:vml" xmlns:pvml="urn:schemas-microsoft-com:office:powerpoint" xmlns:com="http://schemas.openxmlformats.org/drawingml/2006/compatibility" xmlns:p14="http://schemas.microsoft.com/office/powerpoint/2010/main" xmlns:p15="http://schemas.microsoft.com/office/powerpoint/2012/main" xmlns:ahyp="http://schemas.microsoft.com/office/drawing/2018/hyperlinkcolor" matchingName="Title only" type="titleOnly">
+<p:sldLayout xmlns:a="http://schemas.openxmlformats.org/drawingml/2006/main" xmlns:r="http://schemas.openxmlformats.org/officeDocument/2006/relationships" xmlns:p="http://schemas.openxmlformats.org/presentationml/2006/main" matchingName="Title only" type="titleOnly">
   <p:cSld name="TITLE_ONLY">
     <p:spTree>
       <p:nvGrpSpPr>
-        <p:cNvPr id="25" name="Shape 25"/>
+        <p:cNvPr id="1" name="Shape 25"/>
         <p:cNvGrpSpPr/>
         <p:nvPr/>
       </p:nvGrpSpPr>
@@ -3607,7 +3722,9 @@
       <p:sp>
         <p:nvSpPr>
           <p:cNvPr id="26" name="Google Shape;26;p6"/>
-          <p:cNvSpPr txBox="1"/>
+          <p:cNvSpPr txBox="1">
+            <a:spLocks noGrp="1"/>
+          </p:cNvSpPr>
           <p:nvPr>
             <p:ph type="title"/>
           </p:nvPr>
@@ -3622,7 +3739,7 @@
           </a:prstGeom>
         </p:spPr>
         <p:txBody>
-          <a:bodyPr anchorCtr="0" anchor="t" bIns="91425" lIns="91425" spcFirstLastPara="1" rIns="91425" wrap="square" tIns="91425">
+          <a:bodyPr spcFirstLastPara="1" wrap="square" lIns="91425" tIns="91425" rIns="91425" bIns="91425" anchor="t" anchorCtr="0">
             <a:normAutofit/>
           </a:bodyPr>
           <a:lstStyle>
@@ -3726,15 +3843,19 @@
               <a:defRPr/>
             </a:lvl9pPr>
           </a:lstStyle>
-          <a:p/>
+          <a:p>
+            <a:endParaRPr/>
+          </a:p>
         </p:txBody>
       </p:sp>
       <p:sp>
         <p:nvSpPr>
           <p:cNvPr id="27" name="Google Shape;27;p6"/>
-          <p:cNvSpPr txBox="1"/>
+          <p:cNvSpPr txBox="1">
+            <a:spLocks noGrp="1"/>
+          </p:cNvSpPr>
           <p:nvPr>
-            <p:ph idx="12" type="sldNum"/>
+            <p:ph type="sldNum" idx="12"/>
           </p:nvPr>
         </p:nvSpPr>
         <p:spPr>
@@ -3747,7 +3868,7 @@
           </a:prstGeom>
         </p:spPr>
         <p:txBody>
-          <a:bodyPr anchorCtr="0" anchor="ctr" bIns="91425" lIns="91425" spcFirstLastPara="1" rIns="91425" wrap="square" tIns="91425">
+          <a:bodyPr spcFirstLastPara="1" wrap="square" lIns="91425" tIns="91425" rIns="91425" bIns="91425" anchor="ctr" anchorCtr="0">
             <a:normAutofit/>
           </a:bodyPr>
           <a:lstStyle>
@@ -3789,7 +3910,7 @@
             </a:lvl9pPr>
           </a:lstStyle>
           <a:p>
-            <a:pPr indent="0" lvl="0" marL="0" rtl="0" algn="r">
+            <a:pPr marL="0" lvl="0" indent="0" algn="r" rtl="0">
               <a:spcBef>
                 <a:spcPts val="0"/>
               </a:spcBef>
@@ -3800,7 +3921,7 @@
             </a:pPr>
             <a:fld id="{00000000-1234-1234-1234-123412341234}" type="slidenum">
               <a:rPr lang="es-419"/>
-              <a:t>‹#›</a:t>
+              <a:t>‹Nº›</a:t>
             </a:fld>
             <a:endParaRPr/>
           </a:p>
@@ -3815,11 +3936,11 @@
 </file>
 
 <file path=ppt/slideLayouts/slideLayout6.xml><?xml version="1.0" encoding="utf-8"?>
-<p:sldLayout xmlns:a="http://schemas.openxmlformats.org/drawingml/2006/main" xmlns:r="http://schemas.openxmlformats.org/officeDocument/2006/relationships" xmlns:mc="http://schemas.openxmlformats.org/markup-compatibility/2006" xmlns:mv="urn:schemas-microsoft-com:mac:vml" xmlns:p="http://schemas.openxmlformats.org/presentationml/2006/main" xmlns:c="http://schemas.openxmlformats.org/drawingml/2006/chart" xmlns:dgm="http://schemas.openxmlformats.org/drawingml/2006/diagram" xmlns:o="urn:schemas-microsoft-com:office:office" xmlns:v="urn:schemas-microsoft-com:vml" xmlns:pvml="urn:schemas-microsoft-com:office:powerpoint" xmlns:com="http://schemas.openxmlformats.org/drawingml/2006/compatibility" xmlns:p14="http://schemas.microsoft.com/office/powerpoint/2010/main" xmlns:p15="http://schemas.microsoft.com/office/powerpoint/2012/main" xmlns:ahyp="http://schemas.microsoft.com/office/drawing/2018/hyperlinkcolor" matchingName="One column text">
+<p:sldLayout xmlns:a="http://schemas.openxmlformats.org/drawingml/2006/main" xmlns:r="http://schemas.openxmlformats.org/officeDocument/2006/relationships" xmlns:p="http://schemas.openxmlformats.org/presentationml/2006/main" matchingName="One column text">
   <p:cSld name="ONE_COLUMN_TEXT">
     <p:spTree>
       <p:nvGrpSpPr>
-        <p:cNvPr id="28" name="Shape 28"/>
+        <p:cNvPr id="1" name="Shape 28"/>
         <p:cNvGrpSpPr/>
         <p:nvPr/>
       </p:nvGrpSpPr>
@@ -3834,7 +3955,9 @@
       <p:sp>
         <p:nvSpPr>
           <p:cNvPr id="29" name="Google Shape;29;p7"/>
-          <p:cNvSpPr txBox="1"/>
+          <p:cNvSpPr txBox="1">
+            <a:spLocks noGrp="1"/>
+          </p:cNvSpPr>
           <p:nvPr>
             <p:ph type="title"/>
           </p:nvPr>
@@ -3849,7 +3972,7 @@
           </a:prstGeom>
         </p:spPr>
         <p:txBody>
-          <a:bodyPr anchorCtr="0" anchor="b" bIns="91425" lIns="91425" spcFirstLastPara="1" rIns="91425" wrap="square" tIns="91425">
+          <a:bodyPr spcFirstLastPara="1" wrap="square" lIns="91425" tIns="91425" rIns="91425" bIns="91425" anchor="b" anchorCtr="0">
             <a:normAutofit/>
           </a:bodyPr>
           <a:lstStyle>
@@ -3953,15 +4076,19 @@
               <a:defRPr sz="2400"/>
             </a:lvl9pPr>
           </a:lstStyle>
-          <a:p/>
+          <a:p>
+            <a:endParaRPr/>
+          </a:p>
         </p:txBody>
       </p:sp>
       <p:sp>
         <p:nvSpPr>
           <p:cNvPr id="30" name="Google Shape;30;p7"/>
-          <p:cNvSpPr txBox="1"/>
+          <p:cNvSpPr txBox="1">
+            <a:spLocks noGrp="1"/>
+          </p:cNvSpPr>
           <p:nvPr>
-            <p:ph idx="1" type="body"/>
+            <p:ph type="body" idx="1"/>
           </p:nvPr>
         </p:nvSpPr>
         <p:spPr>
@@ -3974,11 +4101,11 @@
           </a:prstGeom>
         </p:spPr>
         <p:txBody>
-          <a:bodyPr anchorCtr="0" anchor="t" bIns="91425" lIns="91425" spcFirstLastPara="1" rIns="91425" wrap="square" tIns="91425">
+          <a:bodyPr spcFirstLastPara="1" wrap="square" lIns="91425" tIns="91425" rIns="91425" bIns="91425" anchor="t" anchorCtr="0">
             <a:normAutofit/>
           </a:bodyPr>
           <a:lstStyle>
-            <a:lvl1pPr indent="-304800" lvl="0" marL="457200">
+            <a:lvl1pPr marL="457200" lvl="0" indent="-304800">
               <a:spcBef>
                 <a:spcPts val="0"/>
               </a:spcBef>
@@ -3989,7 +4116,7 @@
               <a:buChar char="●"/>
               <a:defRPr sz="1200"/>
             </a:lvl1pPr>
-            <a:lvl2pPr indent="-304800" lvl="1" marL="914400">
+            <a:lvl2pPr marL="914400" lvl="1" indent="-304800">
               <a:spcBef>
                 <a:spcPts val="0"/>
               </a:spcBef>
@@ -4000,7 +4127,7 @@
               <a:buChar char="○"/>
               <a:defRPr sz="1200"/>
             </a:lvl2pPr>
-            <a:lvl3pPr indent="-304800" lvl="2" marL="1371600">
+            <a:lvl3pPr marL="1371600" lvl="2" indent="-304800">
               <a:spcBef>
                 <a:spcPts val="0"/>
               </a:spcBef>
@@ -4011,7 +4138,7 @@
               <a:buChar char="■"/>
               <a:defRPr sz="1200"/>
             </a:lvl3pPr>
-            <a:lvl4pPr indent="-304800" lvl="3" marL="1828800">
+            <a:lvl4pPr marL="1828800" lvl="3" indent="-304800">
               <a:spcBef>
                 <a:spcPts val="0"/>
               </a:spcBef>
@@ -4022,7 +4149,7 @@
               <a:buChar char="●"/>
               <a:defRPr sz="1200"/>
             </a:lvl4pPr>
-            <a:lvl5pPr indent="-304800" lvl="4" marL="2286000">
+            <a:lvl5pPr marL="2286000" lvl="4" indent="-304800">
               <a:spcBef>
                 <a:spcPts val="0"/>
               </a:spcBef>
@@ -4033,7 +4160,7 @@
               <a:buChar char="○"/>
               <a:defRPr sz="1200"/>
             </a:lvl5pPr>
-            <a:lvl6pPr indent="-304800" lvl="5" marL="2743200">
+            <a:lvl6pPr marL="2743200" lvl="5" indent="-304800">
               <a:spcBef>
                 <a:spcPts val="0"/>
               </a:spcBef>
@@ -4044,7 +4171,7 @@
               <a:buChar char="■"/>
               <a:defRPr sz="1200"/>
             </a:lvl6pPr>
-            <a:lvl7pPr indent="-304800" lvl="6" marL="3200400">
+            <a:lvl7pPr marL="3200400" lvl="6" indent="-304800">
               <a:spcBef>
                 <a:spcPts val="0"/>
               </a:spcBef>
@@ -4055,7 +4182,7 @@
               <a:buChar char="●"/>
               <a:defRPr sz="1200"/>
             </a:lvl7pPr>
-            <a:lvl8pPr indent="-304800" lvl="7" marL="3657600">
+            <a:lvl8pPr marL="3657600" lvl="7" indent="-304800">
               <a:spcBef>
                 <a:spcPts val="0"/>
               </a:spcBef>
@@ -4066,7 +4193,7 @@
               <a:buChar char="○"/>
               <a:defRPr sz="1200"/>
             </a:lvl8pPr>
-            <a:lvl9pPr indent="-304800" lvl="8" marL="4114800">
+            <a:lvl9pPr marL="4114800" lvl="8" indent="-304800">
               <a:spcBef>
                 <a:spcPts val="0"/>
               </a:spcBef>
@@ -4078,15 +4205,19 @@
               <a:defRPr sz="1200"/>
             </a:lvl9pPr>
           </a:lstStyle>
-          <a:p/>
+          <a:p>
+            <a:endParaRPr/>
+          </a:p>
         </p:txBody>
       </p:sp>
       <p:sp>
         <p:nvSpPr>
           <p:cNvPr id="31" name="Google Shape;31;p7"/>
-          <p:cNvSpPr txBox="1"/>
+          <p:cNvSpPr txBox="1">
+            <a:spLocks noGrp="1"/>
+          </p:cNvSpPr>
           <p:nvPr>
-            <p:ph idx="12" type="sldNum"/>
+            <p:ph type="sldNum" idx="12"/>
           </p:nvPr>
         </p:nvSpPr>
         <p:spPr>
@@ -4099,7 +4230,7 @@
           </a:prstGeom>
         </p:spPr>
         <p:txBody>
-          <a:bodyPr anchorCtr="0" anchor="ctr" bIns="91425" lIns="91425" spcFirstLastPara="1" rIns="91425" wrap="square" tIns="91425">
+          <a:bodyPr spcFirstLastPara="1" wrap="square" lIns="91425" tIns="91425" rIns="91425" bIns="91425" anchor="ctr" anchorCtr="0">
             <a:normAutofit/>
           </a:bodyPr>
           <a:lstStyle>
@@ -4141,7 +4272,7 @@
             </a:lvl9pPr>
           </a:lstStyle>
           <a:p>
-            <a:pPr indent="0" lvl="0" marL="0" rtl="0" algn="r">
+            <a:pPr marL="0" lvl="0" indent="0" algn="r" rtl="0">
               <a:spcBef>
                 <a:spcPts val="0"/>
               </a:spcBef>
@@ -4152,7 +4283,7 @@
             </a:pPr>
             <a:fld id="{00000000-1234-1234-1234-123412341234}" type="slidenum">
               <a:rPr lang="es-419"/>
-              <a:t>‹#›</a:t>
+              <a:t>‹Nº›</a:t>
             </a:fld>
             <a:endParaRPr/>
           </a:p>
@@ -4167,11 +4298,11 @@
 </file>
 
 <file path=ppt/slideLayouts/slideLayout7.xml><?xml version="1.0" encoding="utf-8"?>
-<p:sldLayout xmlns:a="http://schemas.openxmlformats.org/drawingml/2006/main" xmlns:r="http://schemas.openxmlformats.org/officeDocument/2006/relationships" xmlns:mc="http://schemas.openxmlformats.org/markup-compatibility/2006" xmlns:mv="urn:schemas-microsoft-com:mac:vml" xmlns:p="http://schemas.openxmlformats.org/presentationml/2006/main" xmlns:c="http://schemas.openxmlformats.org/drawingml/2006/chart" xmlns:dgm="http://schemas.openxmlformats.org/drawingml/2006/diagram" xmlns:o="urn:schemas-microsoft-com:office:office" xmlns:v="urn:schemas-microsoft-com:vml" xmlns:pvml="urn:schemas-microsoft-com:office:powerpoint" xmlns:com="http://schemas.openxmlformats.org/drawingml/2006/compatibility" xmlns:p14="http://schemas.microsoft.com/office/powerpoint/2010/main" xmlns:p15="http://schemas.microsoft.com/office/powerpoint/2012/main" xmlns:ahyp="http://schemas.microsoft.com/office/drawing/2018/hyperlinkcolor" matchingName="Main point">
+<p:sldLayout xmlns:a="http://schemas.openxmlformats.org/drawingml/2006/main" xmlns:r="http://schemas.openxmlformats.org/officeDocument/2006/relationships" xmlns:p="http://schemas.openxmlformats.org/presentationml/2006/main" matchingName="Main point">
   <p:cSld name="MAIN_POINT">
     <p:spTree>
       <p:nvGrpSpPr>
-        <p:cNvPr id="32" name="Shape 32"/>
+        <p:cNvPr id="1" name="Shape 32"/>
         <p:cNvGrpSpPr/>
         <p:nvPr/>
       </p:nvGrpSpPr>
@@ -4186,7 +4317,9 @@
       <p:sp>
         <p:nvSpPr>
           <p:cNvPr id="33" name="Google Shape;33;p8"/>
-          <p:cNvSpPr txBox="1"/>
+          <p:cNvSpPr txBox="1">
+            <a:spLocks noGrp="1"/>
+          </p:cNvSpPr>
           <p:nvPr>
             <p:ph type="title"/>
           </p:nvPr>
@@ -4201,7 +4334,7 @@
           </a:prstGeom>
         </p:spPr>
         <p:txBody>
-          <a:bodyPr anchorCtr="0" anchor="ctr" bIns="91425" lIns="91425" spcFirstLastPara="1" rIns="91425" wrap="square" tIns="91425">
+          <a:bodyPr spcFirstLastPara="1" wrap="square" lIns="91425" tIns="91425" rIns="91425" bIns="91425" anchor="ctr" anchorCtr="0">
             <a:normAutofit/>
           </a:bodyPr>
           <a:lstStyle>
@@ -4305,15 +4438,19 @@
               <a:defRPr sz="4800"/>
             </a:lvl9pPr>
           </a:lstStyle>
-          <a:p/>
+          <a:p>
+            <a:endParaRPr/>
+          </a:p>
         </p:txBody>
       </p:sp>
       <p:sp>
         <p:nvSpPr>
           <p:cNvPr id="34" name="Google Shape;34;p8"/>
-          <p:cNvSpPr txBox="1"/>
+          <p:cNvSpPr txBox="1">
+            <a:spLocks noGrp="1"/>
+          </p:cNvSpPr>
           <p:nvPr>
-            <p:ph idx="12" type="sldNum"/>
+            <p:ph type="sldNum" idx="12"/>
           </p:nvPr>
         </p:nvSpPr>
         <p:spPr>
@@ -4326,7 +4463,7 @@
           </a:prstGeom>
         </p:spPr>
         <p:txBody>
-          <a:bodyPr anchorCtr="0" anchor="ctr" bIns="91425" lIns="91425" spcFirstLastPara="1" rIns="91425" wrap="square" tIns="91425">
+          <a:bodyPr spcFirstLastPara="1" wrap="square" lIns="91425" tIns="91425" rIns="91425" bIns="91425" anchor="ctr" anchorCtr="0">
             <a:normAutofit/>
           </a:bodyPr>
           <a:lstStyle>
@@ -4368,7 +4505,7 @@
             </a:lvl9pPr>
           </a:lstStyle>
           <a:p>
-            <a:pPr indent="0" lvl="0" marL="0" rtl="0" algn="r">
+            <a:pPr marL="0" lvl="0" indent="0" algn="r" rtl="0">
               <a:spcBef>
                 <a:spcPts val="0"/>
               </a:spcBef>
@@ -4379,7 +4516,7 @@
             </a:pPr>
             <a:fld id="{00000000-1234-1234-1234-123412341234}" type="slidenum">
               <a:rPr lang="es-419"/>
-              <a:t>‹#›</a:t>
+              <a:t>‹Nº›</a:t>
             </a:fld>
             <a:endParaRPr/>
           </a:p>
@@ -4394,11 +4531,11 @@
 </file>
 
 <file path=ppt/slideLayouts/slideLayout8.xml><?xml version="1.0" encoding="utf-8"?>
-<p:sldLayout xmlns:a="http://schemas.openxmlformats.org/drawingml/2006/main" xmlns:r="http://schemas.openxmlformats.org/officeDocument/2006/relationships" xmlns:mc="http://schemas.openxmlformats.org/markup-compatibility/2006" xmlns:mv="urn:schemas-microsoft-com:mac:vml" xmlns:p="http://schemas.openxmlformats.org/presentationml/2006/main" xmlns:c="http://schemas.openxmlformats.org/drawingml/2006/chart" xmlns:dgm="http://schemas.openxmlformats.org/drawingml/2006/diagram" xmlns:o="urn:schemas-microsoft-com:office:office" xmlns:v="urn:schemas-microsoft-com:vml" xmlns:pvml="urn:schemas-microsoft-com:office:powerpoint" xmlns:com="http://schemas.openxmlformats.org/drawingml/2006/compatibility" xmlns:p14="http://schemas.microsoft.com/office/powerpoint/2010/main" xmlns:p15="http://schemas.microsoft.com/office/powerpoint/2012/main" xmlns:ahyp="http://schemas.microsoft.com/office/drawing/2018/hyperlinkcolor" matchingName="Section title and description">
+<p:sldLayout xmlns:a="http://schemas.openxmlformats.org/drawingml/2006/main" xmlns:r="http://schemas.openxmlformats.org/officeDocument/2006/relationships" xmlns:p="http://schemas.openxmlformats.org/presentationml/2006/main" matchingName="Section title and description">
   <p:cSld name="SECTION_TITLE_AND_DESCRIPTION">
     <p:spTree>
       <p:nvGrpSpPr>
-        <p:cNvPr id="35" name="Shape 35"/>
+        <p:cNvPr id="1" name="Shape 35"/>
         <p:cNvGrpSpPr/>
         <p:nvPr/>
       </p:nvGrpSpPr>
@@ -4432,23 +4569,20 @@
           </a:ln>
         </p:spPr>
         <p:txBody>
-          <a:bodyPr anchorCtr="0" anchor="ctr" bIns="91425" lIns="91425" spcFirstLastPara="1" rIns="91425" wrap="square" tIns="91425">
+          <a:bodyPr spcFirstLastPara="1" wrap="square" lIns="91425" tIns="91425" rIns="91425" bIns="91425" anchor="ctr" anchorCtr="0">
             <a:noAutofit/>
           </a:bodyPr>
           <a:lstStyle/>
           <a:p>
-            <a:pPr indent="0" lvl="0" marL="0" rtl="0" algn="l">
-              <a:spcBef>
-                <a:spcPts val="0"/>
-              </a:spcBef>
-              <a:spcAft>
-                <a:spcPts val="0"/>
-              </a:spcAft>
-              <a:buNone/>
-            </a:pPr>
-            <a:r>
-              <a:t/>
-            </a:r>
+            <a:pPr marL="0" lvl="0" indent="0" algn="l" rtl="0">
+              <a:spcBef>
+                <a:spcPts val="0"/>
+              </a:spcBef>
+              <a:spcAft>
+                <a:spcPts val="0"/>
+              </a:spcAft>
+              <a:buNone/>
+            </a:pPr>
             <a:endParaRPr/>
           </a:p>
         </p:txBody>
@@ -4456,7 +4590,9 @@
       <p:sp>
         <p:nvSpPr>
           <p:cNvPr id="37" name="Google Shape;37;p9"/>
-          <p:cNvSpPr txBox="1"/>
+          <p:cNvSpPr txBox="1">
+            <a:spLocks noGrp="1"/>
+          </p:cNvSpPr>
           <p:nvPr>
             <p:ph type="title"/>
           </p:nvPr>
@@ -4471,7 +4607,7 @@
           </a:prstGeom>
         </p:spPr>
         <p:txBody>
-          <a:bodyPr anchorCtr="0" anchor="b" bIns="91425" lIns="91425" spcFirstLastPara="1" rIns="91425" wrap="square" tIns="91425">
+          <a:bodyPr spcFirstLastPara="1" wrap="square" lIns="91425" tIns="91425" rIns="91425" bIns="91425" anchor="b" anchorCtr="0">
             <a:normAutofit/>
           </a:bodyPr>
           <a:lstStyle>
@@ -4575,15 +4711,19 @@
               <a:defRPr sz="4200"/>
             </a:lvl9pPr>
           </a:lstStyle>
-          <a:p/>
+          <a:p>
+            <a:endParaRPr/>
+          </a:p>
         </p:txBody>
       </p:sp>
       <p:sp>
         <p:nvSpPr>
           <p:cNvPr id="38" name="Google Shape;38;p9"/>
-          <p:cNvSpPr txBox="1"/>
+          <p:cNvSpPr txBox="1">
+            <a:spLocks noGrp="1"/>
+          </p:cNvSpPr>
           <p:nvPr>
-            <p:ph idx="1" type="subTitle"/>
+            <p:ph type="subTitle" idx="1"/>
           </p:nvPr>
         </p:nvSpPr>
         <p:spPr>
@@ -4596,7 +4736,7 @@
           </a:prstGeom>
         </p:spPr>
         <p:txBody>
-          <a:bodyPr anchorCtr="0" anchor="t" bIns="91425" lIns="91425" spcFirstLastPara="1" rIns="91425" wrap="square" tIns="91425">
+          <a:bodyPr spcFirstLastPara="1" wrap="square" lIns="91425" tIns="91425" rIns="91425" bIns="91425" anchor="t" anchorCtr="0">
             <a:normAutofit/>
           </a:bodyPr>
           <a:lstStyle>
@@ -4727,15 +4867,19 @@
               <a:defRPr sz="2100"/>
             </a:lvl9pPr>
           </a:lstStyle>
-          <a:p/>
+          <a:p>
+            <a:endParaRPr/>
+          </a:p>
         </p:txBody>
       </p:sp>
       <p:sp>
         <p:nvSpPr>
           <p:cNvPr id="39" name="Google Shape;39;p9"/>
-          <p:cNvSpPr txBox="1"/>
+          <p:cNvSpPr txBox="1">
+            <a:spLocks noGrp="1"/>
+          </p:cNvSpPr>
           <p:nvPr>
-            <p:ph idx="2" type="body"/>
+            <p:ph type="body" idx="2"/>
           </p:nvPr>
         </p:nvSpPr>
         <p:spPr>
@@ -4748,11 +4892,11 @@
           </a:prstGeom>
         </p:spPr>
         <p:txBody>
-          <a:bodyPr anchorCtr="0" anchor="ctr" bIns="91425" lIns="91425" spcFirstLastPara="1" rIns="91425" wrap="square" tIns="91425">
+          <a:bodyPr spcFirstLastPara="1" wrap="square" lIns="91425" tIns="91425" rIns="91425" bIns="91425" anchor="ctr" anchorCtr="0">
             <a:normAutofit/>
           </a:bodyPr>
           <a:lstStyle>
-            <a:lvl1pPr indent="-342900" lvl="0" marL="457200">
+            <a:lvl1pPr marL="457200" lvl="0" indent="-342900">
               <a:spcBef>
                 <a:spcPts val="0"/>
               </a:spcBef>
@@ -4763,7 +4907,7 @@
               <a:buChar char="●"/>
               <a:defRPr/>
             </a:lvl1pPr>
-            <a:lvl2pPr indent="-317500" lvl="1" marL="914400">
+            <a:lvl2pPr marL="914400" lvl="1" indent="-317500">
               <a:spcBef>
                 <a:spcPts val="0"/>
               </a:spcBef>
@@ -4774,7 +4918,7 @@
               <a:buChar char="○"/>
               <a:defRPr/>
             </a:lvl2pPr>
-            <a:lvl3pPr indent="-317500" lvl="2" marL="1371600">
+            <a:lvl3pPr marL="1371600" lvl="2" indent="-317500">
               <a:spcBef>
                 <a:spcPts val="0"/>
               </a:spcBef>
@@ -4785,7 +4929,7 @@
               <a:buChar char="■"/>
               <a:defRPr/>
             </a:lvl3pPr>
-            <a:lvl4pPr indent="-317500" lvl="3" marL="1828800">
+            <a:lvl4pPr marL="1828800" lvl="3" indent="-317500">
               <a:spcBef>
                 <a:spcPts val="0"/>
               </a:spcBef>
@@ -4796,7 +4940,7 @@
               <a:buChar char="●"/>
               <a:defRPr/>
             </a:lvl4pPr>
-            <a:lvl5pPr indent="-317500" lvl="4" marL="2286000">
+            <a:lvl5pPr marL="2286000" lvl="4" indent="-317500">
               <a:spcBef>
                 <a:spcPts val="0"/>
               </a:spcBef>
@@ -4807,7 +4951,7 @@
               <a:buChar char="○"/>
               <a:defRPr/>
             </a:lvl5pPr>
-            <a:lvl6pPr indent="-317500" lvl="5" marL="2743200">
+            <a:lvl6pPr marL="2743200" lvl="5" indent="-317500">
               <a:spcBef>
                 <a:spcPts val="0"/>
               </a:spcBef>
@@ -4818,7 +4962,7 @@
               <a:buChar char="■"/>
               <a:defRPr/>
             </a:lvl6pPr>
-            <a:lvl7pPr indent="-317500" lvl="6" marL="3200400">
+            <a:lvl7pPr marL="3200400" lvl="6" indent="-317500">
               <a:spcBef>
                 <a:spcPts val="0"/>
               </a:spcBef>
@@ -4829,7 +4973,7 @@
               <a:buChar char="●"/>
               <a:defRPr/>
             </a:lvl7pPr>
-            <a:lvl8pPr indent="-317500" lvl="7" marL="3657600">
+            <a:lvl8pPr marL="3657600" lvl="7" indent="-317500">
               <a:spcBef>
                 <a:spcPts val="0"/>
               </a:spcBef>
@@ -4840,7 +4984,7 @@
               <a:buChar char="○"/>
               <a:defRPr/>
             </a:lvl8pPr>
-            <a:lvl9pPr indent="-317500" lvl="8" marL="4114800">
+            <a:lvl9pPr marL="4114800" lvl="8" indent="-317500">
               <a:spcBef>
                 <a:spcPts val="0"/>
               </a:spcBef>
@@ -4852,15 +4996,19 @@
               <a:defRPr/>
             </a:lvl9pPr>
           </a:lstStyle>
-          <a:p/>
+          <a:p>
+            <a:endParaRPr/>
+          </a:p>
         </p:txBody>
       </p:sp>
       <p:sp>
         <p:nvSpPr>
           <p:cNvPr id="40" name="Google Shape;40;p9"/>
-          <p:cNvSpPr txBox="1"/>
+          <p:cNvSpPr txBox="1">
+            <a:spLocks noGrp="1"/>
+          </p:cNvSpPr>
           <p:nvPr>
-            <p:ph idx="12" type="sldNum"/>
+            <p:ph type="sldNum" idx="12"/>
           </p:nvPr>
         </p:nvSpPr>
         <p:spPr>
@@ -4873,7 +5021,7 @@
           </a:prstGeom>
         </p:spPr>
         <p:txBody>
-          <a:bodyPr anchorCtr="0" anchor="ctr" bIns="91425" lIns="91425" spcFirstLastPara="1" rIns="91425" wrap="square" tIns="91425">
+          <a:bodyPr spcFirstLastPara="1" wrap="square" lIns="91425" tIns="91425" rIns="91425" bIns="91425" anchor="ctr" anchorCtr="0">
             <a:normAutofit/>
           </a:bodyPr>
           <a:lstStyle>
@@ -4915,7 +5063,7 @@
             </a:lvl9pPr>
           </a:lstStyle>
           <a:p>
-            <a:pPr indent="0" lvl="0" marL="0" rtl="0" algn="r">
+            <a:pPr marL="0" lvl="0" indent="0" algn="r" rtl="0">
               <a:spcBef>
                 <a:spcPts val="0"/>
               </a:spcBef>
@@ -4926,7 +5074,7 @@
             </a:pPr>
             <a:fld id="{00000000-1234-1234-1234-123412341234}" type="slidenum">
               <a:rPr lang="es-419"/>
-              <a:t>‹#›</a:t>
+              <a:t>‹Nº›</a:t>
             </a:fld>
             <a:endParaRPr/>
           </a:p>
@@ -4941,11 +5089,11 @@
 </file>
 
 <file path=ppt/slideLayouts/slideLayout9.xml><?xml version="1.0" encoding="utf-8"?>
-<p:sldLayout xmlns:a="http://schemas.openxmlformats.org/drawingml/2006/main" xmlns:r="http://schemas.openxmlformats.org/officeDocument/2006/relationships" xmlns:mc="http://schemas.openxmlformats.org/markup-compatibility/2006" xmlns:mv="urn:schemas-microsoft-com:mac:vml" xmlns:p="http://schemas.openxmlformats.org/presentationml/2006/main" xmlns:c="http://schemas.openxmlformats.org/drawingml/2006/chart" xmlns:dgm="http://schemas.openxmlformats.org/drawingml/2006/diagram" xmlns:o="urn:schemas-microsoft-com:office:office" xmlns:v="urn:schemas-microsoft-com:vml" xmlns:pvml="urn:schemas-microsoft-com:office:powerpoint" xmlns:com="http://schemas.openxmlformats.org/drawingml/2006/compatibility" xmlns:p14="http://schemas.microsoft.com/office/powerpoint/2010/main" xmlns:p15="http://schemas.microsoft.com/office/powerpoint/2012/main" xmlns:ahyp="http://schemas.microsoft.com/office/drawing/2018/hyperlinkcolor" matchingName="Caption">
+<p:sldLayout xmlns:a="http://schemas.openxmlformats.org/drawingml/2006/main" xmlns:r="http://schemas.openxmlformats.org/officeDocument/2006/relationships" xmlns:p="http://schemas.openxmlformats.org/presentationml/2006/main" matchingName="Caption">
   <p:cSld name="CAPTION_ONLY">
     <p:spTree>
       <p:nvGrpSpPr>
-        <p:cNvPr id="41" name="Shape 41"/>
+        <p:cNvPr id="1" name="Shape 41"/>
         <p:cNvGrpSpPr/>
         <p:nvPr/>
       </p:nvGrpSpPr>
@@ -4960,9 +5108,11 @@
       <p:sp>
         <p:nvSpPr>
           <p:cNvPr id="42" name="Google Shape;42;p10"/>
-          <p:cNvSpPr txBox="1"/>
+          <p:cNvSpPr txBox="1">
+            <a:spLocks noGrp="1"/>
+          </p:cNvSpPr>
           <p:nvPr>
-            <p:ph idx="1" type="body"/>
+            <p:ph type="body" idx="1"/>
           </p:nvPr>
         </p:nvSpPr>
         <p:spPr>
@@ -4975,11 +5125,11 @@
           </a:prstGeom>
         </p:spPr>
         <p:txBody>
-          <a:bodyPr anchorCtr="0" anchor="ctr" bIns="91425" lIns="91425" spcFirstLastPara="1" rIns="91425" wrap="square" tIns="91425">
+          <a:bodyPr spcFirstLastPara="1" wrap="square" lIns="91425" tIns="91425" rIns="91425" bIns="91425" anchor="ctr" anchorCtr="0">
             <a:normAutofit/>
           </a:bodyPr>
           <a:lstStyle>
-            <a:lvl1pPr indent="-228600" lvl="0" marL="457200">
+            <a:lvl1pPr marL="457200" lvl="0" indent="-228600">
               <a:lnSpc>
                 <a:spcPct val="100000"/>
               </a:lnSpc>
@@ -4994,15 +5144,19 @@
               <a:defRPr/>
             </a:lvl1pPr>
           </a:lstStyle>
-          <a:p/>
+          <a:p>
+            <a:endParaRPr/>
+          </a:p>
         </p:txBody>
       </p:sp>
       <p:sp>
         <p:nvSpPr>
           <p:cNvPr id="43" name="Google Shape;43;p10"/>
-          <p:cNvSpPr txBox="1"/>
+          <p:cNvSpPr txBox="1">
+            <a:spLocks noGrp="1"/>
+          </p:cNvSpPr>
           <p:nvPr>
-            <p:ph idx="12" type="sldNum"/>
+            <p:ph type="sldNum" idx="12"/>
           </p:nvPr>
         </p:nvSpPr>
         <p:spPr>
@@ -5015,7 +5169,7 @@
           </a:prstGeom>
         </p:spPr>
         <p:txBody>
-          <a:bodyPr anchorCtr="0" anchor="ctr" bIns="91425" lIns="91425" spcFirstLastPara="1" rIns="91425" wrap="square" tIns="91425">
+          <a:bodyPr spcFirstLastPara="1" wrap="square" lIns="91425" tIns="91425" rIns="91425" bIns="91425" anchor="ctr" anchorCtr="0">
             <a:normAutofit/>
           </a:bodyPr>
           <a:lstStyle>
@@ -5057,7 +5211,7 @@
             </a:lvl9pPr>
           </a:lstStyle>
           <a:p>
-            <a:pPr indent="0" lvl="0" marL="0" rtl="0" algn="r">
+            <a:pPr marL="0" lvl="0" indent="0" algn="r" rtl="0">
               <a:spcBef>
                 <a:spcPts val="0"/>
               </a:spcBef>
@@ -5068,7 +5222,7 @@
             </a:pPr>
             <a:fld id="{00000000-1234-1234-1234-123412341234}" type="slidenum">
               <a:rPr lang="es-419"/>
-              <a:t>‹#›</a:t>
+              <a:t>‹Nº›</a:t>
             </a:fld>
             <a:endParaRPr/>
           </a:p>
@@ -5083,18 +5237,19 @@
 </file>
 
 <file path=ppt/slideMasters/slideMaster1.xml><?xml version="1.0" encoding="utf-8"?>
-<p:sldMaster xmlns:a="http://schemas.openxmlformats.org/drawingml/2006/main" xmlns:r="http://schemas.openxmlformats.org/officeDocument/2006/relationships" xmlns:mc="http://schemas.openxmlformats.org/markup-compatibility/2006" xmlns:mv="urn:schemas-microsoft-com:mac:vml" xmlns:p="http://schemas.openxmlformats.org/presentationml/2006/main" xmlns:c="http://schemas.openxmlformats.org/drawingml/2006/chart" xmlns:dgm="http://schemas.openxmlformats.org/drawingml/2006/diagram" xmlns:o="urn:schemas-microsoft-com:office:office" xmlns:v="urn:schemas-microsoft-com:vml" xmlns:pvml="urn:schemas-microsoft-com:office:powerpoint" xmlns:com="http://schemas.openxmlformats.org/drawingml/2006/compatibility" xmlns:p14="http://schemas.microsoft.com/office/powerpoint/2010/main" xmlns:p15="http://schemas.microsoft.com/office/powerpoint/2012/main" xmlns:ahyp="http://schemas.microsoft.com/office/drawing/2018/hyperlinkcolor">
+<p:sldMaster xmlns:a="http://schemas.openxmlformats.org/drawingml/2006/main" xmlns:r="http://schemas.openxmlformats.org/officeDocument/2006/relationships" xmlns:p="http://schemas.openxmlformats.org/presentationml/2006/main">
   <p:cSld name="simple-light-2">
     <p:bg>
       <p:bgPr>
         <a:solidFill>
           <a:schemeClr val="lt1"/>
         </a:solidFill>
+        <a:effectLst/>
       </p:bgPr>
     </p:bg>
     <p:spTree>
       <p:nvGrpSpPr>
-        <p:cNvPr id="5" name="Shape 5"/>
+        <p:cNvPr id="1" name="Shape 5"/>
         <p:cNvGrpSpPr/>
         <p:nvPr/>
       </p:nvGrpSpPr>
@@ -5109,7 +5264,9 @@
       <p:sp>
         <p:nvSpPr>
           <p:cNvPr id="6" name="Google Shape;6;p1"/>
-          <p:cNvSpPr txBox="1"/>
+          <p:cNvSpPr txBox="1">
+            <a:spLocks noGrp="1"/>
+          </p:cNvSpPr>
           <p:nvPr>
             <p:ph type="title"/>
           </p:nvPr>
@@ -5128,7 +5285,7 @@
           </a:ln>
         </p:spPr>
         <p:txBody>
-          <a:bodyPr anchorCtr="0" anchor="t" bIns="91425" lIns="91425" spcFirstLastPara="1" rIns="91425" wrap="square" tIns="91425">
+          <a:bodyPr spcFirstLastPara="1" wrap="square" lIns="91425" tIns="91425" rIns="91425" bIns="91425" anchor="t" anchorCtr="0">
             <a:normAutofit/>
           </a:bodyPr>
           <a:lstStyle>
@@ -5295,15 +5452,19 @@
               </a:defRPr>
             </a:lvl9pPr>
           </a:lstStyle>
-          <a:p/>
+          <a:p>
+            <a:endParaRPr/>
+          </a:p>
         </p:txBody>
       </p:sp>
       <p:sp>
         <p:nvSpPr>
           <p:cNvPr id="7" name="Google Shape;7;p1"/>
-          <p:cNvSpPr txBox="1"/>
+          <p:cNvSpPr txBox="1">
+            <a:spLocks noGrp="1"/>
+          </p:cNvSpPr>
           <p:nvPr>
-            <p:ph idx="1" type="body"/>
+            <p:ph type="body" idx="1"/>
           </p:nvPr>
         </p:nvSpPr>
         <p:spPr>
@@ -5320,11 +5481,11 @@
           </a:ln>
         </p:spPr>
         <p:txBody>
-          <a:bodyPr anchorCtr="0" anchor="t" bIns="91425" lIns="91425" spcFirstLastPara="1" rIns="91425" wrap="square" tIns="91425">
+          <a:bodyPr spcFirstLastPara="1" wrap="square" lIns="91425" tIns="91425" rIns="91425" bIns="91425" anchor="t" anchorCtr="0">
             <a:normAutofit/>
           </a:bodyPr>
           <a:lstStyle>
-            <a:lvl1pPr indent="-342900" lvl="0" marL="457200">
+            <a:lvl1pPr marL="457200" lvl="0" indent="-342900">
               <a:lnSpc>
                 <a:spcPct val="115000"/>
               </a:lnSpc>
@@ -5345,7 +5506,7 @@
                 </a:solidFill>
               </a:defRPr>
             </a:lvl1pPr>
-            <a:lvl2pPr indent="-317500" lvl="1" marL="914400">
+            <a:lvl2pPr marL="914400" lvl="1" indent="-317500">
               <a:lnSpc>
                 <a:spcPct val="115000"/>
               </a:lnSpc>
@@ -5366,7 +5527,7 @@
                 </a:solidFill>
               </a:defRPr>
             </a:lvl2pPr>
-            <a:lvl3pPr indent="-317500" lvl="2" marL="1371600">
+            <a:lvl3pPr marL="1371600" lvl="2" indent="-317500">
               <a:lnSpc>
                 <a:spcPct val="115000"/>
               </a:lnSpc>
@@ -5387,7 +5548,7 @@
                 </a:solidFill>
               </a:defRPr>
             </a:lvl3pPr>
-            <a:lvl4pPr indent="-317500" lvl="3" marL="1828800">
+            <a:lvl4pPr marL="1828800" lvl="3" indent="-317500">
               <a:lnSpc>
                 <a:spcPct val="115000"/>
               </a:lnSpc>
@@ -5408,7 +5569,7 @@
                 </a:solidFill>
               </a:defRPr>
             </a:lvl4pPr>
-            <a:lvl5pPr indent="-317500" lvl="4" marL="2286000">
+            <a:lvl5pPr marL="2286000" lvl="4" indent="-317500">
               <a:lnSpc>
                 <a:spcPct val="115000"/>
               </a:lnSpc>
@@ -5429,7 +5590,7 @@
                 </a:solidFill>
               </a:defRPr>
             </a:lvl5pPr>
-            <a:lvl6pPr indent="-317500" lvl="5" marL="2743200">
+            <a:lvl6pPr marL="2743200" lvl="5" indent="-317500">
               <a:lnSpc>
                 <a:spcPct val="115000"/>
               </a:lnSpc>
@@ -5450,7 +5611,7 @@
                 </a:solidFill>
               </a:defRPr>
             </a:lvl6pPr>
-            <a:lvl7pPr indent="-317500" lvl="6" marL="3200400">
+            <a:lvl7pPr marL="3200400" lvl="6" indent="-317500">
               <a:lnSpc>
                 <a:spcPct val="115000"/>
               </a:lnSpc>
@@ -5471,7 +5632,7 @@
                 </a:solidFill>
               </a:defRPr>
             </a:lvl7pPr>
-            <a:lvl8pPr indent="-317500" lvl="7" marL="3657600">
+            <a:lvl8pPr marL="3657600" lvl="7" indent="-317500">
               <a:lnSpc>
                 <a:spcPct val="115000"/>
               </a:lnSpc>
@@ -5492,7 +5653,7 @@
                 </a:solidFill>
               </a:defRPr>
             </a:lvl8pPr>
-            <a:lvl9pPr indent="-317500" lvl="8" marL="4114800">
+            <a:lvl9pPr marL="4114800" lvl="8" indent="-317500">
               <a:lnSpc>
                 <a:spcPct val="115000"/>
               </a:lnSpc>
@@ -5514,15 +5675,19 @@
               </a:defRPr>
             </a:lvl9pPr>
           </a:lstStyle>
-          <a:p/>
+          <a:p>
+            <a:endParaRPr/>
+          </a:p>
         </p:txBody>
       </p:sp>
       <p:sp>
         <p:nvSpPr>
           <p:cNvPr id="8" name="Google Shape;8;p1"/>
-          <p:cNvSpPr txBox="1"/>
+          <p:cNvSpPr txBox="1">
+            <a:spLocks noGrp="1"/>
+          </p:cNvSpPr>
           <p:nvPr>
-            <p:ph idx="12" type="sldNum"/>
+            <p:ph type="sldNum" idx="12"/>
           </p:nvPr>
         </p:nvSpPr>
         <p:spPr>
@@ -5539,7 +5704,7 @@
           </a:ln>
         </p:spPr>
         <p:txBody>
-          <a:bodyPr anchorCtr="0" anchor="ctr" bIns="91425" lIns="91425" spcFirstLastPara="1" rIns="91425" wrap="square" tIns="91425">
+          <a:bodyPr spcFirstLastPara="1" wrap="square" lIns="91425" tIns="91425" rIns="91425" bIns="91425" anchor="ctr" anchorCtr="0">
             <a:normAutofit/>
           </a:bodyPr>
           <a:lstStyle>
@@ -5617,7 +5782,7 @@
             </a:lvl9pPr>
           </a:lstStyle>
           <a:p>
-            <a:pPr indent="0" lvl="0" marL="0" rtl="0" algn="r">
+            <a:pPr marL="0" lvl="0" indent="0" algn="r" rtl="0">
               <a:spcBef>
                 <a:spcPts val="0"/>
               </a:spcBef>
@@ -5628,7 +5793,7 @@
             </a:pPr>
             <a:fld id="{00000000-1234-1234-1234-123412341234}" type="slidenum">
               <a:rPr lang="es-419"/>
-              <a:t>‹#›</a:t>
+              <a:t>‹Nº›</a:t>
             </a:fld>
             <a:endParaRPr/>
           </a:p>
@@ -5636,7 +5801,7 @@
       </p:sp>
     </p:spTree>
   </p:cSld>
-  <p:clrMap accent1="accent1" accent2="accent2" accent3="accent3" accent4="accent4" accent5="accent5" accent6="accent6" bg1="lt1" bg2="dk2" tx1="dk1" tx2="lt2" folHlink="folHlink" hlink="hlink"/>
+  <p:clrMap bg1="lt1" tx1="dk1" bg2="dk2" tx2="lt2" accent1="accent1" accent2="accent2" accent3="accent3" accent4="accent4" accent5="accent5" accent6="accent6" hlink="hlink" folHlink="folHlink"/>
   <p:sldLayoutIdLst>
     <p:sldLayoutId id="2147483648" r:id="rId1"/>
     <p:sldLayoutId id="2147483649" r:id="rId2"/>
@@ -5650,10 +5815,10 @@
     <p:sldLayoutId id="2147483657" r:id="rId10"/>
     <p:sldLayoutId id="2147483658" r:id="rId11"/>
   </p:sldLayoutIdLst>
-  <p:hf dt="0" ftr="0" hdr="0" sldNum="0"/>
+  <p:hf sldNum="0" hdr="0" ftr="0" dt="0"/>
   <p:txStyles>
     <p:titleStyle>
-      <a:defPPr lvl="0" marR="0" rtl="0" algn="l">
+      <a:defPPr marR="0" lvl="0" algn="l" rtl="0">
         <a:lnSpc>
           <a:spcPct val="100000"/>
         </a:lnSpc>
@@ -5664,7 +5829,7 @@
           <a:spcPts val="0"/>
         </a:spcAft>
       </a:defPPr>
-      <a:lvl1pPr lvl="0" marR="0" rtl="0" algn="l">
+      <a:lvl1pPr marR="0" lvl="0" algn="l" rtl="0">
         <a:lnSpc>
           <a:spcPct val="100000"/>
         </a:lnSpc>
@@ -5678,7 +5843,7 @@
           <a:srgbClr val="000000"/>
         </a:buClr>
         <a:buFont typeface="Arial"/>
-        <a:defRPr b="0" i="0" sz="1400" u="none" cap="none" strike="noStrike">
+        <a:defRPr sz="1400" b="0" i="0" u="none" strike="noStrike" cap="none">
           <a:solidFill>
             <a:srgbClr val="000000"/>
           </a:solidFill>
@@ -5688,7 +5853,7 @@
           <a:sym typeface="Arial"/>
         </a:defRPr>
       </a:lvl1pPr>
-      <a:lvl2pPr lvl="1" marR="0" rtl="0" algn="l">
+      <a:lvl2pPr marR="0" lvl="1" algn="l" rtl="0">
         <a:lnSpc>
           <a:spcPct val="100000"/>
         </a:lnSpc>
@@ -5702,7 +5867,7 @@
           <a:srgbClr val="000000"/>
         </a:buClr>
         <a:buFont typeface="Arial"/>
-        <a:defRPr b="0" i="0" sz="1400" u="none" cap="none" strike="noStrike">
+        <a:defRPr sz="1400" b="0" i="0" u="none" strike="noStrike" cap="none">
           <a:solidFill>
             <a:srgbClr val="000000"/>
           </a:solidFill>
@@ -5712,7 +5877,7 @@
           <a:sym typeface="Arial"/>
         </a:defRPr>
       </a:lvl2pPr>
-      <a:lvl3pPr lvl="2" marR="0" rtl="0" algn="l">
+      <a:lvl3pPr marR="0" lvl="2" algn="l" rtl="0">
         <a:lnSpc>
           <a:spcPct val="100000"/>
         </a:lnSpc>
@@ -5726,7 +5891,7 @@
           <a:srgbClr val="000000"/>
         </a:buClr>
         <a:buFont typeface="Arial"/>
-        <a:defRPr b="0" i="0" sz="1400" u="none" cap="none" strike="noStrike">
+        <a:defRPr sz="1400" b="0" i="0" u="none" strike="noStrike" cap="none">
           <a:solidFill>
             <a:srgbClr val="000000"/>
           </a:solidFill>
@@ -5736,7 +5901,7 @@
           <a:sym typeface="Arial"/>
         </a:defRPr>
       </a:lvl3pPr>
-      <a:lvl4pPr lvl="3" marR="0" rtl="0" algn="l">
+      <a:lvl4pPr marR="0" lvl="3" algn="l" rtl="0">
         <a:lnSpc>
           <a:spcPct val="100000"/>
         </a:lnSpc>
@@ -5750,7 +5915,7 @@
           <a:srgbClr val="000000"/>
         </a:buClr>
         <a:buFont typeface="Arial"/>
-        <a:defRPr b="0" i="0" sz="1400" u="none" cap="none" strike="noStrike">
+        <a:defRPr sz="1400" b="0" i="0" u="none" strike="noStrike" cap="none">
           <a:solidFill>
             <a:srgbClr val="000000"/>
           </a:solidFill>
@@ -5760,7 +5925,7 @@
           <a:sym typeface="Arial"/>
         </a:defRPr>
       </a:lvl4pPr>
-      <a:lvl5pPr lvl="4" marR="0" rtl="0" algn="l">
+      <a:lvl5pPr marR="0" lvl="4" algn="l" rtl="0">
         <a:lnSpc>
           <a:spcPct val="100000"/>
         </a:lnSpc>
@@ -5774,7 +5939,7 @@
           <a:srgbClr val="000000"/>
         </a:buClr>
         <a:buFont typeface="Arial"/>
-        <a:defRPr b="0" i="0" sz="1400" u="none" cap="none" strike="noStrike">
+        <a:defRPr sz="1400" b="0" i="0" u="none" strike="noStrike" cap="none">
           <a:solidFill>
             <a:srgbClr val="000000"/>
           </a:solidFill>
@@ -5784,7 +5949,7 @@
           <a:sym typeface="Arial"/>
         </a:defRPr>
       </a:lvl5pPr>
-      <a:lvl6pPr lvl="5" marR="0" rtl="0" algn="l">
+      <a:lvl6pPr marR="0" lvl="5" algn="l" rtl="0">
         <a:lnSpc>
           <a:spcPct val="100000"/>
         </a:lnSpc>
@@ -5798,7 +5963,7 @@
           <a:srgbClr val="000000"/>
         </a:buClr>
         <a:buFont typeface="Arial"/>
-        <a:defRPr b="0" i="0" sz="1400" u="none" cap="none" strike="noStrike">
+        <a:defRPr sz="1400" b="0" i="0" u="none" strike="noStrike" cap="none">
           <a:solidFill>
             <a:srgbClr val="000000"/>
           </a:solidFill>
@@ -5808,7 +5973,7 @@
           <a:sym typeface="Arial"/>
         </a:defRPr>
       </a:lvl6pPr>
-      <a:lvl7pPr lvl="6" marR="0" rtl="0" algn="l">
+      <a:lvl7pPr marR="0" lvl="6" algn="l" rtl="0">
         <a:lnSpc>
           <a:spcPct val="100000"/>
         </a:lnSpc>
@@ -5822,7 +5987,7 @@
           <a:srgbClr val="000000"/>
         </a:buClr>
         <a:buFont typeface="Arial"/>
-        <a:defRPr b="0" i="0" sz="1400" u="none" cap="none" strike="noStrike">
+        <a:defRPr sz="1400" b="0" i="0" u="none" strike="noStrike" cap="none">
           <a:solidFill>
             <a:srgbClr val="000000"/>
           </a:solidFill>
@@ -5832,7 +5997,7 @@
           <a:sym typeface="Arial"/>
         </a:defRPr>
       </a:lvl7pPr>
-      <a:lvl8pPr lvl="7" marR="0" rtl="0" algn="l">
+      <a:lvl8pPr marR="0" lvl="7" algn="l" rtl="0">
         <a:lnSpc>
           <a:spcPct val="100000"/>
         </a:lnSpc>
@@ -5846,7 +6011,7 @@
           <a:srgbClr val="000000"/>
         </a:buClr>
         <a:buFont typeface="Arial"/>
-        <a:defRPr b="0" i="0" sz="1400" u="none" cap="none" strike="noStrike">
+        <a:defRPr sz="1400" b="0" i="0" u="none" strike="noStrike" cap="none">
           <a:solidFill>
             <a:srgbClr val="000000"/>
           </a:solidFill>
@@ -5856,7 +6021,7 @@
           <a:sym typeface="Arial"/>
         </a:defRPr>
       </a:lvl8pPr>
-      <a:lvl9pPr lvl="8" marR="0" rtl="0" algn="l">
+      <a:lvl9pPr marR="0" lvl="8" algn="l" rtl="0">
         <a:lnSpc>
           <a:spcPct val="100000"/>
         </a:lnSpc>
@@ -5870,7 +6035,7 @@
           <a:srgbClr val="000000"/>
         </a:buClr>
         <a:buFont typeface="Arial"/>
-        <a:defRPr b="0" i="0" sz="1400" u="none" cap="none" strike="noStrike">
+        <a:defRPr sz="1400" b="0" i="0" u="none" strike="noStrike" cap="none">
           <a:solidFill>
             <a:srgbClr val="000000"/>
           </a:solidFill>
@@ -5882,7 +6047,7 @@
       </a:lvl9pPr>
     </p:titleStyle>
     <p:bodyStyle>
-      <a:defPPr lvl="0" marR="0" rtl="0" algn="l">
+      <a:defPPr marR="0" lvl="0" algn="l" rtl="0">
         <a:lnSpc>
           <a:spcPct val="100000"/>
         </a:lnSpc>
@@ -5893,7 +6058,7 @@
           <a:spcPts val="0"/>
         </a:spcAft>
       </a:defPPr>
-      <a:lvl1pPr lvl="0" marR="0" rtl="0" algn="l">
+      <a:lvl1pPr marR="0" lvl="0" algn="l" rtl="0">
         <a:lnSpc>
           <a:spcPct val="100000"/>
         </a:lnSpc>
@@ -5907,7 +6072,7 @@
           <a:srgbClr val="000000"/>
         </a:buClr>
         <a:buFont typeface="Arial"/>
-        <a:defRPr b="0" i="0" sz="1400" u="none" cap="none" strike="noStrike">
+        <a:defRPr sz="1400" b="0" i="0" u="none" strike="noStrike" cap="none">
           <a:solidFill>
             <a:srgbClr val="000000"/>
           </a:solidFill>
@@ -5917,7 +6082,7 @@
           <a:sym typeface="Arial"/>
         </a:defRPr>
       </a:lvl1pPr>
-      <a:lvl2pPr lvl="1" marR="0" rtl="0" algn="l">
+      <a:lvl2pPr marR="0" lvl="1" algn="l" rtl="0">
         <a:lnSpc>
           <a:spcPct val="100000"/>
         </a:lnSpc>
@@ -5931,7 +6096,7 @@
           <a:srgbClr val="000000"/>
         </a:buClr>
         <a:buFont typeface="Arial"/>
-        <a:defRPr b="0" i="0" sz="1400" u="none" cap="none" strike="noStrike">
+        <a:defRPr sz="1400" b="0" i="0" u="none" strike="noStrike" cap="none">
           <a:solidFill>
             <a:srgbClr val="000000"/>
           </a:solidFill>
@@ -5941,7 +6106,7 @@
           <a:sym typeface="Arial"/>
         </a:defRPr>
       </a:lvl2pPr>
-      <a:lvl3pPr lvl="2" marR="0" rtl="0" algn="l">
+      <a:lvl3pPr marR="0" lvl="2" algn="l" rtl="0">
         <a:lnSpc>
           <a:spcPct val="100000"/>
         </a:lnSpc>
@@ -5955,7 +6120,7 @@
           <a:srgbClr val="000000"/>
         </a:buClr>
         <a:buFont typeface="Arial"/>
-        <a:defRPr b="0" i="0" sz="1400" u="none" cap="none" strike="noStrike">
+        <a:defRPr sz="1400" b="0" i="0" u="none" strike="noStrike" cap="none">
           <a:solidFill>
             <a:srgbClr val="000000"/>
           </a:solidFill>
@@ -5965,7 +6130,7 @@
           <a:sym typeface="Arial"/>
         </a:defRPr>
       </a:lvl3pPr>
-      <a:lvl4pPr lvl="3" marR="0" rtl="0" algn="l">
+      <a:lvl4pPr marR="0" lvl="3" algn="l" rtl="0">
         <a:lnSpc>
           <a:spcPct val="100000"/>
         </a:lnSpc>
@@ -5979,7 +6144,7 @@
           <a:srgbClr val="000000"/>
         </a:buClr>
         <a:buFont typeface="Arial"/>
-        <a:defRPr b="0" i="0" sz="1400" u="none" cap="none" strike="noStrike">
+        <a:defRPr sz="1400" b="0" i="0" u="none" strike="noStrike" cap="none">
           <a:solidFill>
             <a:srgbClr val="000000"/>
           </a:solidFill>
@@ -5989,7 +6154,7 @@
           <a:sym typeface="Arial"/>
         </a:defRPr>
       </a:lvl4pPr>
-      <a:lvl5pPr lvl="4" marR="0" rtl="0" algn="l">
+      <a:lvl5pPr marR="0" lvl="4" algn="l" rtl="0">
         <a:lnSpc>
           <a:spcPct val="100000"/>
         </a:lnSpc>
@@ -6003,7 +6168,7 @@
           <a:srgbClr val="000000"/>
         </a:buClr>
         <a:buFont typeface="Arial"/>
-        <a:defRPr b="0" i="0" sz="1400" u="none" cap="none" strike="noStrike">
+        <a:defRPr sz="1400" b="0" i="0" u="none" strike="noStrike" cap="none">
           <a:solidFill>
             <a:srgbClr val="000000"/>
           </a:solidFill>
@@ -6013,7 +6178,7 @@
           <a:sym typeface="Arial"/>
         </a:defRPr>
       </a:lvl5pPr>
-      <a:lvl6pPr lvl="5" marR="0" rtl="0" algn="l">
+      <a:lvl6pPr marR="0" lvl="5" algn="l" rtl="0">
         <a:lnSpc>
           <a:spcPct val="100000"/>
         </a:lnSpc>
@@ -6027,7 +6192,7 @@
           <a:srgbClr val="000000"/>
         </a:buClr>
         <a:buFont typeface="Arial"/>
-        <a:defRPr b="0" i="0" sz="1400" u="none" cap="none" strike="noStrike">
+        <a:defRPr sz="1400" b="0" i="0" u="none" strike="noStrike" cap="none">
           <a:solidFill>
             <a:srgbClr val="000000"/>
           </a:solidFill>
@@ -6037,7 +6202,7 @@
           <a:sym typeface="Arial"/>
         </a:defRPr>
       </a:lvl6pPr>
-      <a:lvl7pPr lvl="6" marR="0" rtl="0" algn="l">
+      <a:lvl7pPr marR="0" lvl="6" algn="l" rtl="0">
         <a:lnSpc>
           <a:spcPct val="100000"/>
         </a:lnSpc>
@@ -6051,7 +6216,7 @@
           <a:srgbClr val="000000"/>
         </a:buClr>
         <a:buFont typeface="Arial"/>
-        <a:defRPr b="0" i="0" sz="1400" u="none" cap="none" strike="noStrike">
+        <a:defRPr sz="1400" b="0" i="0" u="none" strike="noStrike" cap="none">
           <a:solidFill>
             <a:srgbClr val="000000"/>
           </a:solidFill>
@@ -6061,7 +6226,7 @@
           <a:sym typeface="Arial"/>
         </a:defRPr>
       </a:lvl7pPr>
-      <a:lvl8pPr lvl="7" marR="0" rtl="0" algn="l">
+      <a:lvl8pPr marR="0" lvl="7" algn="l" rtl="0">
         <a:lnSpc>
           <a:spcPct val="100000"/>
         </a:lnSpc>
@@ -6075,7 +6240,7 @@
           <a:srgbClr val="000000"/>
         </a:buClr>
         <a:buFont typeface="Arial"/>
-        <a:defRPr b="0" i="0" sz="1400" u="none" cap="none" strike="noStrike">
+        <a:defRPr sz="1400" b="0" i="0" u="none" strike="noStrike" cap="none">
           <a:solidFill>
             <a:srgbClr val="000000"/>
           </a:solidFill>
@@ -6085,7 +6250,7 @@
           <a:sym typeface="Arial"/>
         </a:defRPr>
       </a:lvl8pPr>
-      <a:lvl9pPr lvl="8" marR="0" rtl="0" algn="l">
+      <a:lvl9pPr marR="0" lvl="8" algn="l" rtl="0">
         <a:lnSpc>
           <a:spcPct val="100000"/>
         </a:lnSpc>
@@ -6099,7 +6264,7 @@
           <a:srgbClr val="000000"/>
         </a:buClr>
         <a:buFont typeface="Arial"/>
-        <a:defRPr b="0" i="0" sz="1400" u="none" cap="none" strike="noStrike">
+        <a:defRPr sz="1400" b="0" i="0" u="none" strike="noStrike" cap="none">
           <a:solidFill>
             <a:srgbClr val="000000"/>
           </a:solidFill>
@@ -6111,7 +6276,7 @@
       </a:lvl9pPr>
     </p:bodyStyle>
     <p:otherStyle>
-      <a:defPPr lvl="0" marR="0" rtl="0" algn="l">
+      <a:defPPr marR="0" lvl="0" algn="l" rtl="0">
         <a:lnSpc>
           <a:spcPct val="100000"/>
         </a:lnSpc>
@@ -6122,7 +6287,7 @@
           <a:spcPts val="0"/>
         </a:spcAft>
       </a:defPPr>
-      <a:lvl1pPr lvl="0" marR="0" rtl="0" algn="l">
+      <a:lvl1pPr marR="0" lvl="0" algn="l" rtl="0">
         <a:lnSpc>
           <a:spcPct val="100000"/>
         </a:lnSpc>
@@ -6136,7 +6301,7 @@
           <a:srgbClr val="000000"/>
         </a:buClr>
         <a:buFont typeface="Arial"/>
-        <a:defRPr b="0" i="0" sz="1400" u="none" cap="none" strike="noStrike">
+        <a:defRPr sz="1400" b="0" i="0" u="none" strike="noStrike" cap="none">
           <a:solidFill>
             <a:srgbClr val="000000"/>
           </a:solidFill>
@@ -6146,7 +6311,7 @@
           <a:sym typeface="Arial"/>
         </a:defRPr>
       </a:lvl1pPr>
-      <a:lvl2pPr lvl="1" marR="0" rtl="0" algn="l">
+      <a:lvl2pPr marR="0" lvl="1" algn="l" rtl="0">
         <a:lnSpc>
           <a:spcPct val="100000"/>
         </a:lnSpc>
@@ -6160,7 +6325,7 @@
           <a:srgbClr val="000000"/>
         </a:buClr>
         <a:buFont typeface="Arial"/>
-        <a:defRPr b="0" i="0" sz="1400" u="none" cap="none" strike="noStrike">
+        <a:defRPr sz="1400" b="0" i="0" u="none" strike="noStrike" cap="none">
           <a:solidFill>
             <a:srgbClr val="000000"/>
           </a:solidFill>
@@ -6170,7 +6335,7 @@
           <a:sym typeface="Arial"/>
         </a:defRPr>
       </a:lvl2pPr>
-      <a:lvl3pPr lvl="2" marR="0" rtl="0" algn="l">
+      <a:lvl3pPr marR="0" lvl="2" algn="l" rtl="0">
         <a:lnSpc>
           <a:spcPct val="100000"/>
         </a:lnSpc>
@@ -6184,7 +6349,7 @@
           <a:srgbClr val="000000"/>
         </a:buClr>
         <a:buFont typeface="Arial"/>
-        <a:defRPr b="0" i="0" sz="1400" u="none" cap="none" strike="noStrike">
+        <a:defRPr sz="1400" b="0" i="0" u="none" strike="noStrike" cap="none">
           <a:solidFill>
             <a:srgbClr val="000000"/>
           </a:solidFill>
@@ -6194,7 +6359,7 @@
           <a:sym typeface="Arial"/>
         </a:defRPr>
       </a:lvl3pPr>
-      <a:lvl4pPr lvl="3" marR="0" rtl="0" algn="l">
+      <a:lvl4pPr marR="0" lvl="3" algn="l" rtl="0">
         <a:lnSpc>
           <a:spcPct val="100000"/>
         </a:lnSpc>
@@ -6208,7 +6373,7 @@
           <a:srgbClr val="000000"/>
         </a:buClr>
         <a:buFont typeface="Arial"/>
-        <a:defRPr b="0" i="0" sz="1400" u="none" cap="none" strike="noStrike">
+        <a:defRPr sz="1400" b="0" i="0" u="none" strike="noStrike" cap="none">
           <a:solidFill>
             <a:srgbClr val="000000"/>
           </a:solidFill>
@@ -6218,7 +6383,7 @@
           <a:sym typeface="Arial"/>
         </a:defRPr>
       </a:lvl4pPr>
-      <a:lvl5pPr lvl="4" marR="0" rtl="0" algn="l">
+      <a:lvl5pPr marR="0" lvl="4" algn="l" rtl="0">
         <a:lnSpc>
           <a:spcPct val="100000"/>
         </a:lnSpc>
@@ -6232,7 +6397,7 @@
           <a:srgbClr val="000000"/>
         </a:buClr>
         <a:buFont typeface="Arial"/>
-        <a:defRPr b="0" i="0" sz="1400" u="none" cap="none" strike="noStrike">
+        <a:defRPr sz="1400" b="0" i="0" u="none" strike="noStrike" cap="none">
           <a:solidFill>
             <a:srgbClr val="000000"/>
           </a:solidFill>
@@ -6242,7 +6407,7 @@
           <a:sym typeface="Arial"/>
         </a:defRPr>
       </a:lvl5pPr>
-      <a:lvl6pPr lvl="5" marR="0" rtl="0" algn="l">
+      <a:lvl6pPr marR="0" lvl="5" algn="l" rtl="0">
         <a:lnSpc>
           <a:spcPct val="100000"/>
         </a:lnSpc>
@@ -6256,7 +6421,7 @@
           <a:srgbClr val="000000"/>
         </a:buClr>
         <a:buFont typeface="Arial"/>
-        <a:defRPr b="0" i="0" sz="1400" u="none" cap="none" strike="noStrike">
+        <a:defRPr sz="1400" b="0" i="0" u="none" strike="noStrike" cap="none">
           <a:solidFill>
             <a:srgbClr val="000000"/>
           </a:solidFill>
@@ -6266,7 +6431,7 @@
           <a:sym typeface="Arial"/>
         </a:defRPr>
       </a:lvl6pPr>
-      <a:lvl7pPr lvl="6" marR="0" rtl="0" algn="l">
+      <a:lvl7pPr marR="0" lvl="6" algn="l" rtl="0">
         <a:lnSpc>
           <a:spcPct val="100000"/>
         </a:lnSpc>
@@ -6280,7 +6445,7 @@
           <a:srgbClr val="000000"/>
         </a:buClr>
         <a:buFont typeface="Arial"/>
-        <a:defRPr b="0" i="0" sz="1400" u="none" cap="none" strike="noStrike">
+        <a:defRPr sz="1400" b="0" i="0" u="none" strike="noStrike" cap="none">
           <a:solidFill>
             <a:srgbClr val="000000"/>
           </a:solidFill>
@@ -6290,7 +6455,7 @@
           <a:sym typeface="Arial"/>
         </a:defRPr>
       </a:lvl7pPr>
-      <a:lvl8pPr lvl="7" marR="0" rtl="0" algn="l">
+      <a:lvl8pPr marR="0" lvl="7" algn="l" rtl="0">
         <a:lnSpc>
           <a:spcPct val="100000"/>
         </a:lnSpc>
@@ -6304,7 +6469,7 @@
           <a:srgbClr val="000000"/>
         </a:buClr>
         <a:buFont typeface="Arial"/>
-        <a:defRPr b="0" i="0" sz="1400" u="none" cap="none" strike="noStrike">
+        <a:defRPr sz="1400" b="0" i="0" u="none" strike="noStrike" cap="none">
           <a:solidFill>
             <a:srgbClr val="000000"/>
           </a:solidFill>
@@ -6314,7 +6479,7 @@
           <a:sym typeface="Arial"/>
         </a:defRPr>
       </a:lvl8pPr>
-      <a:lvl9pPr lvl="8" marR="0" rtl="0" algn="l">
+      <a:lvl9pPr marR="0" lvl="8" algn="l" rtl="0">
         <a:lnSpc>
           <a:spcPct val="100000"/>
         </a:lnSpc>
@@ -6328,7 +6493,7 @@
           <a:srgbClr val="000000"/>
         </a:buClr>
         <a:buFont typeface="Arial"/>
-        <a:defRPr b="0" i="0" sz="1400" u="none" cap="none" strike="noStrike">
+        <a:defRPr sz="1400" b="0" i="0" u="none" strike="noStrike" cap="none">
           <a:solidFill>
             <a:srgbClr val="000000"/>
           </a:solidFill>
@@ -6344,11 +6509,11 @@
 </file>
 
 <file path=ppt/slides/slide1.xml><?xml version="1.0" encoding="utf-8"?>
-<p:sld xmlns:a="http://schemas.openxmlformats.org/drawingml/2006/main" xmlns:r="http://schemas.openxmlformats.org/officeDocument/2006/relationships" xmlns:mc="http://schemas.openxmlformats.org/markup-compatibility/2006" xmlns:mv="urn:schemas-microsoft-com:mac:vml" xmlns:p="http://schemas.openxmlformats.org/presentationml/2006/main" xmlns:c="http://schemas.openxmlformats.org/drawingml/2006/chart" xmlns:dgm="http://schemas.openxmlformats.org/drawingml/2006/diagram" xmlns:o="urn:schemas-microsoft-com:office:office" xmlns:v="urn:schemas-microsoft-com:vml" xmlns:pvml="urn:schemas-microsoft-com:office:powerpoint" xmlns:com="http://schemas.openxmlformats.org/drawingml/2006/compatibility" xmlns:p14="http://schemas.microsoft.com/office/powerpoint/2010/main" xmlns:p15="http://schemas.microsoft.com/office/powerpoint/2012/main" xmlns:ahyp="http://schemas.microsoft.com/office/drawing/2018/hyperlinkcolor">
+<p:sld xmlns:a="http://schemas.openxmlformats.org/drawingml/2006/main" xmlns:r="http://schemas.openxmlformats.org/officeDocument/2006/relationships" xmlns:p="http://schemas.openxmlformats.org/presentationml/2006/main">
   <p:cSld>
     <p:spTree>
       <p:nvGrpSpPr>
-        <p:cNvPr id="53" name="Shape 53"/>
+        <p:cNvPr id="1" name="Shape 53"/>
         <p:cNvGrpSpPr/>
         <p:nvPr/>
       </p:nvGrpSpPr>
@@ -6380,12 +6545,12 @@
           </a:ln>
         </p:spPr>
         <p:txBody>
-          <a:bodyPr anchorCtr="0" anchor="t" bIns="91425" lIns="91425" spcFirstLastPara="1" rIns="91425" wrap="square" tIns="91425">
+          <a:bodyPr spcFirstLastPara="1" wrap="square" lIns="91425" tIns="91425" rIns="91425" bIns="91425" anchor="t" anchorCtr="0">
             <a:spAutoFit/>
           </a:bodyPr>
           <a:lstStyle/>
           <a:p>
-            <a:pPr indent="0" lvl="0" marL="0" rtl="0" algn="l">
+            <a:pPr marL="0" lvl="0" indent="0" algn="l" rtl="0">
               <a:lnSpc>
                 <a:spcPct val="115000"/>
               </a:lnSpc>
@@ -6398,21 +6563,21 @@
               <a:buNone/>
             </a:pPr>
             <a:r>
-              <a:rPr b="1" lang="es-419" sz="1000">
+              <a:rPr lang="es-419" sz="1000" b="1">
                 <a:solidFill>
                   <a:schemeClr val="dk1"/>
                 </a:solidFill>
               </a:rPr>
               <a:t>Slide 1: Preprocesamiento de Imágenes DICOM</a:t>
             </a:r>
-            <a:endParaRPr b="1" sz="1000">
-              <a:solidFill>
-                <a:schemeClr val="dk1"/>
-              </a:solidFill>
-            </a:endParaRPr>
-          </a:p>
-          <a:p>
-            <a:pPr indent="0" lvl="0" marL="0" rtl="0" algn="l">
+            <a:endParaRPr sz="1000" b="1">
+              <a:solidFill>
+                <a:schemeClr val="dk1"/>
+              </a:solidFill>
+            </a:endParaRPr>
+          </a:p>
+          <a:p>
+            <a:pPr marL="0" lvl="0" indent="0" algn="l" rtl="0">
               <a:lnSpc>
                 <a:spcPct val="115000"/>
               </a:lnSpc>
@@ -6425,7 +6590,7 @@
               <a:buNone/>
             </a:pPr>
             <a:r>
-              <a:rPr b="1" lang="es-419" sz="800">
+              <a:rPr lang="es-419" sz="800" b="1">
                 <a:solidFill>
                   <a:schemeClr val="dk1"/>
                 </a:solidFill>
@@ -6447,7 +6612,7 @@
             </a:endParaRPr>
           </a:p>
           <a:p>
-            <a:pPr indent="0" lvl="0" marL="0" rtl="0" algn="l">
+            <a:pPr marL="0" lvl="0" indent="0" algn="l" rtl="0">
               <a:lnSpc>
                 <a:spcPct val="115000"/>
               </a:lnSpc>
@@ -6460,21 +6625,21 @@
               <a:buNone/>
             </a:pPr>
             <a:r>
-              <a:rPr b="1" lang="es-419" sz="800">
+              <a:rPr lang="es-419" sz="800" b="1">
                 <a:solidFill>
                   <a:schemeClr val="dk1"/>
                 </a:solidFill>
               </a:rPr>
               <a:t>Resumen del Código:</a:t>
             </a:r>
-            <a:endParaRPr b="1" sz="800">
-              <a:solidFill>
-                <a:schemeClr val="dk1"/>
-              </a:solidFill>
-            </a:endParaRPr>
-          </a:p>
-          <a:p>
-            <a:pPr indent="-279400" lvl="0" marL="457200" rtl="0" algn="l">
+            <a:endParaRPr sz="800" b="1">
+              <a:solidFill>
+                <a:schemeClr val="dk1"/>
+              </a:solidFill>
+            </a:endParaRPr>
+          </a:p>
+          <a:p>
+            <a:pPr marL="457200" lvl="0" indent="-279400" algn="l" rtl="0">
               <a:lnSpc>
                 <a:spcPct val="115000"/>
               </a:lnSpc>
@@ -6491,21 +6656,21 @@
               <a:buAutoNum type="arabicPeriod"/>
             </a:pPr>
             <a:r>
-              <a:rPr b="1" lang="es-419" sz="800">
+              <a:rPr lang="es-419" sz="800" b="1">
                 <a:solidFill>
                   <a:schemeClr val="dk1"/>
                 </a:solidFill>
               </a:rPr>
               <a:t>Preprocesamiento de una Imagen DICOM:</a:t>
             </a:r>
-            <a:endParaRPr b="1" sz="800">
-              <a:solidFill>
-                <a:schemeClr val="dk1"/>
-              </a:solidFill>
-            </a:endParaRPr>
-          </a:p>
-          <a:p>
-            <a:pPr indent="-279400" lvl="1" marL="914400" rtl="0" algn="l">
+            <a:endParaRPr sz="800" b="1">
+              <a:solidFill>
+                <a:schemeClr val="dk1"/>
+              </a:solidFill>
+            </a:endParaRPr>
+          </a:p>
+          <a:p>
+            <a:pPr marL="914400" lvl="1" indent="-279400" algn="l" rtl="0">
               <a:lnSpc>
                 <a:spcPct val="115000"/>
               </a:lnSpc>
@@ -6552,7 +6717,7 @@
             </a:endParaRPr>
           </a:p>
           <a:p>
-            <a:pPr indent="-279400" lvl="1" marL="914400" rtl="0" algn="l">
+            <a:pPr marL="914400" lvl="1" indent="-279400" algn="l" rtl="0">
               <a:lnSpc>
                 <a:spcPct val="115000"/>
               </a:lnSpc>
@@ -6583,7 +6748,7 @@
             </a:endParaRPr>
           </a:p>
           <a:p>
-            <a:pPr indent="-279400" lvl="2" marL="1371600" rtl="0" algn="l">
+            <a:pPr marL="1371600" lvl="2" indent="-279400" algn="l" rtl="0">
               <a:lnSpc>
                 <a:spcPct val="115000"/>
               </a:lnSpc>
@@ -6614,7 +6779,7 @@
             </a:endParaRPr>
           </a:p>
           <a:p>
-            <a:pPr indent="-279400" lvl="2" marL="1371600" rtl="0" algn="l">
+            <a:pPr marL="1371600" lvl="2" indent="-279400" algn="l" rtl="0">
               <a:lnSpc>
                 <a:spcPct val="115000"/>
               </a:lnSpc>
@@ -6645,7 +6810,7 @@
             </a:endParaRPr>
           </a:p>
           <a:p>
-            <a:pPr indent="-279400" lvl="2" marL="1371600" rtl="0" algn="l">
+            <a:pPr marL="1371600" lvl="2" indent="-279400" algn="l" rtl="0">
               <a:lnSpc>
                 <a:spcPct val="115000"/>
               </a:lnSpc>
@@ -6676,7 +6841,7 @@
             </a:endParaRPr>
           </a:p>
           <a:p>
-            <a:pPr indent="-279400" lvl="2" marL="1371600" rtl="0" algn="l">
+            <a:pPr marL="1371600" lvl="2" indent="-279400" algn="l" rtl="0">
               <a:lnSpc>
                 <a:spcPct val="115000"/>
               </a:lnSpc>
@@ -6707,7 +6872,7 @@
             </a:endParaRPr>
           </a:p>
           <a:p>
-            <a:pPr indent="-279400" lvl="2" marL="1371600" rtl="0" algn="l">
+            <a:pPr marL="1371600" lvl="2" indent="-279400" algn="l" rtl="0">
               <a:lnSpc>
                 <a:spcPct val="115000"/>
               </a:lnSpc>
@@ -6738,7 +6903,7 @@
             </a:endParaRPr>
           </a:p>
           <a:p>
-            <a:pPr indent="-279400" lvl="0" marL="457200" rtl="0" algn="l">
+            <a:pPr marL="457200" lvl="0" indent="-279400" algn="l" rtl="0">
               <a:lnSpc>
                 <a:spcPct val="115000"/>
               </a:lnSpc>
@@ -6755,21 +6920,21 @@
               <a:buAutoNum type="arabicPeriod"/>
             </a:pPr>
             <a:r>
-              <a:rPr b="1" lang="es-419" sz="800">
+              <a:rPr lang="es-419" sz="800" b="1">
                 <a:solidFill>
                   <a:schemeClr val="dk1"/>
                 </a:solidFill>
               </a:rPr>
               <a:t>Convertir Imagen a RGB:</a:t>
             </a:r>
-            <a:endParaRPr b="1" sz="800">
-              <a:solidFill>
-                <a:schemeClr val="dk1"/>
-              </a:solidFill>
-            </a:endParaRPr>
-          </a:p>
-          <a:p>
-            <a:pPr indent="-279400" lvl="1" marL="914400" rtl="0" algn="l">
+            <a:endParaRPr sz="800" b="1">
+              <a:solidFill>
+                <a:schemeClr val="dk1"/>
+              </a:solidFill>
+            </a:endParaRPr>
+          </a:p>
+          <a:p>
+            <a:pPr marL="914400" lvl="1" indent="-279400" algn="l" rtl="0">
               <a:lnSpc>
                 <a:spcPct val="115000"/>
               </a:lnSpc>
@@ -6816,7 +6981,7 @@
             </a:endParaRPr>
           </a:p>
           <a:p>
-            <a:pPr indent="-279400" lvl="1" marL="914400" rtl="0" algn="l">
+            <a:pPr marL="914400" lvl="1" indent="-279400" algn="l" rtl="0">
               <a:lnSpc>
                 <a:spcPct val="115000"/>
               </a:lnSpc>
@@ -6847,7 +7012,7 @@
             </a:endParaRPr>
           </a:p>
           <a:p>
-            <a:pPr indent="-279400" lvl="2" marL="1371600" rtl="0" algn="l">
+            <a:pPr marL="1371600" lvl="2" indent="-279400" algn="l" rtl="0">
               <a:lnSpc>
                 <a:spcPct val="115000"/>
               </a:lnSpc>
@@ -6878,7 +7043,7 @@
             </a:endParaRPr>
           </a:p>
           <a:p>
-            <a:pPr indent="-279400" lvl="2" marL="1371600" rtl="0" algn="l">
+            <a:pPr marL="1371600" lvl="2" indent="-279400" algn="l" rtl="0">
               <a:lnSpc>
                 <a:spcPct val="115000"/>
               </a:lnSpc>
@@ -6909,7 +7074,7 @@
             </a:endParaRPr>
           </a:p>
           <a:p>
-            <a:pPr indent="-279400" lvl="0" marL="457200" rtl="0" algn="l">
+            <a:pPr marL="457200" lvl="0" indent="-279400" algn="l" rtl="0">
               <a:lnSpc>
                 <a:spcPct val="115000"/>
               </a:lnSpc>
@@ -6926,21 +7091,21 @@
               <a:buAutoNum type="arabicPeriod"/>
             </a:pPr>
             <a:r>
-              <a:rPr b="1" lang="es-419" sz="800">
+              <a:rPr lang="es-419" sz="800" b="1">
                 <a:solidFill>
                   <a:schemeClr val="dk1"/>
                 </a:solidFill>
               </a:rPr>
               <a:t>Preprocesamiento y Carga Combinados:</a:t>
             </a:r>
-            <a:endParaRPr b="1" sz="800">
-              <a:solidFill>
-                <a:schemeClr val="dk1"/>
-              </a:solidFill>
-            </a:endParaRPr>
-          </a:p>
-          <a:p>
-            <a:pPr indent="-279400" lvl="1" marL="914400" rtl="0" algn="l">
+            <a:endParaRPr sz="800" b="1">
+              <a:solidFill>
+                <a:schemeClr val="dk1"/>
+              </a:solidFill>
+            </a:endParaRPr>
+          </a:p>
+          <a:p>
+            <a:pPr marL="914400" lvl="1" indent="-279400" algn="l" rtl="0">
               <a:lnSpc>
                 <a:spcPct val="115000"/>
               </a:lnSpc>
@@ -6987,7 +7152,7 @@
             </a:endParaRPr>
           </a:p>
           <a:p>
-            <a:pPr indent="-279400" lvl="1" marL="914400" rtl="0" algn="l">
+            <a:pPr marL="914400" lvl="1" indent="-279400" algn="l" rtl="0">
               <a:lnSpc>
                 <a:spcPct val="115000"/>
               </a:lnSpc>
@@ -7018,7 +7183,7 @@
             </a:endParaRPr>
           </a:p>
           <a:p>
-            <a:pPr indent="-279400" lvl="2" marL="1371600" rtl="0" algn="l">
+            <a:pPr marL="1371600" lvl="2" indent="-279400" algn="l" rtl="0">
               <a:lnSpc>
                 <a:spcPct val="115000"/>
               </a:lnSpc>
@@ -7049,7 +7214,7 @@
             </a:endParaRPr>
           </a:p>
           <a:p>
-            <a:pPr indent="-279400" lvl="2" marL="1371600" rtl="0" algn="l">
+            <a:pPr marL="1371600" lvl="2" indent="-279400" algn="l" rtl="0">
               <a:lnSpc>
                 <a:spcPct val="115000"/>
               </a:lnSpc>
@@ -7100,7 +7265,7 @@
             </a:endParaRPr>
           </a:p>
           <a:p>
-            <a:pPr indent="-279400" lvl="2" marL="1371600" rtl="0" algn="l">
+            <a:pPr marL="1371600" lvl="2" indent="-279400" algn="l" rtl="0">
               <a:lnSpc>
                 <a:spcPct val="115000"/>
               </a:lnSpc>
@@ -7131,7 +7296,7 @@
             </a:endParaRPr>
           </a:p>
           <a:p>
-            <a:pPr indent="0" lvl="0" marL="0" rtl="0" algn="l">
+            <a:pPr marL="0" lvl="0" indent="0" algn="l" rtl="0">
               <a:lnSpc>
                 <a:spcPct val="115000"/>
               </a:lnSpc>
@@ -7144,21 +7309,21 @@
               <a:buNone/>
             </a:pPr>
             <a:r>
-              <a:rPr b="1" lang="es-419" sz="800">
+              <a:rPr lang="es-419" sz="800" b="1">
                 <a:solidFill>
                   <a:schemeClr val="dk1"/>
                 </a:solidFill>
               </a:rPr>
               <a:t>Visualización:</a:t>
             </a:r>
-            <a:endParaRPr b="1" sz="800">
-              <a:solidFill>
-                <a:schemeClr val="dk1"/>
-              </a:solidFill>
-            </a:endParaRPr>
-          </a:p>
-          <a:p>
-            <a:pPr indent="-279400" lvl="0" marL="457200" rtl="0" algn="l">
+            <a:endParaRPr sz="800" b="1">
+              <a:solidFill>
+                <a:schemeClr val="dk1"/>
+              </a:solidFill>
+            </a:endParaRPr>
+          </a:p>
+          <a:p>
+            <a:pPr marL="457200" lvl="0" indent="-279400" algn="l" rtl="0">
               <a:lnSpc>
                 <a:spcPct val="115000"/>
               </a:lnSpc>
@@ -7189,7 +7354,7 @@
             </a:endParaRPr>
           </a:p>
           <a:p>
-            <a:pPr indent="-279400" lvl="0" marL="457200" rtl="0" algn="l">
+            <a:pPr marL="457200" lvl="0" indent="-279400" algn="l" rtl="0">
               <a:lnSpc>
                 <a:spcPct val="115000"/>
               </a:lnSpc>
@@ -7220,7 +7385,7 @@
             </a:endParaRPr>
           </a:p>
           <a:p>
-            <a:pPr indent="0" lvl="0" marL="0" rtl="0" algn="l">
+            <a:pPr marL="0" lvl="0" indent="0" algn="l" rtl="0">
               <a:spcBef>
                 <a:spcPts val="1200"/>
               </a:spcBef>
@@ -7229,9 +7394,6 @@
               </a:spcAft>
               <a:buNone/>
             </a:pPr>
-            <a:r>
-              <a:t/>
-            </a:r>
             <a:endParaRPr sz="1800">
               <a:solidFill>
                 <a:schemeClr val="dk2"/>
@@ -7277,11 +7439,11 @@
 </file>
 
 <file path=ppt/slides/slide10.xml><?xml version="1.0" encoding="utf-8"?>
-<p:sld xmlns:a="http://schemas.openxmlformats.org/drawingml/2006/main" xmlns:r="http://schemas.openxmlformats.org/officeDocument/2006/relationships" xmlns:mc="http://schemas.openxmlformats.org/markup-compatibility/2006" xmlns:mv="urn:schemas-microsoft-com:mac:vml" xmlns:p="http://schemas.openxmlformats.org/presentationml/2006/main" xmlns:c="http://schemas.openxmlformats.org/drawingml/2006/chart" xmlns:dgm="http://schemas.openxmlformats.org/drawingml/2006/diagram" xmlns:o="urn:schemas-microsoft-com:office:office" xmlns:v="urn:schemas-microsoft-com:vml" xmlns:pvml="urn:schemas-microsoft-com:office:powerpoint" xmlns:com="http://schemas.openxmlformats.org/drawingml/2006/compatibility" xmlns:p14="http://schemas.microsoft.com/office/powerpoint/2010/main" xmlns:p15="http://schemas.microsoft.com/office/powerpoint/2012/main" xmlns:ahyp="http://schemas.microsoft.com/office/drawing/2018/hyperlinkcolor">
+<p:sld xmlns:a="http://schemas.openxmlformats.org/drawingml/2006/main" xmlns:r="http://schemas.openxmlformats.org/officeDocument/2006/relationships" xmlns:p="http://schemas.openxmlformats.org/presentationml/2006/main">
   <p:cSld>
     <p:spTree>
       <p:nvGrpSpPr>
-        <p:cNvPr id="102" name="Shape 102"/>
+        <p:cNvPr id="1" name="Shape 102"/>
         <p:cNvGrpSpPr/>
         <p:nvPr/>
       </p:nvGrpSpPr>
@@ -7358,11 +7520,11 @@
 </file>
 
 <file path=ppt/slides/slide2.xml><?xml version="1.0" encoding="utf-8"?>
-<p:sld xmlns:a="http://schemas.openxmlformats.org/drawingml/2006/main" xmlns:r="http://schemas.openxmlformats.org/officeDocument/2006/relationships" xmlns:mc="http://schemas.openxmlformats.org/markup-compatibility/2006" xmlns:mv="urn:schemas-microsoft-com:mac:vml" xmlns:p="http://schemas.openxmlformats.org/presentationml/2006/main" xmlns:c="http://schemas.openxmlformats.org/drawingml/2006/chart" xmlns:dgm="http://schemas.openxmlformats.org/drawingml/2006/diagram" xmlns:o="urn:schemas-microsoft-com:office:office" xmlns:v="urn:schemas-microsoft-com:vml" xmlns:pvml="urn:schemas-microsoft-com:office:powerpoint" xmlns:com="http://schemas.openxmlformats.org/drawingml/2006/compatibility" xmlns:p14="http://schemas.microsoft.com/office/powerpoint/2010/main" xmlns:p15="http://schemas.microsoft.com/office/powerpoint/2012/main" xmlns:ahyp="http://schemas.microsoft.com/office/drawing/2018/hyperlinkcolor">
+<p:sld xmlns:a="http://schemas.openxmlformats.org/drawingml/2006/main" xmlns:r="http://schemas.openxmlformats.org/officeDocument/2006/relationships" xmlns:p="http://schemas.openxmlformats.org/presentationml/2006/main">
   <p:cSld>
     <p:spTree>
       <p:nvGrpSpPr>
-        <p:cNvPr id="59" name="Shape 59"/>
+        <p:cNvPr id="1" name="Shape 59"/>
         <p:cNvGrpSpPr/>
         <p:nvPr/>
       </p:nvGrpSpPr>
@@ -7394,12 +7556,12 @@
           </a:ln>
         </p:spPr>
         <p:txBody>
-          <a:bodyPr anchorCtr="0" anchor="t" bIns="91425" lIns="91425" spcFirstLastPara="1" rIns="91425" wrap="square" tIns="91425">
+          <a:bodyPr spcFirstLastPara="1" wrap="square" lIns="91425" tIns="91425" rIns="91425" bIns="91425" anchor="t" anchorCtr="0">
             <a:spAutoFit/>
           </a:bodyPr>
           <a:lstStyle/>
           <a:p>
-            <a:pPr indent="0" lvl="0" marL="0" rtl="0" algn="l">
+            <a:pPr marL="0" lvl="0" indent="0" algn="l" rtl="0">
               <a:lnSpc>
                 <a:spcPct val="115000"/>
               </a:lnSpc>
@@ -7412,21 +7574,21 @@
               <a:buNone/>
             </a:pPr>
             <a:r>
-              <a:rPr b="1" lang="es-419" sz="1000">
+              <a:rPr lang="es-419" sz="1000" b="1">
                 <a:solidFill>
                   <a:schemeClr val="dk1"/>
                 </a:solidFill>
               </a:rPr>
               <a:t>Slide 2: Extracción y Carga de Imágenes</a:t>
             </a:r>
-            <a:endParaRPr b="1" sz="1000">
-              <a:solidFill>
-                <a:schemeClr val="dk1"/>
-              </a:solidFill>
-            </a:endParaRPr>
-          </a:p>
-          <a:p>
-            <a:pPr indent="0" lvl="0" marL="0" rtl="0" algn="l">
+            <a:endParaRPr sz="1000" b="1">
+              <a:solidFill>
+                <a:schemeClr val="dk1"/>
+              </a:solidFill>
+            </a:endParaRPr>
+          </a:p>
+          <a:p>
+            <a:pPr marL="0" lvl="0" indent="0" algn="l" rtl="0">
               <a:lnSpc>
                 <a:spcPct val="115000"/>
               </a:lnSpc>
@@ -7439,7 +7601,7 @@
               <a:buNone/>
             </a:pPr>
             <a:r>
-              <a:rPr b="1" lang="es-419" sz="800">
+              <a:rPr lang="es-419" sz="800" b="1">
                 <a:solidFill>
                   <a:schemeClr val="dk1"/>
                 </a:solidFill>
@@ -7461,7 +7623,7 @@
             </a:endParaRPr>
           </a:p>
           <a:p>
-            <a:pPr indent="0" lvl="0" marL="0" rtl="0" algn="l">
+            <a:pPr marL="0" lvl="0" indent="0" algn="l" rtl="0">
               <a:lnSpc>
                 <a:spcPct val="115000"/>
               </a:lnSpc>
@@ -7474,21 +7636,21 @@
               <a:buNone/>
             </a:pPr>
             <a:r>
-              <a:rPr b="1" lang="es-419" sz="800">
+              <a:rPr lang="es-419" sz="800" b="1">
                 <a:solidFill>
                   <a:schemeClr val="dk1"/>
                 </a:solidFill>
               </a:rPr>
               <a:t>Resumen del Código:</a:t>
             </a:r>
-            <a:endParaRPr b="1" sz="800">
-              <a:solidFill>
-                <a:schemeClr val="dk1"/>
-              </a:solidFill>
-            </a:endParaRPr>
-          </a:p>
-          <a:p>
-            <a:pPr indent="-279400" lvl="0" marL="457200" rtl="0" algn="l">
+            <a:endParaRPr sz="800" b="1">
+              <a:solidFill>
+                <a:schemeClr val="dk1"/>
+              </a:solidFill>
+            </a:endParaRPr>
+          </a:p>
+          <a:p>
+            <a:pPr marL="457200" lvl="0" indent="-279400" algn="l" rtl="0">
               <a:lnSpc>
                 <a:spcPct val="115000"/>
               </a:lnSpc>
@@ -7505,21 +7667,21 @@
               <a:buAutoNum type="arabicPeriod"/>
             </a:pPr>
             <a:r>
-              <a:rPr b="1" lang="es-419" sz="800">
+              <a:rPr lang="es-419" sz="800" b="1">
                 <a:solidFill>
                   <a:schemeClr val="dk1"/>
                 </a:solidFill>
               </a:rPr>
               <a:t>Extracción de Imágenes:</a:t>
             </a:r>
-            <a:endParaRPr b="1" sz="800">
-              <a:solidFill>
-                <a:schemeClr val="dk1"/>
-              </a:solidFill>
-            </a:endParaRPr>
-          </a:p>
-          <a:p>
-            <a:pPr indent="-279400" lvl="1" marL="914400" rtl="0" algn="l">
+            <a:endParaRPr sz="800" b="1">
+              <a:solidFill>
+                <a:schemeClr val="dk1"/>
+              </a:solidFill>
+            </a:endParaRPr>
+          </a:p>
+          <a:p>
+            <a:pPr marL="914400" lvl="1" indent="-279400" algn="l" rtl="0">
               <a:lnSpc>
                 <a:spcPct val="115000"/>
               </a:lnSpc>
@@ -7566,7 +7728,7 @@
             </a:endParaRPr>
           </a:p>
           <a:p>
-            <a:pPr indent="-279400" lvl="1" marL="914400" rtl="0" algn="l">
+            <a:pPr marL="914400" lvl="1" indent="-279400" algn="l" rtl="0">
               <a:lnSpc>
                 <a:spcPct val="115000"/>
               </a:lnSpc>
@@ -7597,7 +7759,7 @@
             </a:endParaRPr>
           </a:p>
           <a:p>
-            <a:pPr indent="-279400" lvl="2" marL="1371600" rtl="0" algn="l">
+            <a:pPr marL="1371600" lvl="2" indent="-279400" algn="l" rtl="0">
               <a:lnSpc>
                 <a:spcPct val="115000"/>
               </a:lnSpc>
@@ -7628,7 +7790,7 @@
             </a:endParaRPr>
           </a:p>
           <a:p>
-            <a:pPr indent="-279400" lvl="2" marL="1371600" rtl="0" algn="l">
+            <a:pPr marL="1371600" lvl="2" indent="-279400" algn="l" rtl="0">
               <a:lnSpc>
                 <a:spcPct val="115000"/>
               </a:lnSpc>
@@ -7659,7 +7821,7 @@
             </a:endParaRPr>
           </a:p>
           <a:p>
-            <a:pPr indent="-279400" lvl="2" marL="1371600" rtl="0" algn="l">
+            <a:pPr marL="1371600" lvl="2" indent="-279400" algn="l" rtl="0">
               <a:lnSpc>
                 <a:spcPct val="115000"/>
               </a:lnSpc>
@@ -7690,7 +7852,7 @@
             </a:endParaRPr>
           </a:p>
           <a:p>
-            <a:pPr indent="-279400" lvl="2" marL="1371600" rtl="0" algn="l">
+            <a:pPr marL="1371600" lvl="2" indent="-279400" algn="l" rtl="0">
               <a:lnSpc>
                 <a:spcPct val="115000"/>
               </a:lnSpc>
@@ -7741,7 +7903,7 @@
             </a:endParaRPr>
           </a:p>
           <a:p>
-            <a:pPr indent="-279400" lvl="2" marL="1371600" rtl="0" algn="l">
+            <a:pPr marL="1371600" lvl="2" indent="-279400" algn="l" rtl="0">
               <a:lnSpc>
                 <a:spcPct val="115000"/>
               </a:lnSpc>
@@ -7772,7 +7934,7 @@
             </a:endParaRPr>
           </a:p>
           <a:p>
-            <a:pPr indent="-279400" lvl="2" marL="1371600" rtl="0" algn="l">
+            <a:pPr marL="1371600" lvl="2" indent="-279400" algn="l" rtl="0">
               <a:lnSpc>
                 <a:spcPct val="115000"/>
               </a:lnSpc>
@@ -7803,7 +7965,7 @@
             </a:endParaRPr>
           </a:p>
           <a:p>
-            <a:pPr indent="-279400" lvl="0" marL="457200" rtl="0" algn="l">
+            <a:pPr marL="457200" lvl="0" indent="-279400" algn="l" rtl="0">
               <a:lnSpc>
                 <a:spcPct val="115000"/>
               </a:lnSpc>
@@ -7820,21 +7982,21 @@
               <a:buAutoNum type="arabicPeriod"/>
             </a:pPr>
             <a:r>
-              <a:rPr b="1" lang="es-419" sz="800">
+              <a:rPr lang="es-419" sz="800" b="1">
                 <a:solidFill>
                   <a:schemeClr val="dk1"/>
                 </a:solidFill>
               </a:rPr>
               <a:t>Preparación de DataLoaders:</a:t>
             </a:r>
-            <a:endParaRPr b="1" sz="800">
-              <a:solidFill>
-                <a:schemeClr val="dk1"/>
-              </a:solidFill>
-            </a:endParaRPr>
-          </a:p>
-          <a:p>
-            <a:pPr indent="-279400" lvl="1" marL="914400" rtl="0" algn="l">
+            <a:endParaRPr sz="800" b="1">
+              <a:solidFill>
+                <a:schemeClr val="dk1"/>
+              </a:solidFill>
+            </a:endParaRPr>
+          </a:p>
+          <a:p>
+            <a:pPr marL="914400" lvl="1" indent="-279400" algn="l" rtl="0">
               <a:lnSpc>
                 <a:spcPct val="115000"/>
               </a:lnSpc>
@@ -7881,7 +8043,7 @@
             </a:endParaRPr>
           </a:p>
           <a:p>
-            <a:pPr indent="-279400" lvl="1" marL="914400" rtl="0" algn="l">
+            <a:pPr marL="914400" lvl="1" indent="-279400" algn="l" rtl="0">
               <a:lnSpc>
                 <a:spcPct val="115000"/>
               </a:lnSpc>
@@ -7912,7 +8074,7 @@
             </a:endParaRPr>
           </a:p>
           <a:p>
-            <a:pPr indent="-279400" lvl="2" marL="1371600" rtl="0" algn="l">
+            <a:pPr marL="1371600" lvl="2" indent="-279400" algn="l" rtl="0">
               <a:lnSpc>
                 <a:spcPct val="115000"/>
               </a:lnSpc>
@@ -7983,7 +8145,7 @@
             </a:endParaRPr>
           </a:p>
           <a:p>
-            <a:pPr indent="-279400" lvl="2" marL="1371600" rtl="0" algn="l">
+            <a:pPr marL="1371600" lvl="2" indent="-279400" algn="l" rtl="0">
               <a:lnSpc>
                 <a:spcPct val="115000"/>
               </a:lnSpc>
@@ -8034,7 +8196,7 @@
             </a:endParaRPr>
           </a:p>
           <a:p>
-            <a:pPr indent="0" lvl="0" marL="0" rtl="0" algn="l">
+            <a:pPr marL="0" lvl="0" indent="0" algn="l" rtl="0">
               <a:lnSpc>
                 <a:spcPct val="115000"/>
               </a:lnSpc>
@@ -8047,21 +8209,21 @@
               <a:buNone/>
             </a:pPr>
             <a:r>
-              <a:rPr b="1" lang="es-419" sz="800">
+              <a:rPr lang="es-419" sz="800" b="1">
                 <a:solidFill>
                   <a:schemeClr val="dk1"/>
                 </a:solidFill>
               </a:rPr>
               <a:t>Visualización:</a:t>
             </a:r>
-            <a:endParaRPr b="1" sz="800">
-              <a:solidFill>
-                <a:schemeClr val="dk1"/>
-              </a:solidFill>
-            </a:endParaRPr>
-          </a:p>
-          <a:p>
-            <a:pPr indent="-279400" lvl="0" marL="457200" rtl="0" algn="l">
+            <a:endParaRPr sz="800" b="1">
+              <a:solidFill>
+                <a:schemeClr val="dk1"/>
+              </a:solidFill>
+            </a:endParaRPr>
+          </a:p>
+          <a:p>
+            <a:pPr marL="457200" lvl="0" indent="-279400" algn="l" rtl="0">
               <a:lnSpc>
                 <a:spcPct val="115000"/>
               </a:lnSpc>
@@ -8092,7 +8254,7 @@
             </a:endParaRPr>
           </a:p>
           <a:p>
-            <a:pPr indent="0" lvl="0" marL="0" rtl="0" algn="l">
+            <a:pPr marL="0" lvl="0" indent="0" algn="l" rtl="0">
               <a:lnSpc>
                 <a:spcPct val="115000"/>
               </a:lnSpc>
@@ -8105,21 +8267,21 @@
               <a:buNone/>
             </a:pPr>
             <a:r>
-              <a:rPr b="1" lang="es-419" sz="800">
+              <a:rPr lang="es-419" sz="800" b="1">
                 <a:solidFill>
                   <a:schemeClr val="dk1"/>
                 </a:solidFill>
               </a:rPr>
               <a:t>Uso Práctico:</a:t>
             </a:r>
-            <a:endParaRPr b="1" sz="800">
-              <a:solidFill>
-                <a:schemeClr val="dk1"/>
-              </a:solidFill>
-            </a:endParaRPr>
-          </a:p>
-          <a:p>
-            <a:pPr indent="-279400" lvl="0" marL="457200" rtl="0" algn="l">
+            <a:endParaRPr sz="800" b="1">
+              <a:solidFill>
+                <a:schemeClr val="dk1"/>
+              </a:solidFill>
+            </a:endParaRPr>
+          </a:p>
+          <a:p>
+            <a:pPr marL="457200" lvl="0" indent="-279400" algn="l" rtl="0">
               <a:lnSpc>
                 <a:spcPct val="115000"/>
               </a:lnSpc>
@@ -8143,14 +8305,14 @@
               </a:rPr>
               <a:t>Procesamiento eficiente de imágenes desde archivos ZIP para preparar datos de entrenamiento en proyectos de aprendizaje automático.</a:t>
             </a:r>
-            <a:endParaRPr b="1" sz="600">
-              <a:solidFill>
-                <a:schemeClr val="dk1"/>
-              </a:solidFill>
-            </a:endParaRPr>
-          </a:p>
-          <a:p>
-            <a:pPr indent="0" lvl="0" marL="0" rtl="0" algn="l">
+            <a:endParaRPr sz="600" b="1">
+              <a:solidFill>
+                <a:schemeClr val="dk1"/>
+              </a:solidFill>
+            </a:endParaRPr>
+          </a:p>
+          <a:p>
+            <a:pPr marL="0" lvl="0" indent="0" algn="l" rtl="0">
               <a:spcBef>
                 <a:spcPts val="1200"/>
               </a:spcBef>
@@ -8159,9 +8321,6 @@
               </a:spcAft>
               <a:buNone/>
             </a:pPr>
-            <a:r>
-              <a:t/>
-            </a:r>
             <a:endParaRPr sz="1800">
               <a:solidFill>
                 <a:schemeClr val="dk2"/>
@@ -8207,11 +8366,11 @@
 </file>
 
 <file path=ppt/slides/slide3.xml><?xml version="1.0" encoding="utf-8"?>
-<p:sld xmlns:a="http://schemas.openxmlformats.org/drawingml/2006/main" xmlns:r="http://schemas.openxmlformats.org/officeDocument/2006/relationships" xmlns:mc="http://schemas.openxmlformats.org/markup-compatibility/2006" xmlns:mv="urn:schemas-microsoft-com:mac:vml" xmlns:p="http://schemas.openxmlformats.org/presentationml/2006/main" xmlns:c="http://schemas.openxmlformats.org/drawingml/2006/chart" xmlns:dgm="http://schemas.openxmlformats.org/drawingml/2006/diagram" xmlns:o="urn:schemas-microsoft-com:office:office" xmlns:v="urn:schemas-microsoft-com:vml" xmlns:pvml="urn:schemas-microsoft-com:office:powerpoint" xmlns:com="http://schemas.openxmlformats.org/drawingml/2006/compatibility" xmlns:p14="http://schemas.microsoft.com/office/powerpoint/2010/main" xmlns:p15="http://schemas.microsoft.com/office/powerpoint/2012/main" xmlns:ahyp="http://schemas.microsoft.com/office/drawing/2018/hyperlinkcolor">
+<p:sld xmlns:a="http://schemas.openxmlformats.org/drawingml/2006/main" xmlns:r="http://schemas.openxmlformats.org/officeDocument/2006/relationships" xmlns:p="http://schemas.openxmlformats.org/presentationml/2006/main">
   <p:cSld>
     <p:spTree>
       <p:nvGrpSpPr>
-        <p:cNvPr id="65" name="Shape 65"/>
+        <p:cNvPr id="1" name="Shape 65"/>
         <p:cNvGrpSpPr/>
         <p:nvPr/>
       </p:nvGrpSpPr>
@@ -8243,12 +8402,12 @@
           </a:ln>
         </p:spPr>
         <p:txBody>
-          <a:bodyPr anchorCtr="0" anchor="t" bIns="91425" lIns="91425" spcFirstLastPara="1" rIns="91425" wrap="square" tIns="91425">
+          <a:bodyPr spcFirstLastPara="1" wrap="square" lIns="91425" tIns="91425" rIns="91425" bIns="91425" anchor="t" anchorCtr="0">
             <a:spAutoFit/>
           </a:bodyPr>
           <a:lstStyle/>
           <a:p>
-            <a:pPr indent="0" lvl="0" marL="0" rtl="0" algn="l">
+            <a:pPr marL="0" lvl="0" indent="0" algn="l" rtl="0">
               <a:lnSpc>
                 <a:spcPct val="115000"/>
               </a:lnSpc>
@@ -8261,21 +8420,21 @@
               <a:buNone/>
             </a:pPr>
             <a:r>
-              <a:rPr b="1" lang="es-419" sz="1000">
+              <a:rPr lang="es-419" sz="1000" b="1">
                 <a:solidFill>
                   <a:schemeClr val="dk1"/>
                 </a:solidFill>
               </a:rPr>
               <a:t>Slide 3: Data Augmentation</a:t>
             </a:r>
-            <a:endParaRPr b="1" sz="1000">
-              <a:solidFill>
-                <a:schemeClr val="dk1"/>
-              </a:solidFill>
-            </a:endParaRPr>
-          </a:p>
-          <a:p>
-            <a:pPr indent="0" lvl="0" marL="0" rtl="0" algn="l">
+            <a:endParaRPr sz="1000" b="1">
+              <a:solidFill>
+                <a:schemeClr val="dk1"/>
+              </a:solidFill>
+            </a:endParaRPr>
+          </a:p>
+          <a:p>
+            <a:pPr marL="0" lvl="0" indent="0" algn="l" rtl="0">
               <a:lnSpc>
                 <a:spcPct val="115000"/>
               </a:lnSpc>
@@ -8288,7 +8447,7 @@
               <a:buNone/>
             </a:pPr>
             <a:r>
-              <a:rPr b="1" lang="es-419" sz="800">
+              <a:rPr lang="es-419" sz="800" b="1">
                 <a:solidFill>
                   <a:schemeClr val="dk1"/>
                 </a:solidFill>
@@ -8310,7 +8469,7 @@
             </a:endParaRPr>
           </a:p>
           <a:p>
-            <a:pPr indent="0" lvl="0" marL="0" rtl="0" algn="l">
+            <a:pPr marL="0" lvl="0" indent="0" algn="l" rtl="0">
               <a:lnSpc>
                 <a:spcPct val="115000"/>
               </a:lnSpc>
@@ -8323,7 +8482,7 @@
               <a:buNone/>
             </a:pPr>
             <a:r>
-              <a:rPr b="1" lang="es-419" sz="800">
+              <a:rPr lang="es-419" sz="800" b="1">
                 <a:solidFill>
                   <a:schemeClr val="dk1"/>
                 </a:solidFill>
@@ -8337,7 +8496,7 @@
             </a:endParaRPr>
           </a:p>
           <a:p>
-            <a:pPr indent="-279400" lvl="0" marL="457200" rtl="0" algn="l">
+            <a:pPr marL="457200" lvl="0" indent="-279400" algn="l" rtl="0">
               <a:lnSpc>
                 <a:spcPct val="115000"/>
               </a:lnSpc>
@@ -8354,21 +8513,21 @@
               <a:buAutoNum type="arabicPeriod"/>
             </a:pPr>
             <a:r>
-              <a:rPr b="1" lang="es-419" sz="800">
+              <a:rPr lang="es-419" sz="800" b="1">
                 <a:solidFill>
                   <a:schemeClr val="dk1"/>
                 </a:solidFill>
               </a:rPr>
               <a:t>Transformaciones de Aumento de Datos:</a:t>
             </a:r>
-            <a:endParaRPr b="1" sz="800">
-              <a:solidFill>
-                <a:schemeClr val="dk1"/>
-              </a:solidFill>
-            </a:endParaRPr>
-          </a:p>
-          <a:p>
-            <a:pPr indent="-279400" lvl="1" marL="914400" rtl="0" algn="l">
+            <a:endParaRPr sz="800" b="1">
+              <a:solidFill>
+                <a:schemeClr val="dk1"/>
+              </a:solidFill>
+            </a:endParaRPr>
+          </a:p>
+          <a:p>
+            <a:pPr marL="914400" lvl="1" indent="-279400" algn="l" rtl="0">
               <a:lnSpc>
                 <a:spcPct val="115000"/>
               </a:lnSpc>
@@ -8411,7 +8570,7 @@
             </a:endParaRPr>
           </a:p>
           <a:p>
-            <a:pPr indent="-279400" lvl="1" marL="914400" rtl="0" algn="l">
+            <a:pPr marL="914400" lvl="1" indent="-279400" algn="l" rtl="0">
               <a:lnSpc>
                 <a:spcPct val="115000"/>
               </a:lnSpc>
@@ -8454,7 +8613,7 @@
             </a:endParaRPr>
           </a:p>
           <a:p>
-            <a:pPr indent="-279400" lvl="2" marL="1371600" rtl="0" algn="l">
+            <a:pPr marL="1371600" lvl="2" indent="-279400" algn="l" rtl="0">
               <a:lnSpc>
                 <a:spcPct val="115000"/>
               </a:lnSpc>
@@ -8497,7 +8656,7 @@
             </a:endParaRPr>
           </a:p>
           <a:p>
-            <a:pPr indent="-279400" lvl="2" marL="1371600" rtl="0" algn="l">
+            <a:pPr marL="1371600" lvl="2" indent="-279400" algn="l" rtl="0">
               <a:lnSpc>
                 <a:spcPct val="115000"/>
               </a:lnSpc>
@@ -8540,7 +8699,7 @@
             </a:endParaRPr>
           </a:p>
           <a:p>
-            <a:pPr indent="-279400" lvl="2" marL="1371600" rtl="0" algn="l">
+            <a:pPr marL="1371600" lvl="2" indent="-279400" algn="l" rtl="0">
               <a:lnSpc>
                 <a:spcPct val="115000"/>
               </a:lnSpc>
@@ -8583,7 +8742,7 @@
             </a:endParaRPr>
           </a:p>
           <a:p>
-            <a:pPr indent="-279400" lvl="2" marL="1371600" rtl="0" algn="l">
+            <a:pPr marL="1371600" lvl="2" indent="-279400" algn="l" rtl="0">
               <a:lnSpc>
                 <a:spcPct val="115000"/>
               </a:lnSpc>
@@ -8626,7 +8785,7 @@
             </a:endParaRPr>
           </a:p>
           <a:p>
-            <a:pPr indent="-279400" lvl="2" marL="1371600" rtl="0" algn="l">
+            <a:pPr marL="1371600" lvl="2" indent="-279400" algn="l" rtl="0">
               <a:lnSpc>
                 <a:spcPct val="115000"/>
               </a:lnSpc>
@@ -8669,7 +8828,7 @@
             </a:endParaRPr>
           </a:p>
           <a:p>
-            <a:pPr indent="-279400" lvl="2" marL="1371600" rtl="0" algn="l">
+            <a:pPr marL="1371600" lvl="2" indent="-279400" algn="l" rtl="0">
               <a:lnSpc>
                 <a:spcPct val="115000"/>
               </a:lnSpc>
@@ -8712,7 +8871,7 @@
             </a:endParaRPr>
           </a:p>
           <a:p>
-            <a:pPr indent="0" lvl="0" marL="0" rtl="0" algn="l">
+            <a:pPr marL="0" lvl="0" indent="0" algn="l" rtl="0">
               <a:lnSpc>
                 <a:spcPct val="115000"/>
               </a:lnSpc>
@@ -8725,21 +8884,21 @@
               <a:buNone/>
             </a:pPr>
             <a:r>
-              <a:rPr b="1" lang="es-419" sz="800">
+              <a:rPr lang="es-419" sz="800" b="1">
                 <a:solidFill>
                   <a:schemeClr val="dk1"/>
                 </a:solidFill>
               </a:rPr>
               <a:t>Beneficios:</a:t>
             </a:r>
-            <a:endParaRPr b="1" sz="800">
-              <a:solidFill>
-                <a:schemeClr val="dk1"/>
-              </a:solidFill>
-            </a:endParaRPr>
-          </a:p>
-          <a:p>
-            <a:pPr indent="-279400" lvl="0" marL="457200" rtl="0" algn="l">
+            <a:endParaRPr sz="800" b="1">
+              <a:solidFill>
+                <a:schemeClr val="dk1"/>
+              </a:solidFill>
+            </a:endParaRPr>
+          </a:p>
+          <a:p>
+            <a:pPr marL="457200" lvl="0" indent="-279400" algn="l" rtl="0">
               <a:lnSpc>
                 <a:spcPct val="115000"/>
               </a:lnSpc>
@@ -8770,7 +8929,7 @@
             </a:endParaRPr>
           </a:p>
           <a:p>
-            <a:pPr indent="-279400" lvl="0" marL="457200" rtl="0" algn="l">
+            <a:pPr marL="457200" lvl="0" indent="-279400" algn="l" rtl="0">
               <a:lnSpc>
                 <a:spcPct val="115000"/>
               </a:lnSpc>
@@ -8801,7 +8960,7 @@
             </a:endParaRPr>
           </a:p>
           <a:p>
-            <a:pPr indent="0" lvl="0" marL="0" rtl="0" algn="l">
+            <a:pPr marL="0" lvl="0" indent="0" algn="l" rtl="0">
               <a:lnSpc>
                 <a:spcPct val="115000"/>
               </a:lnSpc>
@@ -8814,21 +8973,21 @@
               <a:buNone/>
             </a:pPr>
             <a:r>
-              <a:rPr b="1" lang="es-419" sz="800">
+              <a:rPr lang="es-419" sz="800" b="1">
                 <a:solidFill>
                   <a:schemeClr val="dk1"/>
                 </a:solidFill>
               </a:rPr>
               <a:t>Aplicación Práctica:</a:t>
             </a:r>
-            <a:endParaRPr b="1" sz="800">
-              <a:solidFill>
-                <a:schemeClr val="dk1"/>
-              </a:solidFill>
-            </a:endParaRPr>
-          </a:p>
-          <a:p>
-            <a:pPr indent="-279400" lvl="0" marL="457200" rtl="0" algn="l">
+            <a:endParaRPr sz="800" b="1">
+              <a:solidFill>
+                <a:schemeClr val="dk1"/>
+              </a:solidFill>
+            </a:endParaRPr>
+          </a:p>
+          <a:p>
+            <a:pPr marL="457200" lvl="0" indent="-279400" algn="l" rtl="0">
               <a:lnSpc>
                 <a:spcPct val="115000"/>
               </a:lnSpc>
@@ -8897,11 +9056,11 @@
 </file>
 
 <file path=ppt/slides/slide4.xml><?xml version="1.0" encoding="utf-8"?>
-<p:sld xmlns:a="http://schemas.openxmlformats.org/drawingml/2006/main" xmlns:r="http://schemas.openxmlformats.org/officeDocument/2006/relationships" xmlns:mc="http://schemas.openxmlformats.org/markup-compatibility/2006" xmlns:mv="urn:schemas-microsoft-com:mac:vml" xmlns:p="http://schemas.openxmlformats.org/presentationml/2006/main" xmlns:c="http://schemas.openxmlformats.org/drawingml/2006/chart" xmlns:dgm="http://schemas.openxmlformats.org/drawingml/2006/diagram" xmlns:o="urn:schemas-microsoft-com:office:office" xmlns:v="urn:schemas-microsoft-com:vml" xmlns:pvml="urn:schemas-microsoft-com:office:powerpoint" xmlns:com="http://schemas.openxmlformats.org/drawingml/2006/compatibility" xmlns:p14="http://schemas.microsoft.com/office/powerpoint/2010/main" xmlns:p15="http://schemas.microsoft.com/office/powerpoint/2012/main" xmlns:ahyp="http://schemas.microsoft.com/office/drawing/2018/hyperlinkcolor">
+<p:sld xmlns:a="http://schemas.openxmlformats.org/drawingml/2006/main" xmlns:r="http://schemas.openxmlformats.org/officeDocument/2006/relationships" xmlns:p="http://schemas.openxmlformats.org/presentationml/2006/main">
   <p:cSld>
     <p:spTree>
       <p:nvGrpSpPr>
-        <p:cNvPr id="71" name="Shape 71"/>
+        <p:cNvPr id="1" name="Shape 71"/>
         <p:cNvGrpSpPr/>
         <p:nvPr/>
       </p:nvGrpSpPr>
@@ -8933,12 +9092,12 @@
           </a:ln>
         </p:spPr>
         <p:txBody>
-          <a:bodyPr anchorCtr="0" anchor="t" bIns="91425" lIns="91425" spcFirstLastPara="1" rIns="91425" wrap="square" tIns="91425">
+          <a:bodyPr spcFirstLastPara="1" wrap="square" lIns="91425" tIns="91425" rIns="91425" bIns="91425" anchor="t" anchorCtr="0">
             <a:spAutoFit/>
           </a:bodyPr>
           <a:lstStyle/>
           <a:p>
-            <a:pPr indent="0" lvl="0" marL="0" rtl="0" algn="l">
+            <a:pPr marL="0" lvl="0" indent="0" algn="l" rtl="0">
               <a:lnSpc>
                 <a:spcPct val="115000"/>
               </a:lnSpc>
@@ -8951,21 +9110,21 @@
               <a:buNone/>
             </a:pPr>
             <a:r>
-              <a:rPr b="1" lang="es-419" sz="1000">
+              <a:rPr lang="es-419" sz="1000" b="1">
                 <a:solidFill>
                   <a:schemeClr val="dk1"/>
                 </a:solidFill>
               </a:rPr>
               <a:t>Slide 4: Optimización de Hiperparámetros con Optuna</a:t>
             </a:r>
-            <a:endParaRPr b="1" sz="1000">
-              <a:solidFill>
-                <a:schemeClr val="dk1"/>
-              </a:solidFill>
-            </a:endParaRPr>
-          </a:p>
-          <a:p>
-            <a:pPr indent="0" lvl="0" marL="0" rtl="0" algn="l">
+            <a:endParaRPr sz="1000" b="1">
+              <a:solidFill>
+                <a:schemeClr val="dk1"/>
+              </a:solidFill>
+            </a:endParaRPr>
+          </a:p>
+          <a:p>
+            <a:pPr marL="0" lvl="0" indent="0" algn="l" rtl="0">
               <a:lnSpc>
                 <a:spcPct val="115000"/>
               </a:lnSpc>
@@ -8978,7 +9137,7 @@
               <a:buNone/>
             </a:pPr>
             <a:r>
-              <a:rPr b="1" lang="es-419" sz="800">
+              <a:rPr lang="es-419" sz="800" b="1">
                 <a:solidFill>
                   <a:schemeClr val="dk1"/>
                 </a:solidFill>
@@ -9000,7 +9159,7 @@
             </a:endParaRPr>
           </a:p>
           <a:p>
-            <a:pPr indent="0" lvl="0" marL="0" rtl="0" algn="l">
+            <a:pPr marL="0" lvl="0" indent="0" algn="l" rtl="0">
               <a:lnSpc>
                 <a:spcPct val="115000"/>
               </a:lnSpc>
@@ -9013,21 +9172,21 @@
               <a:buNone/>
             </a:pPr>
             <a:r>
-              <a:rPr b="1" lang="es-419" sz="800">
+              <a:rPr lang="es-419" sz="800" b="1">
                 <a:solidFill>
                   <a:schemeClr val="dk1"/>
                 </a:solidFill>
               </a:rPr>
               <a:t>Resumen del Código:</a:t>
             </a:r>
-            <a:endParaRPr b="1" sz="800">
-              <a:solidFill>
-                <a:schemeClr val="dk1"/>
-              </a:solidFill>
-            </a:endParaRPr>
-          </a:p>
-          <a:p>
-            <a:pPr indent="-279400" lvl="0" marL="457200" rtl="0" algn="l">
+            <a:endParaRPr sz="800" b="1">
+              <a:solidFill>
+                <a:schemeClr val="dk1"/>
+              </a:solidFill>
+            </a:endParaRPr>
+          </a:p>
+          <a:p>
+            <a:pPr marL="457200" lvl="0" indent="-279400" algn="l" rtl="0">
               <a:lnSpc>
                 <a:spcPct val="115000"/>
               </a:lnSpc>
@@ -9044,21 +9203,21 @@
               <a:buAutoNum type="arabicPeriod"/>
             </a:pPr>
             <a:r>
-              <a:rPr b="1" lang="es-419" sz="800">
+              <a:rPr lang="es-419" sz="800" b="1">
                 <a:solidFill>
                   <a:schemeClr val="dk1"/>
                 </a:solidFill>
               </a:rPr>
               <a:t>Definición del Objetivo:</a:t>
             </a:r>
-            <a:endParaRPr b="1" sz="800">
-              <a:solidFill>
-                <a:schemeClr val="dk1"/>
-              </a:solidFill>
-            </a:endParaRPr>
-          </a:p>
-          <a:p>
-            <a:pPr indent="-279400" lvl="1" marL="914400" rtl="0" algn="l">
+            <a:endParaRPr sz="800" b="1">
+              <a:solidFill>
+                <a:schemeClr val="dk1"/>
+              </a:solidFill>
+            </a:endParaRPr>
+          </a:p>
+          <a:p>
+            <a:pPr marL="914400" lvl="1" indent="-279400" algn="l" rtl="0">
               <a:lnSpc>
                 <a:spcPct val="115000"/>
               </a:lnSpc>
@@ -9105,7 +9264,7 @@
             </a:endParaRPr>
           </a:p>
           <a:p>
-            <a:pPr indent="-279400" lvl="1" marL="914400" rtl="0" algn="l">
+            <a:pPr marL="914400" lvl="1" indent="-279400" algn="l" rtl="0">
               <a:lnSpc>
                 <a:spcPct val="115000"/>
               </a:lnSpc>
@@ -9136,7 +9295,7 @@
             </a:endParaRPr>
           </a:p>
           <a:p>
-            <a:pPr indent="-279400" lvl="2" marL="1371600" rtl="0" algn="l">
+            <a:pPr marL="1371600" lvl="2" indent="-279400" algn="l" rtl="0">
               <a:lnSpc>
                 <a:spcPct val="115000"/>
               </a:lnSpc>
@@ -9187,7 +9346,7 @@
             </a:endParaRPr>
           </a:p>
           <a:p>
-            <a:pPr indent="-279400" lvl="2" marL="1371600" rtl="0" algn="l">
+            <a:pPr marL="1371600" lvl="2" indent="-279400" algn="l" rtl="0">
               <a:lnSpc>
                 <a:spcPct val="115000"/>
               </a:lnSpc>
@@ -9218,7 +9377,7 @@
             </a:endParaRPr>
           </a:p>
           <a:p>
-            <a:pPr indent="-279400" lvl="2" marL="1371600" rtl="0" algn="l">
+            <a:pPr marL="1371600" lvl="2" indent="-279400" algn="l" rtl="0">
               <a:lnSpc>
                 <a:spcPct val="115000"/>
               </a:lnSpc>
@@ -9269,7 +9428,7 @@
             </a:endParaRPr>
           </a:p>
           <a:p>
-            <a:pPr indent="-279400" lvl="2" marL="1371600" rtl="0" algn="l">
+            <a:pPr marL="1371600" lvl="2" indent="-279400" algn="l" rtl="0">
               <a:lnSpc>
                 <a:spcPct val="115000"/>
               </a:lnSpc>
@@ -9320,7 +9479,7 @@
             </a:endParaRPr>
           </a:p>
           <a:p>
-            <a:pPr indent="-279400" lvl="2" marL="1371600" rtl="0" algn="l">
+            <a:pPr marL="1371600" lvl="2" indent="-279400" algn="l" rtl="0">
               <a:lnSpc>
                 <a:spcPct val="115000"/>
               </a:lnSpc>
@@ -9351,7 +9510,7 @@
             </a:endParaRPr>
           </a:p>
           <a:p>
-            <a:pPr indent="-279400" lvl="0" marL="457200" rtl="0" algn="l">
+            <a:pPr marL="457200" lvl="0" indent="-279400" algn="l" rtl="0">
               <a:lnSpc>
                 <a:spcPct val="115000"/>
               </a:lnSpc>
@@ -9368,21 +9527,21 @@
               <a:buAutoNum type="arabicPeriod"/>
             </a:pPr>
             <a:r>
-              <a:rPr b="1" lang="es-419" sz="800">
+              <a:rPr lang="es-419" sz="800" b="1">
                 <a:solidFill>
                   <a:schemeClr val="dk1"/>
                 </a:solidFill>
               </a:rPr>
               <a:t>Optimización con Optuna:</a:t>
             </a:r>
-            <a:endParaRPr b="1" sz="800">
-              <a:solidFill>
-                <a:schemeClr val="dk1"/>
-              </a:solidFill>
-            </a:endParaRPr>
-          </a:p>
-          <a:p>
-            <a:pPr indent="-279400" lvl="1" marL="914400" rtl="0" algn="l">
+            <a:endParaRPr sz="800" b="1">
+              <a:solidFill>
+                <a:schemeClr val="dk1"/>
+              </a:solidFill>
+            </a:endParaRPr>
+          </a:p>
+          <a:p>
+            <a:pPr marL="914400" lvl="1" indent="-279400" algn="l" rtl="0">
               <a:lnSpc>
                 <a:spcPct val="115000"/>
               </a:lnSpc>
@@ -9413,7 +9572,7 @@
             </a:endParaRPr>
           </a:p>
           <a:p>
-            <a:pPr indent="-279400" lvl="1" marL="914400" rtl="0" algn="l">
+            <a:pPr marL="914400" lvl="1" indent="-279400" algn="l" rtl="0">
               <a:lnSpc>
                 <a:spcPct val="115000"/>
               </a:lnSpc>
@@ -9484,7 +9643,7 @@
             </a:endParaRPr>
           </a:p>
           <a:p>
-            <a:pPr indent="-279400" lvl="0" marL="457200" rtl="0" algn="l">
+            <a:pPr marL="457200" lvl="0" indent="-279400" algn="l" rtl="0">
               <a:lnSpc>
                 <a:spcPct val="115000"/>
               </a:lnSpc>
@@ -9501,21 +9660,21 @@
               <a:buAutoNum type="arabicPeriod"/>
             </a:pPr>
             <a:r>
-              <a:rPr b="1" lang="es-419" sz="800">
+              <a:rPr lang="es-419" sz="800" b="1">
                 <a:solidFill>
                   <a:schemeClr val="dk1"/>
                 </a:solidFill>
               </a:rPr>
               <a:t>Mejores Hiperparámetros:</a:t>
             </a:r>
-            <a:endParaRPr b="1" sz="800">
-              <a:solidFill>
-                <a:schemeClr val="dk1"/>
-              </a:solidFill>
-            </a:endParaRPr>
-          </a:p>
-          <a:p>
-            <a:pPr indent="-279400" lvl="1" marL="914400" rtl="0" algn="l">
+            <a:endParaRPr sz="800" b="1">
+              <a:solidFill>
+                <a:schemeClr val="dk1"/>
+              </a:solidFill>
+            </a:endParaRPr>
+          </a:p>
+          <a:p>
+            <a:pPr marL="914400" lvl="1" indent="-279400" algn="l" rtl="0">
               <a:lnSpc>
                 <a:spcPct val="115000"/>
               </a:lnSpc>
@@ -9586,7 +9745,7 @@
             </a:endParaRPr>
           </a:p>
           <a:p>
-            <a:pPr indent="-279400" lvl="1" marL="914400" rtl="0" algn="l">
+            <a:pPr marL="914400" lvl="1" indent="-279400" algn="l" rtl="0">
               <a:lnSpc>
                 <a:spcPct val="115000"/>
               </a:lnSpc>
@@ -9617,7 +9776,7 @@
             </a:endParaRPr>
           </a:p>
           <a:p>
-            <a:pPr indent="0" lvl="0" marL="0" rtl="0" algn="l">
+            <a:pPr marL="0" lvl="0" indent="0" algn="l" rtl="0">
               <a:lnSpc>
                 <a:spcPct val="115000"/>
               </a:lnSpc>
@@ -9630,21 +9789,21 @@
               <a:buNone/>
             </a:pPr>
             <a:r>
-              <a:rPr b="1" lang="es-419" sz="800">
+              <a:rPr lang="es-419" sz="800" b="1">
                 <a:solidFill>
                   <a:schemeClr val="dk1"/>
                 </a:solidFill>
               </a:rPr>
               <a:t>Visualización:</a:t>
             </a:r>
-            <a:endParaRPr b="1" sz="800">
-              <a:solidFill>
-                <a:schemeClr val="dk1"/>
-              </a:solidFill>
-            </a:endParaRPr>
-          </a:p>
-          <a:p>
-            <a:pPr indent="-279400" lvl="0" marL="457200" rtl="0" algn="l">
+            <a:endParaRPr sz="800" b="1">
+              <a:solidFill>
+                <a:schemeClr val="dk1"/>
+              </a:solidFill>
+            </a:endParaRPr>
+          </a:p>
+          <a:p>
+            <a:pPr marL="457200" lvl="0" indent="-279400" algn="l" rtl="0">
               <a:lnSpc>
                 <a:spcPct val="115000"/>
               </a:lnSpc>
@@ -9675,7 +9834,7 @@
             </a:endParaRPr>
           </a:p>
           <a:p>
-            <a:pPr indent="0" lvl="0" marL="0" rtl="0" algn="l">
+            <a:pPr marL="0" lvl="0" indent="0" algn="l" rtl="0">
               <a:lnSpc>
                 <a:spcPct val="115000"/>
               </a:lnSpc>
@@ -9688,21 +9847,21 @@
               <a:buNone/>
             </a:pPr>
             <a:r>
-              <a:rPr b="1" lang="es-419" sz="800">
+              <a:rPr lang="es-419" sz="800" b="1">
                 <a:solidFill>
                   <a:schemeClr val="dk1"/>
                 </a:solidFill>
               </a:rPr>
               <a:t>Beneficios:</a:t>
             </a:r>
-            <a:endParaRPr b="1" sz="800">
-              <a:solidFill>
-                <a:schemeClr val="dk1"/>
-              </a:solidFill>
-            </a:endParaRPr>
-          </a:p>
-          <a:p>
-            <a:pPr indent="-279400" lvl="0" marL="457200" rtl="0" algn="l">
+            <a:endParaRPr sz="800" b="1">
+              <a:solidFill>
+                <a:schemeClr val="dk1"/>
+              </a:solidFill>
+            </a:endParaRPr>
+          </a:p>
+          <a:p>
+            <a:pPr marL="457200" lvl="0" indent="-279400" algn="l" rtl="0">
               <a:lnSpc>
                 <a:spcPct val="115000"/>
               </a:lnSpc>
@@ -9733,7 +9892,7 @@
             </a:endParaRPr>
           </a:p>
           <a:p>
-            <a:pPr indent="0" lvl="0" marL="457200" rtl="0" algn="l">
+            <a:pPr marL="457200" lvl="0" indent="0" algn="l" rtl="0">
               <a:lnSpc>
                 <a:spcPct val="115000"/>
               </a:lnSpc>
@@ -9745,17 +9904,14 @@
               </a:spcAft>
               <a:buNone/>
             </a:pPr>
-            <a:r>
-              <a:t/>
-            </a:r>
-            <a:endParaRPr b="1" sz="1000">
-              <a:solidFill>
-                <a:schemeClr val="dk1"/>
-              </a:solidFill>
-            </a:endParaRPr>
-          </a:p>
-          <a:p>
-            <a:pPr indent="0" lvl="0" marL="0" rtl="0" algn="l">
+            <a:endParaRPr sz="1000" b="1">
+              <a:solidFill>
+                <a:schemeClr val="dk1"/>
+              </a:solidFill>
+            </a:endParaRPr>
+          </a:p>
+          <a:p>
+            <a:pPr marL="0" lvl="0" indent="0" algn="l" rtl="0">
               <a:spcBef>
                 <a:spcPts val="1200"/>
               </a:spcBef>
@@ -9764,9 +9920,6 @@
               </a:spcAft>
               <a:buNone/>
             </a:pPr>
-            <a:r>
-              <a:t/>
-            </a:r>
             <a:endParaRPr sz="1800">
               <a:solidFill>
                 <a:schemeClr val="dk2"/>
@@ -9791,7 +9944,7 @@
         </p:blipFill>
         <p:spPr>
           <a:xfrm>
-            <a:off x="6247950" y="1103650"/>
+            <a:off x="5578099" y="1220608"/>
             <a:ext cx="3346724" cy="2504300"/>
           </a:xfrm>
           <a:prstGeom prst="rect">
@@ -9812,11 +9965,11 @@
 </file>
 
 <file path=ppt/slides/slide5.xml><?xml version="1.0" encoding="utf-8"?>
-<p:sld xmlns:a="http://schemas.openxmlformats.org/drawingml/2006/main" xmlns:r="http://schemas.openxmlformats.org/officeDocument/2006/relationships" xmlns:mc="http://schemas.openxmlformats.org/markup-compatibility/2006" xmlns:mv="urn:schemas-microsoft-com:mac:vml" xmlns:p="http://schemas.openxmlformats.org/presentationml/2006/main" xmlns:c="http://schemas.openxmlformats.org/drawingml/2006/chart" xmlns:dgm="http://schemas.openxmlformats.org/drawingml/2006/diagram" xmlns:o="urn:schemas-microsoft-com:office:office" xmlns:v="urn:schemas-microsoft-com:vml" xmlns:pvml="urn:schemas-microsoft-com:office:powerpoint" xmlns:com="http://schemas.openxmlformats.org/drawingml/2006/compatibility" xmlns:p14="http://schemas.microsoft.com/office/powerpoint/2010/main" xmlns:p15="http://schemas.microsoft.com/office/powerpoint/2012/main" xmlns:ahyp="http://schemas.microsoft.com/office/drawing/2018/hyperlinkcolor">
+<p:sld xmlns:a="http://schemas.openxmlformats.org/drawingml/2006/main" xmlns:r="http://schemas.openxmlformats.org/officeDocument/2006/relationships" xmlns:p="http://schemas.openxmlformats.org/presentationml/2006/main">
   <p:cSld>
     <p:spTree>
       <p:nvGrpSpPr>
-        <p:cNvPr id="77" name="Shape 77"/>
+        <p:cNvPr id="1" name="Shape 77"/>
         <p:cNvGrpSpPr/>
         <p:nvPr/>
       </p:nvGrpSpPr>
@@ -9848,12 +10001,12 @@
           </a:ln>
         </p:spPr>
         <p:txBody>
-          <a:bodyPr anchorCtr="0" anchor="t" bIns="91425" lIns="91425" spcFirstLastPara="1" rIns="91425" wrap="square" tIns="91425">
+          <a:bodyPr spcFirstLastPara="1" wrap="square" lIns="91425" tIns="91425" rIns="91425" bIns="91425" anchor="t" anchorCtr="0">
             <a:spAutoFit/>
           </a:bodyPr>
           <a:lstStyle/>
           <a:p>
-            <a:pPr indent="0" lvl="0" marL="0" rtl="0" algn="l">
+            <a:pPr marL="0" lvl="0" indent="0" algn="l" rtl="0">
               <a:lnSpc>
                 <a:spcPct val="115000"/>
               </a:lnSpc>
@@ -9866,21 +10019,21 @@
               <a:buNone/>
             </a:pPr>
             <a:r>
-              <a:rPr b="1" lang="es-419" sz="1000">
+              <a:rPr lang="es-419" sz="1000" b="1">
                 <a:solidFill>
                   <a:schemeClr val="dk1"/>
                 </a:solidFill>
               </a:rPr>
               <a:t>Slide 5: Manejo de Desbalanceo de Clases con Oversampling</a:t>
             </a:r>
-            <a:endParaRPr b="1" sz="1000">
-              <a:solidFill>
-                <a:schemeClr val="dk1"/>
-              </a:solidFill>
-            </a:endParaRPr>
-          </a:p>
-          <a:p>
-            <a:pPr indent="0" lvl="0" marL="0" rtl="0" algn="l">
+            <a:endParaRPr sz="1000" b="1">
+              <a:solidFill>
+                <a:schemeClr val="dk1"/>
+              </a:solidFill>
+            </a:endParaRPr>
+          </a:p>
+          <a:p>
+            <a:pPr marL="0" lvl="0" indent="0" algn="l" rtl="0">
               <a:lnSpc>
                 <a:spcPct val="115000"/>
               </a:lnSpc>
@@ -9893,7 +10046,7 @@
               <a:buNone/>
             </a:pPr>
             <a:r>
-              <a:rPr b="1" lang="es-419" sz="800">
+              <a:rPr lang="es-419" sz="800" b="1">
                 <a:solidFill>
                   <a:schemeClr val="dk1"/>
                 </a:solidFill>
@@ -9915,7 +10068,7 @@
             </a:endParaRPr>
           </a:p>
           <a:p>
-            <a:pPr indent="0" lvl="0" marL="0" rtl="0" algn="l">
+            <a:pPr marL="0" lvl="0" indent="0" algn="l" rtl="0">
               <a:lnSpc>
                 <a:spcPct val="115000"/>
               </a:lnSpc>
@@ -9928,21 +10081,21 @@
               <a:buNone/>
             </a:pPr>
             <a:r>
-              <a:rPr b="1" lang="es-419" sz="800">
+              <a:rPr lang="es-419" sz="800" b="1">
                 <a:solidFill>
                   <a:schemeClr val="dk1"/>
                 </a:solidFill>
               </a:rPr>
               <a:t>Resumen del Código:</a:t>
             </a:r>
-            <a:endParaRPr b="1" sz="800">
-              <a:solidFill>
-                <a:schemeClr val="dk1"/>
-              </a:solidFill>
-            </a:endParaRPr>
-          </a:p>
-          <a:p>
-            <a:pPr indent="-279400" lvl="0" marL="457200" rtl="0" algn="l">
+            <a:endParaRPr sz="800" b="1">
+              <a:solidFill>
+                <a:schemeClr val="dk1"/>
+              </a:solidFill>
+            </a:endParaRPr>
+          </a:p>
+          <a:p>
+            <a:pPr marL="457200" lvl="0" indent="-279400" algn="l" rtl="0">
               <a:lnSpc>
                 <a:spcPct val="115000"/>
               </a:lnSpc>
@@ -9959,21 +10112,21 @@
               <a:buAutoNum type="arabicPeriod"/>
             </a:pPr>
             <a:r>
-              <a:rPr b="1" lang="es-419" sz="800">
+              <a:rPr lang="es-419" sz="800" b="1">
                 <a:solidFill>
                   <a:schemeClr val="dk1"/>
                 </a:solidFill>
               </a:rPr>
               <a:t>Extracción y Carga de Imágenes:</a:t>
             </a:r>
-            <a:endParaRPr b="1" sz="800">
-              <a:solidFill>
-                <a:schemeClr val="dk1"/>
-              </a:solidFill>
-            </a:endParaRPr>
-          </a:p>
-          <a:p>
-            <a:pPr indent="-279400" lvl="1" marL="914400" rtl="0" algn="l">
+            <a:endParaRPr sz="800" b="1">
+              <a:solidFill>
+                <a:schemeClr val="dk1"/>
+              </a:solidFill>
+            </a:endParaRPr>
+          </a:p>
+          <a:p>
+            <a:pPr marL="914400" lvl="1" indent="-279400" algn="l" rtl="0">
               <a:lnSpc>
                 <a:spcPct val="115000"/>
               </a:lnSpc>
@@ -10020,7 +10173,7 @@
             </a:endParaRPr>
           </a:p>
           <a:p>
-            <a:pPr indent="-279400" lvl="1" marL="914400" rtl="0" algn="l">
+            <a:pPr marL="914400" lvl="1" indent="-279400" algn="l" rtl="0">
               <a:lnSpc>
                 <a:spcPct val="115000"/>
               </a:lnSpc>
@@ -10051,7 +10204,7 @@
             </a:endParaRPr>
           </a:p>
           <a:p>
-            <a:pPr indent="-279400" lvl="2" marL="1371600" rtl="0" algn="l">
+            <a:pPr marL="1371600" lvl="2" indent="-279400" algn="l" rtl="0">
               <a:lnSpc>
                 <a:spcPct val="115000"/>
               </a:lnSpc>
@@ -10082,7 +10235,7 @@
             </a:endParaRPr>
           </a:p>
           <a:p>
-            <a:pPr indent="-279400" lvl="2" marL="1371600" rtl="0" algn="l">
+            <a:pPr marL="1371600" lvl="2" indent="-279400" algn="l" rtl="0">
               <a:lnSpc>
                 <a:spcPct val="115000"/>
               </a:lnSpc>
@@ -10133,7 +10286,7 @@
             </a:endParaRPr>
           </a:p>
           <a:p>
-            <a:pPr indent="-279400" lvl="2" marL="1371600" rtl="0" algn="l">
+            <a:pPr marL="1371600" lvl="2" indent="-279400" algn="l" rtl="0">
               <a:lnSpc>
                 <a:spcPct val="115000"/>
               </a:lnSpc>
@@ -10164,7 +10317,7 @@
             </a:endParaRPr>
           </a:p>
           <a:p>
-            <a:pPr indent="-279400" lvl="0" marL="457200" rtl="0" algn="l">
+            <a:pPr marL="457200" lvl="0" indent="-279400" algn="l" rtl="0">
               <a:lnSpc>
                 <a:spcPct val="115000"/>
               </a:lnSpc>
@@ -10181,21 +10334,21 @@
               <a:buAutoNum type="arabicPeriod"/>
             </a:pPr>
             <a:r>
-              <a:rPr b="1" lang="es-419" sz="800">
+              <a:rPr lang="es-419" sz="800" b="1">
                 <a:solidFill>
                   <a:schemeClr val="dk1"/>
                 </a:solidFill>
               </a:rPr>
               <a:t>Preparación de DataLoaders con Oversampling:</a:t>
             </a:r>
-            <a:endParaRPr b="1" sz="800">
-              <a:solidFill>
-                <a:schemeClr val="dk1"/>
-              </a:solidFill>
-            </a:endParaRPr>
-          </a:p>
-          <a:p>
-            <a:pPr indent="-279400" lvl="1" marL="914400" rtl="0" algn="l">
+            <a:endParaRPr sz="800" b="1">
+              <a:solidFill>
+                <a:schemeClr val="dk1"/>
+              </a:solidFill>
+            </a:endParaRPr>
+          </a:p>
+          <a:p>
+            <a:pPr marL="914400" lvl="1" indent="-279400" algn="l" rtl="0">
               <a:lnSpc>
                 <a:spcPct val="115000"/>
               </a:lnSpc>
@@ -10242,7 +10395,7 @@
             </a:endParaRPr>
           </a:p>
           <a:p>
-            <a:pPr indent="-279400" lvl="1" marL="914400" rtl="0" algn="l">
+            <a:pPr marL="914400" lvl="1" indent="-279400" algn="l" rtl="0">
               <a:lnSpc>
                 <a:spcPct val="115000"/>
               </a:lnSpc>
@@ -10273,7 +10426,7 @@
             </a:endParaRPr>
           </a:p>
           <a:p>
-            <a:pPr indent="-279400" lvl="2" marL="1371600" rtl="0" algn="l">
+            <a:pPr marL="1371600" lvl="2" indent="-279400" algn="l" rtl="0">
               <a:lnSpc>
                 <a:spcPct val="115000"/>
               </a:lnSpc>
@@ -10324,7 +10477,7 @@
             </a:endParaRPr>
           </a:p>
           <a:p>
-            <a:pPr indent="-279400" lvl="2" marL="1371600" rtl="0" algn="l">
+            <a:pPr marL="1371600" lvl="2" indent="-279400" algn="l" rtl="0">
               <a:lnSpc>
                 <a:spcPct val="115000"/>
               </a:lnSpc>
@@ -10355,7 +10508,7 @@
             </a:endParaRPr>
           </a:p>
           <a:p>
-            <a:pPr indent="-279400" lvl="2" marL="1371600" rtl="0" algn="l">
+            <a:pPr marL="1371600" lvl="2" indent="-279400" algn="l" rtl="0">
               <a:lnSpc>
                 <a:spcPct val="115000"/>
               </a:lnSpc>
@@ -10386,7 +10539,7 @@
             </a:endParaRPr>
           </a:p>
           <a:p>
-            <a:pPr indent="-279400" lvl="0" marL="457200" rtl="0" algn="l">
+            <a:pPr marL="457200" lvl="0" indent="-279400" algn="l" rtl="0">
               <a:lnSpc>
                 <a:spcPct val="115000"/>
               </a:lnSpc>
@@ -10403,21 +10556,21 @@
               <a:buAutoNum type="arabicPeriod"/>
             </a:pPr>
             <a:r>
-              <a:rPr b="1" lang="es-419" sz="800">
+              <a:rPr lang="es-419" sz="800" b="1">
                 <a:solidFill>
                   <a:schemeClr val="dk1"/>
                 </a:solidFill>
               </a:rPr>
               <a:t>Visualización de Datos:</a:t>
             </a:r>
-            <a:endParaRPr b="1" sz="800">
-              <a:solidFill>
-                <a:schemeClr val="dk1"/>
-              </a:solidFill>
-            </a:endParaRPr>
-          </a:p>
-          <a:p>
-            <a:pPr indent="-279400" lvl="1" marL="914400" rtl="0" algn="l">
+            <a:endParaRPr sz="800" b="1">
+              <a:solidFill>
+                <a:schemeClr val="dk1"/>
+              </a:solidFill>
+            </a:endParaRPr>
+          </a:p>
+          <a:p>
+            <a:pPr marL="914400" lvl="1" indent="-279400" algn="l" rtl="0">
               <a:lnSpc>
                 <a:spcPct val="115000"/>
               </a:lnSpc>
@@ -10448,7 +10601,7 @@
             </a:endParaRPr>
           </a:p>
           <a:p>
-            <a:pPr indent="0" lvl="0" marL="0" rtl="0" algn="l">
+            <a:pPr marL="0" lvl="0" indent="0" algn="l" rtl="0">
               <a:lnSpc>
                 <a:spcPct val="115000"/>
               </a:lnSpc>
@@ -10461,21 +10614,21 @@
               <a:buNone/>
             </a:pPr>
             <a:r>
-              <a:rPr b="1" lang="es-419" sz="800">
+              <a:rPr lang="es-419" sz="800" b="1">
                 <a:solidFill>
                   <a:schemeClr val="dk1"/>
                 </a:solidFill>
               </a:rPr>
               <a:t>Beneficios:</a:t>
             </a:r>
-            <a:endParaRPr b="1" sz="800">
-              <a:solidFill>
-                <a:schemeClr val="dk1"/>
-              </a:solidFill>
-            </a:endParaRPr>
-          </a:p>
-          <a:p>
-            <a:pPr indent="-279400" lvl="0" marL="457200" rtl="0" algn="l">
+            <a:endParaRPr sz="800" b="1">
+              <a:solidFill>
+                <a:schemeClr val="dk1"/>
+              </a:solidFill>
+            </a:endParaRPr>
+          </a:p>
+          <a:p>
+            <a:pPr marL="457200" lvl="0" indent="-279400" algn="l" rtl="0">
               <a:lnSpc>
                 <a:spcPct val="115000"/>
               </a:lnSpc>
@@ -10506,7 +10659,7 @@
             </a:endParaRPr>
           </a:p>
           <a:p>
-            <a:pPr indent="0" lvl="0" marL="0" rtl="0" algn="l">
+            <a:pPr marL="0" lvl="0" indent="0" algn="l" rtl="0">
               <a:lnSpc>
                 <a:spcPct val="115000"/>
               </a:lnSpc>
@@ -10519,21 +10672,21 @@
               <a:buNone/>
             </a:pPr>
             <a:r>
-              <a:rPr b="1" lang="es-419" sz="800">
+              <a:rPr lang="es-419" sz="800" b="1">
                 <a:solidFill>
                   <a:schemeClr val="dk1"/>
                 </a:solidFill>
               </a:rPr>
               <a:t>Uso Práctico:</a:t>
             </a:r>
-            <a:endParaRPr b="1" sz="800">
-              <a:solidFill>
-                <a:schemeClr val="dk1"/>
-              </a:solidFill>
-            </a:endParaRPr>
-          </a:p>
-          <a:p>
-            <a:pPr indent="-279400" lvl="0" marL="457200" rtl="0" algn="l">
+            <a:endParaRPr sz="800" b="1">
+              <a:solidFill>
+                <a:schemeClr val="dk1"/>
+              </a:solidFill>
+            </a:endParaRPr>
+          </a:p>
+          <a:p>
+            <a:pPr marL="457200" lvl="0" indent="-279400" algn="l" rtl="0">
               <a:lnSpc>
                 <a:spcPct val="115000"/>
               </a:lnSpc>
@@ -10564,7 +10717,7 @@
             </a:endParaRPr>
           </a:p>
           <a:p>
-            <a:pPr indent="0" lvl="0" marL="0" rtl="0" algn="l">
+            <a:pPr marL="0" lvl="0" indent="0" algn="l" rtl="0">
               <a:lnSpc>
                 <a:spcPct val="115000"/>
               </a:lnSpc>
@@ -10576,17 +10729,14 @@
               </a:spcAft>
               <a:buNone/>
             </a:pPr>
-            <a:r>
-              <a:t/>
-            </a:r>
-            <a:endParaRPr b="1" sz="1000">
-              <a:solidFill>
-                <a:schemeClr val="dk1"/>
-              </a:solidFill>
-            </a:endParaRPr>
-          </a:p>
-          <a:p>
-            <a:pPr indent="0" lvl="0" marL="457200" rtl="0" algn="l">
+            <a:endParaRPr sz="1000" b="1">
+              <a:solidFill>
+                <a:schemeClr val="dk1"/>
+              </a:solidFill>
+            </a:endParaRPr>
+          </a:p>
+          <a:p>
+            <a:pPr marL="457200" lvl="0" indent="0" algn="l" rtl="0">
               <a:lnSpc>
                 <a:spcPct val="115000"/>
               </a:lnSpc>
@@ -10598,17 +10748,14 @@
               </a:spcAft>
               <a:buNone/>
             </a:pPr>
-            <a:r>
-              <a:t/>
-            </a:r>
-            <a:endParaRPr b="1" sz="1000">
-              <a:solidFill>
-                <a:schemeClr val="dk1"/>
-              </a:solidFill>
-            </a:endParaRPr>
-          </a:p>
-          <a:p>
-            <a:pPr indent="0" lvl="0" marL="0" rtl="0" algn="l">
+            <a:endParaRPr sz="1000" b="1">
+              <a:solidFill>
+                <a:schemeClr val="dk1"/>
+              </a:solidFill>
+            </a:endParaRPr>
+          </a:p>
+          <a:p>
+            <a:pPr marL="0" lvl="0" indent="0" algn="l" rtl="0">
               <a:spcBef>
                 <a:spcPts val="1200"/>
               </a:spcBef>
@@ -10617,9 +10764,6 @@
               </a:spcAft>
               <a:buNone/>
             </a:pPr>
-            <a:r>
-              <a:t/>
-            </a:r>
             <a:endParaRPr sz="1800">
               <a:solidFill>
                 <a:schemeClr val="dk2"/>
@@ -10637,11 +10781,11 @@
 </file>
 
 <file path=ppt/slides/slide6.xml><?xml version="1.0" encoding="utf-8"?>
-<p:sld xmlns:a="http://schemas.openxmlformats.org/drawingml/2006/main" xmlns:r="http://schemas.openxmlformats.org/officeDocument/2006/relationships" xmlns:mc="http://schemas.openxmlformats.org/markup-compatibility/2006" xmlns:mv="urn:schemas-microsoft-com:mac:vml" xmlns:p="http://schemas.openxmlformats.org/presentationml/2006/main" xmlns:c="http://schemas.openxmlformats.org/drawingml/2006/chart" xmlns:dgm="http://schemas.openxmlformats.org/drawingml/2006/diagram" xmlns:o="urn:schemas-microsoft-com:office:office" xmlns:v="urn:schemas-microsoft-com:vml" xmlns:pvml="urn:schemas-microsoft-com:office:powerpoint" xmlns:com="http://schemas.openxmlformats.org/drawingml/2006/compatibility" xmlns:p14="http://schemas.microsoft.com/office/powerpoint/2010/main" xmlns:p15="http://schemas.microsoft.com/office/powerpoint/2012/main" xmlns:ahyp="http://schemas.microsoft.com/office/drawing/2018/hyperlinkcolor">
+<p:sld xmlns:a="http://schemas.openxmlformats.org/drawingml/2006/main" xmlns:r="http://schemas.openxmlformats.org/officeDocument/2006/relationships" xmlns:p="http://schemas.openxmlformats.org/presentationml/2006/main">
   <p:cSld>
     <p:spTree>
       <p:nvGrpSpPr>
-        <p:cNvPr id="82" name="Shape 82"/>
+        <p:cNvPr id="1" name="Shape 82"/>
         <p:cNvGrpSpPr/>
         <p:nvPr/>
       </p:nvGrpSpPr>
@@ -10673,12 +10817,12 @@
           </a:ln>
         </p:spPr>
         <p:txBody>
-          <a:bodyPr anchorCtr="0" anchor="t" bIns="91425" lIns="91425" spcFirstLastPara="1" rIns="91425" wrap="square" tIns="91425">
+          <a:bodyPr spcFirstLastPara="1" wrap="square" lIns="91425" tIns="91425" rIns="91425" bIns="91425" anchor="t" anchorCtr="0">
             <a:spAutoFit/>
           </a:bodyPr>
           <a:lstStyle/>
           <a:p>
-            <a:pPr indent="0" lvl="0" marL="0" rtl="0" algn="l">
+            <a:pPr marL="0" lvl="0" indent="0" algn="l" rtl="0">
               <a:lnSpc>
                 <a:spcPct val="115000"/>
               </a:lnSpc>
@@ -10696,21 +10840,21 @@
               <a:buNone/>
             </a:pPr>
             <a:r>
-              <a:rPr b="1" lang="es-419" sz="1000">
+              <a:rPr lang="es-419" sz="1000" b="1">
                 <a:solidFill>
                   <a:schemeClr val="dk1"/>
                 </a:solidFill>
               </a:rPr>
               <a:t>Slide 6: Entrenamiento Inicial con DenseNet</a:t>
             </a:r>
-            <a:endParaRPr b="1" sz="1000">
-              <a:solidFill>
-                <a:schemeClr val="dk1"/>
-              </a:solidFill>
-            </a:endParaRPr>
-          </a:p>
-          <a:p>
-            <a:pPr indent="0" lvl="0" marL="0" rtl="0" algn="l">
+            <a:endParaRPr sz="1000" b="1">
+              <a:solidFill>
+                <a:schemeClr val="dk1"/>
+              </a:solidFill>
+            </a:endParaRPr>
+          </a:p>
+          <a:p>
+            <a:pPr marL="0" lvl="0" indent="0" algn="l" rtl="0">
               <a:lnSpc>
                 <a:spcPct val="115000"/>
               </a:lnSpc>
@@ -10728,7 +10872,7 @@
               <a:buNone/>
             </a:pPr>
             <a:r>
-              <a:rPr b="1" lang="es-419" sz="800">
+              <a:rPr lang="es-419" sz="800" b="1">
                 <a:solidFill>
                   <a:schemeClr val="dk1"/>
                 </a:solidFill>
@@ -10750,7 +10894,7 @@
             </a:endParaRPr>
           </a:p>
           <a:p>
-            <a:pPr indent="0" lvl="0" marL="0" rtl="0" algn="l">
+            <a:pPr marL="0" lvl="0" indent="0" algn="l" rtl="0">
               <a:lnSpc>
                 <a:spcPct val="115000"/>
               </a:lnSpc>
@@ -10768,21 +10912,21 @@
               <a:buNone/>
             </a:pPr>
             <a:r>
-              <a:rPr b="1" lang="es-419" sz="800">
+              <a:rPr lang="es-419" sz="800" b="1">
                 <a:solidFill>
                   <a:schemeClr val="dk1"/>
                 </a:solidFill>
               </a:rPr>
               <a:t>Resumen del Código:</a:t>
             </a:r>
-            <a:endParaRPr b="1" sz="800">
-              <a:solidFill>
-                <a:schemeClr val="dk1"/>
-              </a:solidFill>
-            </a:endParaRPr>
-          </a:p>
-          <a:p>
-            <a:pPr indent="-279400" lvl="0" marL="457200" rtl="0" algn="l">
+            <a:endParaRPr sz="800" b="1">
+              <a:solidFill>
+                <a:schemeClr val="dk1"/>
+              </a:solidFill>
+            </a:endParaRPr>
+          </a:p>
+          <a:p>
+            <a:pPr marL="457200" lvl="0" indent="-279400" algn="l" rtl="0">
               <a:lnSpc>
                 <a:spcPct val="115000"/>
               </a:lnSpc>
@@ -10799,21 +10943,21 @@
               <a:buAutoNum type="arabicPeriod"/>
             </a:pPr>
             <a:r>
-              <a:rPr b="1" lang="es-419" sz="800">
+              <a:rPr lang="es-419" sz="800" b="1">
                 <a:solidFill>
                   <a:schemeClr val="dk1"/>
                 </a:solidFill>
               </a:rPr>
               <a:t>Construcción del Modelo:</a:t>
             </a:r>
-            <a:endParaRPr b="1" sz="800">
-              <a:solidFill>
-                <a:schemeClr val="dk1"/>
-              </a:solidFill>
-            </a:endParaRPr>
-          </a:p>
-          <a:p>
-            <a:pPr indent="-279400" lvl="1" marL="914400" rtl="0" algn="l">
+            <a:endParaRPr sz="800" b="1">
+              <a:solidFill>
+                <a:schemeClr val="dk1"/>
+              </a:solidFill>
+            </a:endParaRPr>
+          </a:p>
+          <a:p>
+            <a:pPr marL="914400" lvl="1" indent="-279400" algn="l" rtl="0">
               <a:lnSpc>
                 <a:spcPct val="115000"/>
               </a:lnSpc>
@@ -10844,7 +10988,7 @@
             </a:endParaRPr>
           </a:p>
           <a:p>
-            <a:pPr indent="-279400" lvl="1" marL="914400" rtl="0" algn="l">
+            <a:pPr marL="914400" lvl="1" indent="-279400" algn="l" rtl="0">
               <a:lnSpc>
                 <a:spcPct val="115000"/>
               </a:lnSpc>
@@ -10875,7 +11019,7 @@
             </a:endParaRPr>
           </a:p>
           <a:p>
-            <a:pPr indent="-279400" lvl="0" marL="457200" rtl="0" algn="l">
+            <a:pPr marL="457200" lvl="0" indent="-279400" algn="l" rtl="0">
               <a:lnSpc>
                 <a:spcPct val="115000"/>
               </a:lnSpc>
@@ -10892,21 +11036,21 @@
               <a:buAutoNum type="arabicPeriod"/>
             </a:pPr>
             <a:r>
-              <a:rPr b="1" lang="es-419" sz="800">
+              <a:rPr lang="es-419" sz="800" b="1">
                 <a:solidFill>
                   <a:schemeClr val="dk1"/>
                 </a:solidFill>
               </a:rPr>
               <a:t>Encontrar el Learning Rate Óptimo:</a:t>
             </a:r>
-            <a:endParaRPr b="1" sz="800">
-              <a:solidFill>
-                <a:schemeClr val="dk1"/>
-              </a:solidFill>
-            </a:endParaRPr>
-          </a:p>
-          <a:p>
-            <a:pPr indent="-279400" lvl="1" marL="914400" rtl="0" algn="l">
+            <a:endParaRPr sz="800" b="1">
+              <a:solidFill>
+                <a:schemeClr val="dk1"/>
+              </a:solidFill>
+            </a:endParaRPr>
+          </a:p>
+          <a:p>
+            <a:pPr marL="914400" lvl="1" indent="-279400" algn="l" rtl="0">
               <a:lnSpc>
                 <a:spcPct val="115000"/>
               </a:lnSpc>
@@ -10937,7 +11081,7 @@
             </a:endParaRPr>
           </a:p>
           <a:p>
-            <a:pPr indent="-279400" lvl="1" marL="914400" rtl="0" algn="l">
+            <a:pPr marL="914400" lvl="1" indent="-279400" algn="l" rtl="0">
               <a:lnSpc>
                 <a:spcPct val="115000"/>
               </a:lnSpc>
@@ -10968,7 +11112,7 @@
             </a:endParaRPr>
           </a:p>
           <a:p>
-            <a:pPr indent="-279400" lvl="0" marL="457200" rtl="0" algn="l">
+            <a:pPr marL="457200" lvl="0" indent="-279400" algn="l" rtl="0">
               <a:lnSpc>
                 <a:spcPct val="115000"/>
               </a:lnSpc>
@@ -10985,21 +11129,21 @@
               <a:buAutoNum type="arabicPeriod"/>
             </a:pPr>
             <a:r>
-              <a:rPr b="1" lang="es-419" sz="800">
+              <a:rPr lang="es-419" sz="800" b="1">
                 <a:solidFill>
                   <a:schemeClr val="dk1"/>
                 </a:solidFill>
               </a:rPr>
               <a:t>Ajuste Inicial del Modelo:</a:t>
             </a:r>
-            <a:endParaRPr b="1" sz="800">
-              <a:solidFill>
-                <a:schemeClr val="dk1"/>
-              </a:solidFill>
-            </a:endParaRPr>
-          </a:p>
-          <a:p>
-            <a:pPr indent="-279400" lvl="1" marL="914400" rtl="0" algn="l">
+            <a:endParaRPr sz="800" b="1">
+              <a:solidFill>
+                <a:schemeClr val="dk1"/>
+              </a:solidFill>
+            </a:endParaRPr>
+          </a:p>
+          <a:p>
+            <a:pPr marL="914400" lvl="1" indent="-279400" algn="l" rtl="0">
               <a:lnSpc>
                 <a:spcPct val="115000"/>
               </a:lnSpc>
@@ -11030,7 +11174,7 @@
             </a:endParaRPr>
           </a:p>
           <a:p>
-            <a:pPr indent="-279400" lvl="1" marL="914400" rtl="0" algn="l">
+            <a:pPr marL="914400" lvl="1" indent="-279400" algn="l" rtl="0">
               <a:lnSpc>
                 <a:spcPct val="115000"/>
               </a:lnSpc>
@@ -11061,7 +11205,7 @@
             </a:endParaRPr>
           </a:p>
           <a:p>
-            <a:pPr indent="0" lvl="0" marL="0" rtl="0" algn="l">
+            <a:pPr marL="0" lvl="0" indent="0" algn="l" rtl="0">
               <a:lnSpc>
                 <a:spcPct val="115000"/>
               </a:lnSpc>
@@ -11079,21 +11223,21 @@
               <a:buNone/>
             </a:pPr>
             <a:r>
-              <a:rPr b="1" lang="es-419" sz="800">
+              <a:rPr lang="es-419" sz="800" b="1">
                 <a:solidFill>
                   <a:schemeClr val="dk1"/>
                 </a:solidFill>
               </a:rPr>
               <a:t>Beneficios:</a:t>
             </a:r>
-            <a:endParaRPr b="1" sz="800">
-              <a:solidFill>
-                <a:schemeClr val="dk1"/>
-              </a:solidFill>
-            </a:endParaRPr>
-          </a:p>
-          <a:p>
-            <a:pPr indent="-279400" lvl="0" marL="457200" rtl="0" algn="l">
+            <a:endParaRPr sz="800" b="1">
+              <a:solidFill>
+                <a:schemeClr val="dk1"/>
+              </a:solidFill>
+            </a:endParaRPr>
+          </a:p>
+          <a:p>
+            <a:pPr marL="457200" lvl="0" indent="-279400" algn="l" rtl="0">
               <a:lnSpc>
                 <a:spcPct val="115000"/>
               </a:lnSpc>
@@ -11124,7 +11268,7 @@
             </a:endParaRPr>
           </a:p>
           <a:p>
-            <a:pPr indent="0" lvl="0" marL="0" rtl="0" algn="l">
+            <a:pPr marL="0" lvl="0" indent="0" algn="l" rtl="0">
               <a:lnSpc>
                 <a:spcPct val="115000"/>
               </a:lnSpc>
@@ -11136,17 +11280,14 @@
               </a:spcAft>
               <a:buNone/>
             </a:pPr>
-            <a:r>
-              <a:t/>
-            </a:r>
-            <a:endParaRPr b="1" sz="1000">
-              <a:solidFill>
-                <a:schemeClr val="dk1"/>
-              </a:solidFill>
-            </a:endParaRPr>
-          </a:p>
-          <a:p>
-            <a:pPr indent="0" lvl="0" marL="457200" rtl="0" algn="l">
+            <a:endParaRPr sz="1000" b="1">
+              <a:solidFill>
+                <a:schemeClr val="dk1"/>
+              </a:solidFill>
+            </a:endParaRPr>
+          </a:p>
+          <a:p>
+            <a:pPr marL="457200" lvl="0" indent="0" algn="l" rtl="0">
               <a:lnSpc>
                 <a:spcPct val="115000"/>
               </a:lnSpc>
@@ -11158,17 +11299,14 @@
               </a:spcAft>
               <a:buNone/>
             </a:pPr>
-            <a:r>
-              <a:t/>
-            </a:r>
-            <a:endParaRPr b="1" sz="1000">
-              <a:solidFill>
-                <a:schemeClr val="dk1"/>
-              </a:solidFill>
-            </a:endParaRPr>
-          </a:p>
-          <a:p>
-            <a:pPr indent="0" lvl="0" marL="0" rtl="0" algn="l">
+            <a:endParaRPr sz="1000" b="1">
+              <a:solidFill>
+                <a:schemeClr val="dk1"/>
+              </a:solidFill>
+            </a:endParaRPr>
+          </a:p>
+          <a:p>
+            <a:pPr marL="0" lvl="0" indent="0" algn="l" rtl="0">
               <a:spcBef>
                 <a:spcPts val="1200"/>
               </a:spcBef>
@@ -11177,9 +11315,6 @@
               </a:spcAft>
               <a:buNone/>
             </a:pPr>
-            <a:r>
-              <a:t/>
-            </a:r>
             <a:endParaRPr sz="1800">
               <a:solidFill>
                 <a:schemeClr val="dk2"/>
@@ -11197,11 +11332,11 @@
 </file>
 
 <file path=ppt/slides/slide7.xml><?xml version="1.0" encoding="utf-8"?>
-<p:sld xmlns:a="http://schemas.openxmlformats.org/drawingml/2006/main" xmlns:r="http://schemas.openxmlformats.org/officeDocument/2006/relationships" xmlns:mc="http://schemas.openxmlformats.org/markup-compatibility/2006" xmlns:mv="urn:schemas-microsoft-com:mac:vml" xmlns:p="http://schemas.openxmlformats.org/presentationml/2006/main" xmlns:c="http://schemas.openxmlformats.org/drawingml/2006/chart" xmlns:dgm="http://schemas.openxmlformats.org/drawingml/2006/diagram" xmlns:o="urn:schemas-microsoft-com:office:office" xmlns:v="urn:schemas-microsoft-com:vml" xmlns:pvml="urn:schemas-microsoft-com:office:powerpoint" xmlns:com="http://schemas.openxmlformats.org/drawingml/2006/compatibility" xmlns:p14="http://schemas.microsoft.com/office/powerpoint/2010/main" xmlns:p15="http://schemas.microsoft.com/office/powerpoint/2012/main" xmlns:ahyp="http://schemas.microsoft.com/office/drawing/2018/hyperlinkcolor">
+<p:sld xmlns:a="http://schemas.openxmlformats.org/drawingml/2006/main" xmlns:r="http://schemas.openxmlformats.org/officeDocument/2006/relationships" xmlns:p="http://schemas.openxmlformats.org/presentationml/2006/main">
   <p:cSld>
     <p:spTree>
       <p:nvGrpSpPr>
-        <p:cNvPr id="87" name="Shape 87"/>
+        <p:cNvPr id="1" name="Shape 87"/>
         <p:cNvGrpSpPr/>
         <p:nvPr/>
       </p:nvGrpSpPr>
@@ -11233,12 +11368,12 @@
           </a:ln>
         </p:spPr>
         <p:txBody>
-          <a:bodyPr anchorCtr="0" anchor="t" bIns="91425" lIns="91425" spcFirstLastPara="1" rIns="91425" wrap="square" tIns="91425">
+          <a:bodyPr spcFirstLastPara="1" wrap="square" lIns="91425" tIns="91425" rIns="91425" bIns="91425" anchor="t" anchorCtr="0">
             <a:spAutoFit/>
           </a:bodyPr>
           <a:lstStyle/>
           <a:p>
-            <a:pPr indent="0" lvl="0" marL="0" rtl="0" algn="l">
+            <a:pPr marL="0" lvl="0" indent="0" algn="l" rtl="0">
               <a:lnSpc>
                 <a:spcPct val="115000"/>
               </a:lnSpc>
@@ -11251,21 +11386,21 @@
               <a:buNone/>
             </a:pPr>
             <a:r>
-              <a:rPr b="1" lang="es-419" sz="1000">
+              <a:rPr lang="es-419" sz="1000" b="1">
                 <a:solidFill>
                   <a:schemeClr val="dk1"/>
                 </a:solidFill>
               </a:rPr>
               <a:t>Slide 7: Fine Tunning y Evaluación del Modelo</a:t>
             </a:r>
-            <a:endParaRPr b="1" sz="1000">
-              <a:solidFill>
-                <a:schemeClr val="dk1"/>
-              </a:solidFill>
-            </a:endParaRPr>
-          </a:p>
-          <a:p>
-            <a:pPr indent="0" lvl="0" marL="0" rtl="0" algn="l">
+            <a:endParaRPr sz="1000" b="1">
+              <a:solidFill>
+                <a:schemeClr val="dk1"/>
+              </a:solidFill>
+            </a:endParaRPr>
+          </a:p>
+          <a:p>
+            <a:pPr marL="0" lvl="0" indent="0" algn="l" rtl="0">
               <a:lnSpc>
                 <a:spcPct val="115000"/>
               </a:lnSpc>
@@ -11278,7 +11413,7 @@
               <a:buNone/>
             </a:pPr>
             <a:r>
-              <a:rPr b="1" lang="es-419" sz="800">
+              <a:rPr lang="es-419" sz="800" b="1">
                 <a:solidFill>
                   <a:schemeClr val="dk1"/>
                 </a:solidFill>
@@ -11300,7 +11435,7 @@
             </a:endParaRPr>
           </a:p>
           <a:p>
-            <a:pPr indent="0" lvl="0" marL="0" rtl="0" algn="l">
+            <a:pPr marL="0" lvl="0" indent="0" algn="l" rtl="0">
               <a:lnSpc>
                 <a:spcPct val="115000"/>
               </a:lnSpc>
@@ -11313,21 +11448,21 @@
               <a:buNone/>
             </a:pPr>
             <a:r>
-              <a:rPr b="1" lang="es-419" sz="800">
+              <a:rPr lang="es-419" sz="800" b="1">
                 <a:solidFill>
                   <a:schemeClr val="dk1"/>
                 </a:solidFill>
               </a:rPr>
               <a:t>Resumen del Código:</a:t>
             </a:r>
-            <a:endParaRPr b="1" sz="800">
-              <a:solidFill>
-                <a:schemeClr val="dk1"/>
-              </a:solidFill>
-            </a:endParaRPr>
-          </a:p>
-          <a:p>
-            <a:pPr indent="-279400" lvl="0" marL="457200" rtl="0" algn="l">
+            <a:endParaRPr sz="800" b="1">
+              <a:solidFill>
+                <a:schemeClr val="dk1"/>
+              </a:solidFill>
+            </a:endParaRPr>
+          </a:p>
+          <a:p>
+            <a:pPr marL="457200" lvl="0" indent="-279400" algn="l" rtl="0">
               <a:lnSpc>
                 <a:spcPct val="115000"/>
               </a:lnSpc>
@@ -11344,21 +11479,21 @@
               <a:buAutoNum type="arabicPeriod" startAt="4"/>
             </a:pPr>
             <a:r>
-              <a:rPr b="1" lang="es-419" sz="800">
+              <a:rPr lang="es-419" sz="800" b="1">
                 <a:solidFill>
                   <a:schemeClr val="dk1"/>
                 </a:solidFill>
               </a:rPr>
               <a:t>Descongelar y Ajuste Fino:</a:t>
             </a:r>
-            <a:endParaRPr b="1" sz="800">
-              <a:solidFill>
-                <a:schemeClr val="dk1"/>
-              </a:solidFill>
-            </a:endParaRPr>
-          </a:p>
-          <a:p>
-            <a:pPr indent="-279400" lvl="1" marL="914400" rtl="0" algn="l">
+            <a:endParaRPr sz="800" b="1">
+              <a:solidFill>
+                <a:schemeClr val="dk1"/>
+              </a:solidFill>
+            </a:endParaRPr>
+          </a:p>
+          <a:p>
+            <a:pPr marL="914400" lvl="1" indent="-279400" algn="l" rtl="0">
               <a:lnSpc>
                 <a:spcPct val="115000"/>
               </a:lnSpc>
@@ -11389,7 +11524,7 @@
             </a:endParaRPr>
           </a:p>
           <a:p>
-            <a:pPr indent="-279400" lvl="1" marL="914400" rtl="0" algn="l">
+            <a:pPr marL="914400" lvl="1" indent="-279400" algn="l" rtl="0">
               <a:lnSpc>
                 <a:spcPct val="115000"/>
               </a:lnSpc>
@@ -11420,7 +11555,7 @@
             </a:endParaRPr>
           </a:p>
           <a:p>
-            <a:pPr indent="-279400" lvl="0" marL="457200" rtl="0" algn="l">
+            <a:pPr marL="457200" lvl="0" indent="-279400" algn="l" rtl="0">
               <a:lnSpc>
                 <a:spcPct val="115000"/>
               </a:lnSpc>
@@ -11437,21 +11572,21 @@
               <a:buAutoNum type="arabicPeriod" startAt="4"/>
             </a:pPr>
             <a:r>
-              <a:rPr b="1" lang="es-419" sz="800">
+              <a:rPr lang="es-419" sz="800" b="1">
                 <a:solidFill>
                   <a:schemeClr val="dk1"/>
                 </a:solidFill>
               </a:rPr>
               <a:t>Evaluación del Modelo:</a:t>
             </a:r>
-            <a:endParaRPr b="1" sz="800">
-              <a:solidFill>
-                <a:schemeClr val="dk1"/>
-              </a:solidFill>
-            </a:endParaRPr>
-          </a:p>
-          <a:p>
-            <a:pPr indent="-279400" lvl="1" marL="914400" rtl="0" algn="l">
+            <a:endParaRPr sz="800" b="1">
+              <a:solidFill>
+                <a:schemeClr val="dk1"/>
+              </a:solidFill>
+            </a:endParaRPr>
+          </a:p>
+          <a:p>
+            <a:pPr marL="914400" lvl="1" indent="-279400" algn="l" rtl="0">
               <a:lnSpc>
                 <a:spcPct val="115000"/>
               </a:lnSpc>
@@ -11482,7 +11617,7 @@
             </a:endParaRPr>
           </a:p>
           <a:p>
-            <a:pPr indent="-279400" lvl="1" marL="914400" rtl="0" algn="l">
+            <a:pPr marL="914400" lvl="1" indent="-279400" algn="l" rtl="0">
               <a:lnSpc>
                 <a:spcPct val="115000"/>
               </a:lnSpc>
@@ -11513,7 +11648,7 @@
             </a:endParaRPr>
           </a:p>
           <a:p>
-            <a:pPr indent="-279400" lvl="0" marL="457200" rtl="0" algn="l">
+            <a:pPr marL="457200" lvl="0" indent="-279400" algn="l" rtl="0">
               <a:lnSpc>
                 <a:spcPct val="115000"/>
               </a:lnSpc>
@@ -11530,21 +11665,21 @@
               <a:buAutoNum type="arabicPeriod" startAt="4"/>
             </a:pPr>
             <a:r>
-              <a:rPr b="1" lang="es-419" sz="800">
+              <a:rPr lang="es-419" sz="800" b="1">
                 <a:solidFill>
                   <a:schemeClr val="dk1"/>
                 </a:solidFill>
               </a:rPr>
               <a:t>Guardado del Modelo:</a:t>
             </a:r>
-            <a:endParaRPr b="1" sz="800">
-              <a:solidFill>
-                <a:schemeClr val="dk1"/>
-              </a:solidFill>
-            </a:endParaRPr>
-          </a:p>
-          <a:p>
-            <a:pPr indent="-279400" lvl="1" marL="914400" rtl="0" algn="l">
+            <a:endParaRPr sz="800" b="1">
+              <a:solidFill>
+                <a:schemeClr val="dk1"/>
+              </a:solidFill>
+            </a:endParaRPr>
+          </a:p>
+          <a:p>
+            <a:pPr marL="914400" lvl="1" indent="-279400" algn="l" rtl="0">
               <a:lnSpc>
                 <a:spcPct val="115000"/>
               </a:lnSpc>
@@ -11575,7 +11710,7 @@
             </a:endParaRPr>
           </a:p>
           <a:p>
-            <a:pPr indent="0" lvl="0" marL="0" rtl="0" algn="l">
+            <a:pPr marL="0" lvl="0" indent="0" algn="l" rtl="0">
               <a:lnSpc>
                 <a:spcPct val="115000"/>
               </a:lnSpc>
@@ -11588,21 +11723,21 @@
               <a:buNone/>
             </a:pPr>
             <a:r>
-              <a:rPr b="1" lang="es-419" sz="800">
+              <a:rPr lang="es-419" sz="800" b="1">
                 <a:solidFill>
                   <a:schemeClr val="dk1"/>
                 </a:solidFill>
               </a:rPr>
               <a:t>Beneficios:</a:t>
             </a:r>
-            <a:endParaRPr b="1" sz="800">
-              <a:solidFill>
-                <a:schemeClr val="dk1"/>
-              </a:solidFill>
-            </a:endParaRPr>
-          </a:p>
-          <a:p>
-            <a:pPr indent="-279400" lvl="0" marL="457200" rtl="0" algn="l">
+            <a:endParaRPr sz="800" b="1">
+              <a:solidFill>
+                <a:schemeClr val="dk1"/>
+              </a:solidFill>
+            </a:endParaRPr>
+          </a:p>
+          <a:p>
+            <a:pPr marL="457200" lvl="0" indent="-279400" algn="l" rtl="0">
               <a:lnSpc>
                 <a:spcPct val="115000"/>
               </a:lnSpc>
@@ -11633,7 +11768,7 @@
             </a:endParaRPr>
           </a:p>
           <a:p>
-            <a:pPr indent="0" lvl="0" marL="0" rtl="0" algn="l">
+            <a:pPr marL="0" lvl="0" indent="0" algn="l" rtl="0">
               <a:lnSpc>
                 <a:spcPct val="115000"/>
               </a:lnSpc>
@@ -11646,21 +11781,21 @@
               <a:buNone/>
             </a:pPr>
             <a:r>
-              <a:rPr b="1" lang="es-419" sz="800">
+              <a:rPr lang="es-419" sz="800" b="1">
                 <a:solidFill>
                   <a:schemeClr val="dk1"/>
                 </a:solidFill>
               </a:rPr>
               <a:t>Aplicación Práctica:</a:t>
             </a:r>
-            <a:endParaRPr b="1" sz="800">
-              <a:solidFill>
-                <a:schemeClr val="dk1"/>
-              </a:solidFill>
-            </a:endParaRPr>
-          </a:p>
-          <a:p>
-            <a:pPr indent="-279400" lvl="0" marL="457200" rtl="0" algn="l">
+            <a:endParaRPr sz="800" b="1">
+              <a:solidFill>
+                <a:schemeClr val="dk1"/>
+              </a:solidFill>
+            </a:endParaRPr>
+          </a:p>
+          <a:p>
+            <a:pPr marL="457200" lvl="0" indent="-279400" algn="l" rtl="0">
               <a:lnSpc>
                 <a:spcPct val="115000"/>
               </a:lnSpc>
@@ -11684,14 +11819,14 @@
               </a:rPr>
               <a:t>Implementación en proyectos de visión por computadora que requieren adaptabilidad y precisión ajustada a los datos específicos del dominio.</a:t>
             </a:r>
-            <a:endParaRPr b="1" sz="700">
-              <a:solidFill>
-                <a:schemeClr val="dk1"/>
-              </a:solidFill>
-            </a:endParaRPr>
-          </a:p>
-          <a:p>
-            <a:pPr indent="0" lvl="0" marL="0" rtl="0" algn="l">
+            <a:endParaRPr sz="700" b="1">
+              <a:solidFill>
+                <a:schemeClr val="dk1"/>
+              </a:solidFill>
+            </a:endParaRPr>
+          </a:p>
+          <a:p>
+            <a:pPr marL="0" lvl="0" indent="0" algn="l" rtl="0">
               <a:lnSpc>
                 <a:spcPct val="115000"/>
               </a:lnSpc>
@@ -11703,17 +11838,14 @@
               </a:spcAft>
               <a:buNone/>
             </a:pPr>
-            <a:r>
-              <a:t/>
-            </a:r>
-            <a:endParaRPr b="1" sz="1000">
-              <a:solidFill>
-                <a:schemeClr val="dk1"/>
-              </a:solidFill>
-            </a:endParaRPr>
-          </a:p>
-          <a:p>
-            <a:pPr indent="0" lvl="0" marL="457200" rtl="0" algn="l">
+            <a:endParaRPr sz="1000" b="1">
+              <a:solidFill>
+                <a:schemeClr val="dk1"/>
+              </a:solidFill>
+            </a:endParaRPr>
+          </a:p>
+          <a:p>
+            <a:pPr marL="457200" lvl="0" indent="0" algn="l" rtl="0">
               <a:lnSpc>
                 <a:spcPct val="115000"/>
               </a:lnSpc>
@@ -11725,17 +11857,14 @@
               </a:spcAft>
               <a:buNone/>
             </a:pPr>
-            <a:r>
-              <a:t/>
-            </a:r>
-            <a:endParaRPr b="1" sz="1000">
-              <a:solidFill>
-                <a:schemeClr val="dk1"/>
-              </a:solidFill>
-            </a:endParaRPr>
-          </a:p>
-          <a:p>
-            <a:pPr indent="0" lvl="0" marL="0" rtl="0" algn="l">
+            <a:endParaRPr sz="1000" b="1">
+              <a:solidFill>
+                <a:schemeClr val="dk1"/>
+              </a:solidFill>
+            </a:endParaRPr>
+          </a:p>
+          <a:p>
+            <a:pPr marL="0" lvl="0" indent="0" algn="l" rtl="0">
               <a:spcBef>
                 <a:spcPts val="1200"/>
               </a:spcBef>
@@ -11744,9 +11873,6 @@
               </a:spcAft>
               <a:buNone/>
             </a:pPr>
-            <a:r>
-              <a:t/>
-            </a:r>
             <a:endParaRPr sz="1800">
               <a:solidFill>
                 <a:schemeClr val="dk2"/>
@@ -11764,11 +11890,11 @@
 </file>
 
 <file path=ppt/slides/slide8.xml><?xml version="1.0" encoding="utf-8"?>
-<p:sld xmlns:a="http://schemas.openxmlformats.org/drawingml/2006/main" xmlns:r="http://schemas.openxmlformats.org/officeDocument/2006/relationships" xmlns:mc="http://schemas.openxmlformats.org/markup-compatibility/2006" xmlns:mv="urn:schemas-microsoft-com:mac:vml" xmlns:p="http://schemas.openxmlformats.org/presentationml/2006/main" xmlns:c="http://schemas.openxmlformats.org/drawingml/2006/chart" xmlns:dgm="http://schemas.openxmlformats.org/drawingml/2006/diagram" xmlns:o="urn:schemas-microsoft-com:office:office" xmlns:v="urn:schemas-microsoft-com:vml" xmlns:pvml="urn:schemas-microsoft-com:office:powerpoint" xmlns:com="http://schemas.openxmlformats.org/drawingml/2006/compatibility" xmlns:p14="http://schemas.microsoft.com/office/powerpoint/2010/main" xmlns:p15="http://schemas.microsoft.com/office/powerpoint/2012/main" xmlns:ahyp="http://schemas.microsoft.com/office/drawing/2018/hyperlinkcolor">
+<p:sld xmlns:a="http://schemas.openxmlformats.org/drawingml/2006/main" xmlns:r="http://schemas.openxmlformats.org/officeDocument/2006/relationships" xmlns:p="http://schemas.openxmlformats.org/presentationml/2006/main">
   <p:cSld>
     <p:spTree>
       <p:nvGrpSpPr>
-        <p:cNvPr id="92" name="Shape 92"/>
+        <p:cNvPr id="1" name="Shape 92"/>
         <p:cNvGrpSpPr/>
         <p:nvPr/>
       </p:nvGrpSpPr>
@@ -11800,12 +11926,12 @@
           </a:ln>
         </p:spPr>
         <p:txBody>
-          <a:bodyPr anchorCtr="0" anchor="t" bIns="91425" lIns="91425" spcFirstLastPara="1" rIns="91425" wrap="square" tIns="91425">
+          <a:bodyPr spcFirstLastPara="1" wrap="square" lIns="91425" tIns="91425" rIns="91425" bIns="91425" anchor="t" anchorCtr="0">
             <a:spAutoFit/>
           </a:bodyPr>
           <a:lstStyle/>
           <a:p>
-            <a:pPr indent="0" lvl="0" marL="0" rtl="0" algn="l">
+            <a:pPr marL="0" lvl="0" indent="0" algn="l" rtl="0">
               <a:lnSpc>
                 <a:spcPct val="115000"/>
               </a:lnSpc>
@@ -11818,21 +11944,21 @@
               <a:buNone/>
             </a:pPr>
             <a:r>
-              <a:rPr b="1" lang="es-419" sz="1100">
+              <a:rPr lang="es-419" sz="1100" b="1">
                 <a:solidFill>
                   <a:schemeClr val="dk1"/>
                 </a:solidFill>
               </a:rPr>
               <a:t>Slide 8: Extracción y Carga de Imágenes para Predicción</a:t>
             </a:r>
-            <a:endParaRPr b="1" sz="1100">
-              <a:solidFill>
-                <a:schemeClr val="dk1"/>
-              </a:solidFill>
-            </a:endParaRPr>
-          </a:p>
-          <a:p>
-            <a:pPr indent="0" lvl="0" marL="0" rtl="0" algn="l">
+            <a:endParaRPr sz="1100" b="1">
+              <a:solidFill>
+                <a:schemeClr val="dk1"/>
+              </a:solidFill>
+            </a:endParaRPr>
+          </a:p>
+          <a:p>
+            <a:pPr marL="0" lvl="0" indent="0" algn="l" rtl="0">
               <a:lnSpc>
                 <a:spcPct val="115000"/>
               </a:lnSpc>
@@ -11845,7 +11971,7 @@
               <a:buNone/>
             </a:pPr>
             <a:r>
-              <a:rPr b="1" lang="es-419" sz="900">
+              <a:rPr lang="es-419" sz="900" b="1">
                 <a:solidFill>
                   <a:schemeClr val="dk1"/>
                 </a:solidFill>
@@ -11867,7 +11993,7 @@
             </a:endParaRPr>
           </a:p>
           <a:p>
-            <a:pPr indent="0" lvl="0" marL="0" rtl="0" algn="l">
+            <a:pPr marL="0" lvl="0" indent="0" algn="l" rtl="0">
               <a:lnSpc>
                 <a:spcPct val="115000"/>
               </a:lnSpc>
@@ -11880,21 +12006,21 @@
               <a:buNone/>
             </a:pPr>
             <a:r>
-              <a:rPr b="1" lang="es-419" sz="900">
+              <a:rPr lang="es-419" sz="900" b="1">
                 <a:solidFill>
                   <a:schemeClr val="dk1"/>
                 </a:solidFill>
               </a:rPr>
               <a:t>Resumen del Código:</a:t>
             </a:r>
-            <a:endParaRPr b="1" sz="900">
-              <a:solidFill>
-                <a:schemeClr val="dk1"/>
-              </a:solidFill>
-            </a:endParaRPr>
-          </a:p>
-          <a:p>
-            <a:pPr indent="-285750" lvl="0" marL="457200" rtl="0" algn="l">
+            <a:endParaRPr sz="900" b="1">
+              <a:solidFill>
+                <a:schemeClr val="dk1"/>
+              </a:solidFill>
+            </a:endParaRPr>
+          </a:p>
+          <a:p>
+            <a:pPr marL="457200" lvl="0" indent="-285750" algn="l" rtl="0">
               <a:lnSpc>
                 <a:spcPct val="115000"/>
               </a:lnSpc>
@@ -11911,7 +12037,7 @@
               <a:buAutoNum type="arabicPeriod"/>
             </a:pPr>
             <a:r>
-              <a:rPr b="1" lang="es-419" sz="900">
+              <a:rPr lang="es-419" sz="900" b="1">
                 <a:solidFill>
                   <a:schemeClr val="dk1"/>
                 </a:solidFill>
@@ -11919,7 +12045,7 @@
               <a:t>Función </a:t>
             </a:r>
             <a:r>
-              <a:rPr b="1" lang="es-419" sz="900">
+              <a:rPr lang="es-419" sz="900" b="1">
                 <a:solidFill>
                   <a:srgbClr val="188038"/>
                 </a:solidFill>
@@ -11931,21 +12057,21 @@
               <a:t>extract_and_load_images</a:t>
             </a:r>
             <a:r>
-              <a:rPr b="1" lang="es-419" sz="900">
+              <a:rPr lang="es-419" sz="900" b="1">
                 <a:solidFill>
                   <a:schemeClr val="dk1"/>
                 </a:solidFill>
               </a:rPr>
               <a:t>:</a:t>
             </a:r>
-            <a:endParaRPr b="1" sz="900">
-              <a:solidFill>
-                <a:schemeClr val="dk1"/>
-              </a:solidFill>
-            </a:endParaRPr>
-          </a:p>
-          <a:p>
-            <a:pPr indent="-285750" lvl="1" marL="914400" rtl="0" algn="l">
+            <a:endParaRPr sz="900" b="1">
+              <a:solidFill>
+                <a:schemeClr val="dk1"/>
+              </a:solidFill>
+            </a:endParaRPr>
+          </a:p>
+          <a:p>
+            <a:pPr marL="914400" lvl="1" indent="-285750" algn="l" rtl="0">
               <a:lnSpc>
                 <a:spcPct val="115000"/>
               </a:lnSpc>
@@ -11976,7 +12102,7 @@
             </a:endParaRPr>
           </a:p>
           <a:p>
-            <a:pPr indent="-285750" lvl="1" marL="914400" rtl="0" algn="l">
+            <a:pPr marL="914400" lvl="1" indent="-285750" algn="l" rtl="0">
               <a:lnSpc>
                 <a:spcPct val="115000"/>
               </a:lnSpc>
@@ -12007,7 +12133,7 @@
             </a:endParaRPr>
           </a:p>
           <a:p>
-            <a:pPr indent="-285750" lvl="1" marL="914400" rtl="0" algn="l">
+            <a:pPr marL="914400" lvl="1" indent="-285750" algn="l" rtl="0">
               <a:lnSpc>
                 <a:spcPct val="115000"/>
               </a:lnSpc>
@@ -12038,7 +12164,7 @@
             </a:endParaRPr>
           </a:p>
           <a:p>
-            <a:pPr indent="-285750" lvl="0" marL="457200" rtl="0" algn="l">
+            <a:pPr marL="457200" lvl="0" indent="-285750" algn="l" rtl="0">
               <a:lnSpc>
                 <a:spcPct val="115000"/>
               </a:lnSpc>
@@ -12055,7 +12181,7 @@
               <a:buAutoNum type="arabicPeriod"/>
             </a:pPr>
             <a:r>
-              <a:rPr b="1" lang="es-419" sz="900">
+              <a:rPr lang="es-419" sz="900" b="1">
                 <a:solidFill>
                   <a:schemeClr val="dk1"/>
                 </a:solidFill>
@@ -12063,7 +12189,7 @@
               <a:t>Función </a:t>
             </a:r>
             <a:r>
-              <a:rPr b="1" lang="es-419" sz="900">
+              <a:rPr lang="es-419" sz="900" b="1">
                 <a:solidFill>
                   <a:srgbClr val="188038"/>
                 </a:solidFill>
@@ -12075,21 +12201,21 @@
               <a:t>make_predictions</a:t>
             </a:r>
             <a:r>
-              <a:rPr b="1" lang="es-419" sz="900">
+              <a:rPr lang="es-419" sz="900" b="1">
                 <a:solidFill>
                   <a:schemeClr val="dk1"/>
                 </a:solidFill>
               </a:rPr>
               <a:t>:</a:t>
             </a:r>
-            <a:endParaRPr b="1" sz="900">
-              <a:solidFill>
-                <a:schemeClr val="dk1"/>
-              </a:solidFill>
-            </a:endParaRPr>
-          </a:p>
-          <a:p>
-            <a:pPr indent="-285750" lvl="1" marL="914400" rtl="0" algn="l">
+            <a:endParaRPr sz="900" b="1">
+              <a:solidFill>
+                <a:schemeClr val="dk1"/>
+              </a:solidFill>
+            </a:endParaRPr>
+          </a:p>
+          <a:p>
+            <a:pPr marL="914400" lvl="1" indent="-285750" algn="l" rtl="0">
               <a:lnSpc>
                 <a:spcPct val="115000"/>
               </a:lnSpc>
@@ -12160,7 +12286,7 @@
             </a:endParaRPr>
           </a:p>
           <a:p>
-            <a:pPr indent="-285750" lvl="1" marL="914400" rtl="0" algn="l">
+            <a:pPr marL="914400" lvl="1" indent="-285750" algn="l" rtl="0">
               <a:lnSpc>
                 <a:spcPct val="115000"/>
               </a:lnSpc>
@@ -12191,7 +12317,7 @@
             </a:endParaRPr>
           </a:p>
           <a:p>
-            <a:pPr indent="-285750" lvl="0" marL="457200" rtl="0" algn="l">
+            <a:pPr marL="457200" lvl="0" indent="-285750" algn="l" rtl="0">
               <a:lnSpc>
                 <a:spcPct val="115000"/>
               </a:lnSpc>
@@ -12208,21 +12334,21 @@
               <a:buAutoNum type="arabicPeriod"/>
             </a:pPr>
             <a:r>
-              <a:rPr b="1" lang="es-419" sz="900">
+              <a:rPr lang="es-419" sz="900" b="1">
                 <a:solidFill>
                   <a:schemeClr val="dk1"/>
                 </a:solidFill>
               </a:rPr>
               <a:t>Proceso de Predicción:</a:t>
             </a:r>
-            <a:endParaRPr b="1" sz="900">
-              <a:solidFill>
-                <a:schemeClr val="dk1"/>
-              </a:solidFill>
-            </a:endParaRPr>
-          </a:p>
-          <a:p>
-            <a:pPr indent="-285750" lvl="1" marL="914400" rtl="0" algn="l">
+            <a:endParaRPr sz="900" b="1">
+              <a:solidFill>
+                <a:schemeClr val="dk1"/>
+              </a:solidFill>
+            </a:endParaRPr>
+          </a:p>
+          <a:p>
+            <a:pPr marL="914400" lvl="1" indent="-285750" algn="l" rtl="0">
               <a:lnSpc>
                 <a:spcPct val="115000"/>
               </a:lnSpc>
@@ -12253,7 +12379,7 @@
             </a:endParaRPr>
           </a:p>
           <a:p>
-            <a:pPr indent="-285750" lvl="1" marL="914400" rtl="0" algn="l">
+            <a:pPr marL="914400" lvl="1" indent="-285750" algn="l" rtl="0">
               <a:lnSpc>
                 <a:spcPct val="115000"/>
               </a:lnSpc>
@@ -12284,7 +12410,7 @@
             </a:endParaRPr>
           </a:p>
           <a:p>
-            <a:pPr indent="-285750" lvl="1" marL="914400" rtl="0" algn="l">
+            <a:pPr marL="914400" lvl="1" indent="-285750" algn="l" rtl="0">
               <a:lnSpc>
                 <a:spcPct val="115000"/>
               </a:lnSpc>
@@ -12315,7 +12441,7 @@
             </a:endParaRPr>
           </a:p>
           <a:p>
-            <a:pPr indent="0" lvl="0" marL="0" rtl="0" algn="l">
+            <a:pPr marL="0" lvl="0" indent="0" algn="l" rtl="0">
               <a:lnSpc>
                 <a:spcPct val="115000"/>
               </a:lnSpc>
@@ -12328,21 +12454,21 @@
               <a:buNone/>
             </a:pPr>
             <a:r>
-              <a:rPr b="1" lang="es-419" sz="900">
+              <a:rPr lang="es-419" sz="900" b="1">
                 <a:solidFill>
                   <a:schemeClr val="dk1"/>
                 </a:solidFill>
               </a:rPr>
               <a:t>Beneficios:</a:t>
             </a:r>
-            <a:endParaRPr b="1" sz="900">
-              <a:solidFill>
-                <a:schemeClr val="dk1"/>
-              </a:solidFill>
-            </a:endParaRPr>
-          </a:p>
-          <a:p>
-            <a:pPr indent="-285750" lvl="0" marL="457200" rtl="0" algn="l">
+            <a:endParaRPr sz="900" b="1">
+              <a:solidFill>
+                <a:schemeClr val="dk1"/>
+              </a:solidFill>
+            </a:endParaRPr>
+          </a:p>
+          <a:p>
+            <a:pPr marL="457200" lvl="0" indent="-285750" algn="l" rtl="0">
               <a:lnSpc>
                 <a:spcPct val="115000"/>
               </a:lnSpc>
@@ -12366,14 +12492,14 @@
               </a:rPr>
               <a:t>Facilita la preparación y predicción de imágenes de prueba para evaluación del modelo.</a:t>
             </a:r>
-            <a:endParaRPr b="1" sz="800">
-              <a:solidFill>
-                <a:schemeClr val="dk1"/>
-              </a:solidFill>
-            </a:endParaRPr>
-          </a:p>
-          <a:p>
-            <a:pPr indent="0" lvl="0" marL="0" rtl="0" algn="l">
+            <a:endParaRPr sz="800" b="1">
+              <a:solidFill>
+                <a:schemeClr val="dk1"/>
+              </a:solidFill>
+            </a:endParaRPr>
+          </a:p>
+          <a:p>
+            <a:pPr marL="0" lvl="0" indent="0" algn="l" rtl="0">
               <a:lnSpc>
                 <a:spcPct val="115000"/>
               </a:lnSpc>
@@ -12385,17 +12511,14 @@
               </a:spcAft>
               <a:buNone/>
             </a:pPr>
-            <a:r>
-              <a:t/>
-            </a:r>
-            <a:endParaRPr b="1" sz="1000">
-              <a:solidFill>
-                <a:schemeClr val="dk1"/>
-              </a:solidFill>
-            </a:endParaRPr>
-          </a:p>
-          <a:p>
-            <a:pPr indent="0" lvl="0" marL="457200" rtl="0" algn="l">
+            <a:endParaRPr sz="1000" b="1">
+              <a:solidFill>
+                <a:schemeClr val="dk1"/>
+              </a:solidFill>
+            </a:endParaRPr>
+          </a:p>
+          <a:p>
+            <a:pPr marL="457200" lvl="0" indent="0" algn="l" rtl="0">
               <a:lnSpc>
                 <a:spcPct val="115000"/>
               </a:lnSpc>
@@ -12407,17 +12530,14 @@
               </a:spcAft>
               <a:buNone/>
             </a:pPr>
-            <a:r>
-              <a:t/>
-            </a:r>
-            <a:endParaRPr b="1" sz="1000">
-              <a:solidFill>
-                <a:schemeClr val="dk1"/>
-              </a:solidFill>
-            </a:endParaRPr>
-          </a:p>
-          <a:p>
-            <a:pPr indent="0" lvl="0" marL="0" rtl="0" algn="l">
+            <a:endParaRPr sz="1000" b="1">
+              <a:solidFill>
+                <a:schemeClr val="dk1"/>
+              </a:solidFill>
+            </a:endParaRPr>
+          </a:p>
+          <a:p>
+            <a:pPr marL="0" lvl="0" indent="0" algn="l" rtl="0">
               <a:spcBef>
                 <a:spcPts val="1200"/>
               </a:spcBef>
@@ -12426,9 +12546,6 @@
               </a:spcAft>
               <a:buNone/>
             </a:pPr>
-            <a:r>
-              <a:t/>
-            </a:r>
             <a:endParaRPr sz="1800">
               <a:solidFill>
                 <a:schemeClr val="dk2"/>
@@ -12446,11 +12563,11 @@
 </file>
 
 <file path=ppt/slides/slide9.xml><?xml version="1.0" encoding="utf-8"?>
-<p:sld xmlns:a="http://schemas.openxmlformats.org/drawingml/2006/main" xmlns:r="http://schemas.openxmlformats.org/officeDocument/2006/relationships" xmlns:mc="http://schemas.openxmlformats.org/markup-compatibility/2006" xmlns:mv="urn:schemas-microsoft-com:mac:vml" xmlns:p="http://schemas.openxmlformats.org/presentationml/2006/main" xmlns:c="http://schemas.openxmlformats.org/drawingml/2006/chart" xmlns:dgm="http://schemas.openxmlformats.org/drawingml/2006/diagram" xmlns:o="urn:schemas-microsoft-com:office:office" xmlns:v="urn:schemas-microsoft-com:vml" xmlns:pvml="urn:schemas-microsoft-com:office:powerpoint" xmlns:com="http://schemas.openxmlformats.org/drawingml/2006/compatibility" xmlns:p14="http://schemas.microsoft.com/office/powerpoint/2010/main" xmlns:p15="http://schemas.microsoft.com/office/powerpoint/2012/main" xmlns:ahyp="http://schemas.microsoft.com/office/drawing/2018/hyperlinkcolor">
+<p:sld xmlns:a="http://schemas.openxmlformats.org/drawingml/2006/main" xmlns:r="http://schemas.openxmlformats.org/officeDocument/2006/relationships" xmlns:p="http://schemas.openxmlformats.org/presentationml/2006/main">
   <p:cSld>
     <p:spTree>
       <p:nvGrpSpPr>
-        <p:cNvPr id="97" name="Shape 97"/>
+        <p:cNvPr id="1" name="Shape 97"/>
         <p:cNvGrpSpPr/>
         <p:nvPr/>
       </p:nvGrpSpPr>
@@ -12482,12 +12599,12 @@
           </a:ln>
         </p:spPr>
         <p:txBody>
-          <a:bodyPr anchorCtr="0" anchor="t" bIns="91425" lIns="91425" spcFirstLastPara="1" rIns="91425" wrap="square" tIns="91425">
+          <a:bodyPr spcFirstLastPara="1" wrap="square" lIns="91425" tIns="91425" rIns="91425" bIns="91425" anchor="t" anchorCtr="0">
             <a:spAutoFit/>
           </a:bodyPr>
           <a:lstStyle/>
           <a:p>
-            <a:pPr indent="0" lvl="0" marL="0" rtl="0" algn="l">
+            <a:pPr marL="0" lvl="0" indent="0" algn="l" rtl="0">
               <a:lnSpc>
                 <a:spcPct val="115000"/>
               </a:lnSpc>
@@ -12500,21 +12617,21 @@
               <a:buNone/>
             </a:pPr>
             <a:r>
-              <a:rPr b="1" lang="es-419" sz="1100">
+              <a:rPr lang="es-419" sz="1100" b="1">
                 <a:solidFill>
                   <a:schemeClr val="dk1"/>
                 </a:solidFill>
               </a:rPr>
               <a:t>Slide 9: Realización de Predicciones y Evaluación</a:t>
             </a:r>
-            <a:endParaRPr b="1" sz="1100">
-              <a:solidFill>
-                <a:schemeClr val="dk1"/>
-              </a:solidFill>
-            </a:endParaRPr>
-          </a:p>
-          <a:p>
-            <a:pPr indent="0" lvl="0" marL="0" rtl="0" algn="l">
+            <a:endParaRPr sz="1100" b="1">
+              <a:solidFill>
+                <a:schemeClr val="dk1"/>
+              </a:solidFill>
+            </a:endParaRPr>
+          </a:p>
+          <a:p>
+            <a:pPr marL="0" lvl="0" indent="0" algn="l" rtl="0">
               <a:lnSpc>
                 <a:spcPct val="115000"/>
               </a:lnSpc>
@@ -12527,7 +12644,7 @@
               <a:buNone/>
             </a:pPr>
             <a:r>
-              <a:rPr b="1" lang="es-419" sz="900">
+              <a:rPr lang="es-419" sz="900" b="1">
                 <a:solidFill>
                   <a:schemeClr val="dk1"/>
                 </a:solidFill>
@@ -12549,7 +12666,7 @@
             </a:endParaRPr>
           </a:p>
           <a:p>
-            <a:pPr indent="0" lvl="0" marL="0" rtl="0" algn="l">
+            <a:pPr marL="0" lvl="0" indent="0" algn="l" rtl="0">
               <a:lnSpc>
                 <a:spcPct val="115000"/>
               </a:lnSpc>
@@ -12562,21 +12679,21 @@
               <a:buNone/>
             </a:pPr>
             <a:r>
-              <a:rPr b="1" lang="es-419" sz="900">
+              <a:rPr lang="es-419" sz="900" b="1">
                 <a:solidFill>
                   <a:schemeClr val="dk1"/>
                 </a:solidFill>
               </a:rPr>
               <a:t>Resumen del Código:</a:t>
             </a:r>
-            <a:endParaRPr b="1" sz="900">
-              <a:solidFill>
-                <a:schemeClr val="dk1"/>
-              </a:solidFill>
-            </a:endParaRPr>
-          </a:p>
-          <a:p>
-            <a:pPr indent="-285750" lvl="0" marL="457200" rtl="0" algn="l">
+            <a:endParaRPr sz="900" b="1">
+              <a:solidFill>
+                <a:schemeClr val="dk1"/>
+              </a:solidFill>
+            </a:endParaRPr>
+          </a:p>
+          <a:p>
+            <a:pPr marL="457200" lvl="0" indent="-285750" algn="l" rtl="0">
               <a:lnSpc>
                 <a:spcPct val="115000"/>
               </a:lnSpc>
@@ -12593,21 +12710,21 @@
               <a:buAutoNum type="arabicPeriod" startAt="4"/>
             </a:pPr>
             <a:r>
-              <a:rPr b="1" lang="es-419" sz="900">
+              <a:rPr lang="es-419" sz="900" b="1">
                 <a:solidFill>
                   <a:schemeClr val="dk1"/>
                 </a:solidFill>
               </a:rPr>
               <a:t>Realización de Predicciones:</a:t>
             </a:r>
-            <a:endParaRPr b="1" sz="900">
-              <a:solidFill>
-                <a:schemeClr val="dk1"/>
-              </a:solidFill>
-            </a:endParaRPr>
-          </a:p>
-          <a:p>
-            <a:pPr indent="-285750" lvl="1" marL="914400" rtl="0" algn="l">
+            <a:endParaRPr sz="900" b="1">
+              <a:solidFill>
+                <a:schemeClr val="dk1"/>
+              </a:solidFill>
+            </a:endParaRPr>
+          </a:p>
+          <a:p>
+            <a:pPr marL="914400" lvl="1" indent="-285750" algn="l" rtl="0">
               <a:lnSpc>
                 <a:spcPct val="115000"/>
               </a:lnSpc>
@@ -12658,7 +12775,7 @@
             </a:endParaRPr>
           </a:p>
           <a:p>
-            <a:pPr indent="-285750" lvl="1" marL="914400" rtl="0" algn="l">
+            <a:pPr marL="914400" lvl="1" indent="-285750" algn="l" rtl="0">
               <a:lnSpc>
                 <a:spcPct val="115000"/>
               </a:lnSpc>
@@ -12689,7 +12806,7 @@
             </a:endParaRPr>
           </a:p>
           <a:p>
-            <a:pPr indent="-285750" lvl="0" marL="457200" rtl="0" algn="l">
+            <a:pPr marL="457200" lvl="0" indent="-285750" algn="l" rtl="0">
               <a:lnSpc>
                 <a:spcPct val="115000"/>
               </a:lnSpc>
@@ -12706,21 +12823,21 @@
               <a:buAutoNum type="arabicPeriod" startAt="4"/>
             </a:pPr>
             <a:r>
-              <a:rPr b="1" lang="es-419" sz="900">
+              <a:rPr lang="es-419" sz="900" b="1">
                 <a:solidFill>
                   <a:schemeClr val="dk1"/>
                 </a:solidFill>
               </a:rPr>
               <a:t>Resultados de Predicción:</a:t>
             </a:r>
-            <a:endParaRPr b="1" sz="900">
-              <a:solidFill>
-                <a:schemeClr val="dk1"/>
-              </a:solidFill>
-            </a:endParaRPr>
-          </a:p>
-          <a:p>
-            <a:pPr indent="-285750" lvl="1" marL="914400" rtl="0" algn="l">
+            <a:endParaRPr sz="900" b="1">
+              <a:solidFill>
+                <a:schemeClr val="dk1"/>
+              </a:solidFill>
+            </a:endParaRPr>
+          </a:p>
+          <a:p>
+            <a:pPr marL="914400" lvl="1" indent="-285750" algn="l" rtl="0">
               <a:lnSpc>
                 <a:spcPct val="115000"/>
               </a:lnSpc>
@@ -12751,7 +12868,7 @@
             </a:endParaRPr>
           </a:p>
           <a:p>
-            <a:pPr indent="-285750" lvl="1" marL="914400" rtl="0" algn="l">
+            <a:pPr marL="914400" lvl="1" indent="-285750" algn="l" rtl="0">
               <a:lnSpc>
                 <a:spcPct val="115000"/>
               </a:lnSpc>
@@ -12782,7 +12899,7 @@
             </a:endParaRPr>
           </a:p>
           <a:p>
-            <a:pPr indent="0" lvl="0" marL="0" rtl="0" algn="l">
+            <a:pPr marL="0" lvl="0" indent="0" algn="l" rtl="0">
               <a:lnSpc>
                 <a:spcPct val="115000"/>
               </a:lnSpc>
@@ -12795,21 +12912,21 @@
               <a:buNone/>
             </a:pPr>
             <a:r>
-              <a:rPr b="1" lang="es-419" sz="900">
+              <a:rPr lang="es-419" sz="900" b="1">
                 <a:solidFill>
                   <a:schemeClr val="dk1"/>
                 </a:solidFill>
               </a:rPr>
               <a:t>Aplicación Práctica:</a:t>
             </a:r>
-            <a:endParaRPr b="1" sz="900">
-              <a:solidFill>
-                <a:schemeClr val="dk1"/>
-              </a:solidFill>
-            </a:endParaRPr>
-          </a:p>
-          <a:p>
-            <a:pPr indent="-285750" lvl="0" marL="457200" rtl="0" algn="l">
+            <a:endParaRPr sz="900" b="1">
+              <a:solidFill>
+                <a:schemeClr val="dk1"/>
+              </a:solidFill>
+            </a:endParaRPr>
+          </a:p>
+          <a:p>
+            <a:pPr marL="457200" lvl="0" indent="-285750" algn="l" rtl="0">
               <a:lnSpc>
                 <a:spcPct val="115000"/>
               </a:lnSpc>
@@ -12840,7 +12957,7 @@
             </a:endParaRPr>
           </a:p>
           <a:p>
-            <a:pPr indent="0" lvl="0" marL="0" rtl="0" algn="l">
+            <a:pPr marL="0" lvl="0" indent="0" algn="l" rtl="0">
               <a:lnSpc>
                 <a:spcPct val="115000"/>
               </a:lnSpc>
@@ -12853,21 +12970,21 @@
               <a:buNone/>
             </a:pPr>
             <a:r>
-              <a:rPr b="1" lang="es-419" sz="900">
+              <a:rPr lang="es-419" sz="900" b="1">
                 <a:solidFill>
                   <a:schemeClr val="dk1"/>
                 </a:solidFill>
               </a:rPr>
               <a:t>Uso Futuro:</a:t>
             </a:r>
-            <a:endParaRPr b="1" sz="900">
-              <a:solidFill>
-                <a:schemeClr val="dk1"/>
-              </a:solidFill>
-            </a:endParaRPr>
-          </a:p>
-          <a:p>
-            <a:pPr indent="-285750" lvl="0" marL="457200" rtl="0" algn="l">
+            <a:endParaRPr sz="900" b="1">
+              <a:solidFill>
+                <a:schemeClr val="dk1"/>
+              </a:solidFill>
+            </a:endParaRPr>
+          </a:p>
+          <a:p>
+            <a:pPr marL="457200" lvl="0" indent="-285750" algn="l" rtl="0">
               <a:lnSpc>
                 <a:spcPct val="115000"/>
               </a:lnSpc>
@@ -12891,14 +13008,14 @@
               </a:rPr>
               <a:t>Utilización de estas predicciones para análisis posterior o aplicación en sistemas en tiempo real.</a:t>
             </a:r>
-            <a:endParaRPr b="1" sz="800">
-              <a:solidFill>
-                <a:schemeClr val="dk1"/>
-              </a:solidFill>
-            </a:endParaRPr>
-          </a:p>
-          <a:p>
-            <a:pPr indent="0" lvl="0" marL="457200" rtl="0" algn="l">
+            <a:endParaRPr sz="800" b="1">
+              <a:solidFill>
+                <a:schemeClr val="dk1"/>
+              </a:solidFill>
+            </a:endParaRPr>
+          </a:p>
+          <a:p>
+            <a:pPr marL="457200" lvl="0" indent="0" algn="l" rtl="0">
               <a:lnSpc>
                 <a:spcPct val="115000"/>
               </a:lnSpc>
@@ -12910,17 +13027,14 @@
               </a:spcAft>
               <a:buNone/>
             </a:pPr>
-            <a:r>
-              <a:t/>
-            </a:r>
-            <a:endParaRPr b="1" sz="1000">
-              <a:solidFill>
-                <a:schemeClr val="dk1"/>
-              </a:solidFill>
-            </a:endParaRPr>
-          </a:p>
-          <a:p>
-            <a:pPr indent="0" lvl="0" marL="0" rtl="0" algn="l">
+            <a:endParaRPr sz="1000" b="1">
+              <a:solidFill>
+                <a:schemeClr val="dk1"/>
+              </a:solidFill>
+            </a:endParaRPr>
+          </a:p>
+          <a:p>
+            <a:pPr marL="0" lvl="0" indent="0" algn="l" rtl="0">
               <a:spcBef>
                 <a:spcPts val="1200"/>
               </a:spcBef>
@@ -12929,9 +13043,6 @@
               </a:spcAft>
               <a:buNone/>
             </a:pPr>
-            <a:r>
-              <a:t/>
-            </a:r>
             <a:endParaRPr sz="1800">
               <a:solidFill>
                 <a:schemeClr val="dk2"/>
@@ -12949,7 +13060,288 @@
 </file>
 
 <file path=ppt/theme/theme1.xml><?xml version="1.0" encoding="utf-8"?>
-<a:theme xmlns:a="http://schemas.openxmlformats.org/drawingml/2006/main" xmlns:r="http://schemas.openxmlformats.org/officeDocument/2006/relationships">
+<a:theme xmlns:a="http://schemas.openxmlformats.org/drawingml/2006/main" name="Simple Light">
+  <a:themeElements>
+    <a:clrScheme name="Simple Light">
+      <a:dk1>
+        <a:srgbClr val="000000"/>
+      </a:dk1>
+      <a:lt1>
+        <a:srgbClr val="FFFFFF"/>
+      </a:lt1>
+      <a:dk2>
+        <a:srgbClr val="595959"/>
+      </a:dk2>
+      <a:lt2>
+        <a:srgbClr val="EEEEEE"/>
+      </a:lt2>
+      <a:accent1>
+        <a:srgbClr val="4285F4"/>
+      </a:accent1>
+      <a:accent2>
+        <a:srgbClr val="212121"/>
+      </a:accent2>
+      <a:accent3>
+        <a:srgbClr val="78909C"/>
+      </a:accent3>
+      <a:accent4>
+        <a:srgbClr val="FFAB40"/>
+      </a:accent4>
+      <a:accent5>
+        <a:srgbClr val="0097A7"/>
+      </a:accent5>
+      <a:accent6>
+        <a:srgbClr val="EEFF41"/>
+      </a:accent6>
+      <a:hlink>
+        <a:srgbClr val="0097A7"/>
+      </a:hlink>
+      <a:folHlink>
+        <a:srgbClr val="0097A7"/>
+      </a:folHlink>
+    </a:clrScheme>
+    <a:fontScheme name="Office">
+      <a:majorFont>
+        <a:latin typeface="Arial"/>
+        <a:ea typeface=""/>
+        <a:cs typeface=""/>
+        <a:font script="Jpan" typeface="ＭＳ Ｐゴシック"/>
+        <a:font script="Hang" typeface="맑은 고딕"/>
+        <a:font script="Hans" typeface="宋体"/>
+        <a:font script="Hant" typeface="新細明體"/>
+        <a:font script="Arab" typeface="Times New Roman"/>
+        <a:font script="Hebr" typeface="Times New Roman"/>
+        <a:font script="Thai" typeface="Angsana New"/>
+        <a:font script="Ethi" typeface="Nyala"/>
+        <a:font script="Beng" typeface="Vrinda"/>
+        <a:font script="Gujr" typeface="Shruti"/>
+        <a:font script="Khmr" typeface="MoolBoran"/>
+        <a:font script="Knda" typeface="Tunga"/>
+        <a:font script="Guru" typeface="Raavi"/>
+        <a:font script="Cans" typeface="Euphemia"/>
+        <a:font script="Cher" typeface="Plantagenet Cherokee"/>
+        <a:font script="Yiii" typeface="Microsoft Yi Baiti"/>
+        <a:font script="Tibt" typeface="Microsoft Himalaya"/>
+        <a:font script="Thaa" typeface="MV Boli"/>
+        <a:font script="Deva" typeface="Mangal"/>
+        <a:font script="Telu" typeface="Gautami"/>
+        <a:font script="Taml" typeface="Latha"/>
+        <a:font script="Syrc" typeface="Estrangelo Edessa"/>
+        <a:font script="Orya" typeface="Kalinga"/>
+        <a:font script="Mlym" typeface="Kartika"/>
+        <a:font script="Laoo" typeface="DokChampa"/>
+        <a:font script="Sinh" typeface="Iskoola Pota"/>
+        <a:font script="Mong" typeface="Mongolian Baiti"/>
+        <a:font script="Viet" typeface="Times New Roman"/>
+        <a:font script="Uigh" typeface="Microsoft Uighur"/>
+        <a:font script="Geor" typeface="Sylfaen"/>
+      </a:majorFont>
+      <a:minorFont>
+        <a:latin typeface="Arial"/>
+        <a:ea typeface=""/>
+        <a:cs typeface=""/>
+        <a:font script="Jpan" typeface="ＭＳ Ｐゴシック"/>
+        <a:font script="Hang" typeface="맑은 고딕"/>
+        <a:font script="Hans" typeface="宋体"/>
+        <a:font script="Hant" typeface="新細明體"/>
+        <a:font script="Arab" typeface="Arial"/>
+        <a:font script="Hebr" typeface="Arial"/>
+        <a:font script="Thai" typeface="Cordia New"/>
+        <a:font script="Ethi" typeface="Nyala"/>
+        <a:font script="Beng" typeface="Vrinda"/>
+        <a:font script="Gujr" typeface="Shruti"/>
+        <a:font script="Khmr" typeface="DaunPenh"/>
+        <a:font script="Knda" typeface="Tunga"/>
+        <a:font script="Guru" typeface="Raavi"/>
+        <a:font script="Cans" typeface="Euphemia"/>
+        <a:font script="Cher" typeface="Plantagenet Cherokee"/>
+        <a:font script="Yiii" typeface="Microsoft Yi Baiti"/>
+        <a:font script="Tibt" typeface="Microsoft Himalaya"/>
+        <a:font script="Thaa" typeface="MV Boli"/>
+        <a:font script="Deva" typeface="Mangal"/>
+        <a:font script="Telu" typeface="Gautami"/>
+        <a:font script="Taml" typeface="Latha"/>
+        <a:font script="Syrc" typeface="Estrangelo Edessa"/>
+        <a:font script="Orya" typeface="Kalinga"/>
+        <a:font script="Mlym" typeface="Kartika"/>
+        <a:font script="Laoo" typeface="DokChampa"/>
+        <a:font script="Sinh" typeface="Iskoola Pota"/>
+        <a:font script="Mong" typeface="Mongolian Baiti"/>
+        <a:font script="Viet" typeface="Arial"/>
+        <a:font script="Uigh" typeface="Microsoft Uighur"/>
+        <a:font script="Geor" typeface="Sylfaen"/>
+      </a:minorFont>
+    </a:fontScheme>
+    <a:fmtScheme name="Office">
+      <a:fillStyleLst>
+        <a:solidFill>
+          <a:schemeClr val="phClr"/>
+        </a:solidFill>
+        <a:gradFill rotWithShape="1">
+          <a:gsLst>
+            <a:gs pos="0">
+              <a:schemeClr val="phClr">
+                <a:tint val="50000"/>
+                <a:satMod val="300000"/>
+              </a:schemeClr>
+            </a:gs>
+            <a:gs pos="35000">
+              <a:schemeClr val="phClr">
+                <a:tint val="37000"/>
+                <a:satMod val="300000"/>
+              </a:schemeClr>
+            </a:gs>
+            <a:gs pos="100000">
+              <a:schemeClr val="phClr">
+                <a:tint val="15000"/>
+                <a:satMod val="350000"/>
+              </a:schemeClr>
+            </a:gs>
+          </a:gsLst>
+          <a:lin ang="16200000" scaled="1"/>
+        </a:gradFill>
+        <a:gradFill rotWithShape="1">
+          <a:gsLst>
+            <a:gs pos="0">
+              <a:schemeClr val="phClr">
+                <a:tint val="100000"/>
+                <a:shade val="100000"/>
+                <a:satMod val="130000"/>
+              </a:schemeClr>
+            </a:gs>
+            <a:gs pos="100000">
+              <a:schemeClr val="phClr">
+                <a:tint val="50000"/>
+                <a:shade val="100000"/>
+                <a:satMod val="350000"/>
+              </a:schemeClr>
+            </a:gs>
+          </a:gsLst>
+          <a:lin ang="16200000" scaled="0"/>
+        </a:gradFill>
+      </a:fillStyleLst>
+      <a:lnStyleLst>
+        <a:ln w="9525" cap="flat" cmpd="sng" algn="ctr">
+          <a:solidFill>
+            <a:schemeClr val="phClr">
+              <a:shade val="95000"/>
+              <a:satMod val="105000"/>
+            </a:schemeClr>
+          </a:solidFill>
+          <a:prstDash val="solid"/>
+        </a:ln>
+        <a:ln w="25400" cap="flat" cmpd="sng" algn="ctr">
+          <a:solidFill>
+            <a:schemeClr val="phClr"/>
+          </a:solidFill>
+          <a:prstDash val="solid"/>
+        </a:ln>
+        <a:ln w="38100" cap="flat" cmpd="sng" algn="ctr">
+          <a:solidFill>
+            <a:schemeClr val="phClr"/>
+          </a:solidFill>
+          <a:prstDash val="solid"/>
+        </a:ln>
+      </a:lnStyleLst>
+      <a:effectStyleLst>
+        <a:effectStyle>
+          <a:effectLst>
+            <a:outerShdw blurRad="40000" dist="20000" dir="5400000" rotWithShape="0">
+              <a:srgbClr val="000000">
+                <a:alpha val="38000"/>
+              </a:srgbClr>
+            </a:outerShdw>
+          </a:effectLst>
+        </a:effectStyle>
+        <a:effectStyle>
+          <a:effectLst>
+            <a:outerShdw blurRad="40000" dist="23000" dir="5400000" rotWithShape="0">
+              <a:srgbClr val="000000">
+                <a:alpha val="35000"/>
+              </a:srgbClr>
+            </a:outerShdw>
+          </a:effectLst>
+        </a:effectStyle>
+        <a:effectStyle>
+          <a:effectLst>
+            <a:outerShdw blurRad="40000" dist="23000" dir="5400000" rotWithShape="0">
+              <a:srgbClr val="000000">
+                <a:alpha val="35000"/>
+              </a:srgbClr>
+            </a:outerShdw>
+          </a:effectLst>
+          <a:scene3d>
+            <a:camera prst="orthographicFront">
+              <a:rot lat="0" lon="0" rev="0"/>
+            </a:camera>
+            <a:lightRig rig="threePt" dir="t">
+              <a:rot lat="0" lon="0" rev="1200000"/>
+            </a:lightRig>
+          </a:scene3d>
+          <a:sp3d>
+            <a:bevelT w="63500" h="25400"/>
+          </a:sp3d>
+        </a:effectStyle>
+      </a:effectStyleLst>
+      <a:bgFillStyleLst>
+        <a:solidFill>
+          <a:schemeClr val="phClr"/>
+        </a:solidFill>
+        <a:gradFill rotWithShape="1">
+          <a:gsLst>
+            <a:gs pos="0">
+              <a:schemeClr val="phClr">
+                <a:tint val="40000"/>
+                <a:satMod val="350000"/>
+              </a:schemeClr>
+            </a:gs>
+            <a:gs pos="40000">
+              <a:schemeClr val="phClr">
+                <a:tint val="45000"/>
+                <a:shade val="99000"/>
+                <a:satMod val="350000"/>
+              </a:schemeClr>
+            </a:gs>
+            <a:gs pos="100000">
+              <a:schemeClr val="phClr">
+                <a:shade val="20000"/>
+                <a:satMod val="255000"/>
+              </a:schemeClr>
+            </a:gs>
+          </a:gsLst>
+          <a:path path="circle">
+            <a:fillToRect l="50000" t="-80000" r="50000" b="180000"/>
+          </a:path>
+        </a:gradFill>
+        <a:gradFill rotWithShape="1">
+          <a:gsLst>
+            <a:gs pos="0">
+              <a:schemeClr val="phClr">
+                <a:tint val="80000"/>
+                <a:satMod val="300000"/>
+              </a:schemeClr>
+            </a:gs>
+            <a:gs pos="100000">
+              <a:schemeClr val="phClr">
+                <a:shade val="30000"/>
+                <a:satMod val="200000"/>
+              </a:schemeClr>
+            </a:gs>
+          </a:gsLst>
+          <a:path path="circle">
+            <a:fillToRect l="50000" t="50000" r="50000" b="50000"/>
+          </a:path>
+        </a:gradFill>
+      </a:bgFillStyleLst>
+    </a:fmtScheme>
+  </a:themeElements>
+  <a:objectDefaults/>
+  <a:extraClrSchemeLst/>
+</a:theme>
+</file>
+
+<file path=ppt/theme/theme2.xml><?xml version="1.0" encoding="utf-8"?>
+<a:theme xmlns:a="http://schemas.openxmlformats.org/drawingml/2006/main">
   <a:themeElements>
     <a:clrScheme name="Default">
       <a:dk1>
@@ -13224,284 +13616,7 @@
       </a:bgFillStyleLst>
     </a:fmtScheme>
   </a:themeElements>
-</a:theme>
-</file>
-
-<file path=ppt/theme/theme2.xml><?xml version="1.0" encoding="utf-8"?>
-<a:theme xmlns:a="http://schemas.openxmlformats.org/drawingml/2006/main" xmlns:r="http://schemas.openxmlformats.org/officeDocument/2006/relationships" name="Simple Light">
-  <a:themeElements>
-    <a:clrScheme name="Simple Light">
-      <a:dk1>
-        <a:srgbClr val="000000"/>
-      </a:dk1>
-      <a:lt1>
-        <a:srgbClr val="FFFFFF"/>
-      </a:lt1>
-      <a:dk2>
-        <a:srgbClr val="595959"/>
-      </a:dk2>
-      <a:lt2>
-        <a:srgbClr val="EEEEEE"/>
-      </a:lt2>
-      <a:accent1>
-        <a:srgbClr val="4285F4"/>
-      </a:accent1>
-      <a:accent2>
-        <a:srgbClr val="212121"/>
-      </a:accent2>
-      <a:accent3>
-        <a:srgbClr val="78909C"/>
-      </a:accent3>
-      <a:accent4>
-        <a:srgbClr val="FFAB40"/>
-      </a:accent4>
-      <a:accent5>
-        <a:srgbClr val="0097A7"/>
-      </a:accent5>
-      <a:accent6>
-        <a:srgbClr val="EEFF41"/>
-      </a:accent6>
-      <a:hlink>
-        <a:srgbClr val="0097A7"/>
-      </a:hlink>
-      <a:folHlink>
-        <a:srgbClr val="0097A7"/>
-      </a:folHlink>
-    </a:clrScheme>
-    <a:fontScheme name="Office">
-      <a:majorFont>
-        <a:latin typeface="Arial"/>
-        <a:ea typeface=""/>
-        <a:cs typeface=""/>
-        <a:font script="Jpan" typeface="ＭＳ Ｐゴシック"/>
-        <a:font script="Hang" typeface="맑은 고딕"/>
-        <a:font script="Hans" typeface="宋体"/>
-        <a:font script="Hant" typeface="新細明體"/>
-        <a:font script="Arab" typeface="Times New Roman"/>
-        <a:font script="Hebr" typeface="Times New Roman"/>
-        <a:font script="Thai" typeface="Angsana New"/>
-        <a:font script="Ethi" typeface="Nyala"/>
-        <a:font script="Beng" typeface="Vrinda"/>
-        <a:font script="Gujr" typeface="Shruti"/>
-        <a:font script="Khmr" typeface="MoolBoran"/>
-        <a:font script="Knda" typeface="Tunga"/>
-        <a:font script="Guru" typeface="Raavi"/>
-        <a:font script="Cans" typeface="Euphemia"/>
-        <a:font script="Cher" typeface="Plantagenet Cherokee"/>
-        <a:font script="Yiii" typeface="Microsoft Yi Baiti"/>
-        <a:font script="Tibt" typeface="Microsoft Himalaya"/>
-        <a:font script="Thaa" typeface="MV Boli"/>
-        <a:font script="Deva" typeface="Mangal"/>
-        <a:font script="Telu" typeface="Gautami"/>
-        <a:font script="Taml" typeface="Latha"/>
-        <a:font script="Syrc" typeface="Estrangelo Edessa"/>
-        <a:font script="Orya" typeface="Kalinga"/>
-        <a:font script="Mlym" typeface="Kartika"/>
-        <a:font script="Laoo" typeface="DokChampa"/>
-        <a:font script="Sinh" typeface="Iskoola Pota"/>
-        <a:font script="Mong" typeface="Mongolian Baiti"/>
-        <a:font script="Viet" typeface="Times New Roman"/>
-        <a:font script="Uigh" typeface="Microsoft Uighur"/>
-        <a:font script="Geor" typeface="Sylfaen"/>
-      </a:majorFont>
-      <a:minorFont>
-        <a:latin typeface="Arial"/>
-        <a:ea typeface=""/>
-        <a:cs typeface=""/>
-        <a:font script="Jpan" typeface="ＭＳ Ｐゴシック"/>
-        <a:font script="Hang" typeface="맑은 고딕"/>
-        <a:font script="Hans" typeface="宋体"/>
-        <a:font script="Hant" typeface="新細明體"/>
-        <a:font script="Arab" typeface="Arial"/>
-        <a:font script="Hebr" typeface="Arial"/>
-        <a:font script="Thai" typeface="Cordia New"/>
-        <a:font script="Ethi" typeface="Nyala"/>
-        <a:font script="Beng" typeface="Vrinda"/>
-        <a:font script="Gujr" typeface="Shruti"/>
-        <a:font script="Khmr" typeface="DaunPenh"/>
-        <a:font script="Knda" typeface="Tunga"/>
-        <a:font script="Guru" typeface="Raavi"/>
-        <a:font script="Cans" typeface="Euphemia"/>
-        <a:font script="Cher" typeface="Plantagenet Cherokee"/>
-        <a:font script="Yiii" typeface="Microsoft Yi Baiti"/>
-        <a:font script="Tibt" typeface="Microsoft Himalaya"/>
-        <a:font script="Thaa" typeface="MV Boli"/>
-        <a:font script="Deva" typeface="Mangal"/>
-        <a:font script="Telu" typeface="Gautami"/>
-        <a:font script="Taml" typeface="Latha"/>
-        <a:font script="Syrc" typeface="Estrangelo Edessa"/>
-        <a:font script="Orya" typeface="Kalinga"/>
-        <a:font script="Mlym" typeface="Kartika"/>
-        <a:font script="Laoo" typeface="DokChampa"/>
-        <a:font script="Sinh" typeface="Iskoola Pota"/>
-        <a:font script="Mong" typeface="Mongolian Baiti"/>
-        <a:font script="Viet" typeface="Arial"/>
-        <a:font script="Uigh" typeface="Microsoft Uighur"/>
-        <a:font script="Geor" typeface="Sylfaen"/>
-      </a:minorFont>
-    </a:fontScheme>
-    <a:fmtScheme name="Office">
-      <a:fillStyleLst>
-        <a:solidFill>
-          <a:schemeClr val="phClr"/>
-        </a:solidFill>
-        <a:gradFill rotWithShape="1">
-          <a:gsLst>
-            <a:gs pos="0">
-              <a:schemeClr val="phClr">
-                <a:tint val="50000"/>
-                <a:satMod val="300000"/>
-              </a:schemeClr>
-            </a:gs>
-            <a:gs pos="35000">
-              <a:schemeClr val="phClr">
-                <a:tint val="37000"/>
-                <a:satMod val="300000"/>
-              </a:schemeClr>
-            </a:gs>
-            <a:gs pos="100000">
-              <a:schemeClr val="phClr">
-                <a:tint val="15000"/>
-                <a:satMod val="350000"/>
-              </a:schemeClr>
-            </a:gs>
-          </a:gsLst>
-          <a:lin ang="16200000" scaled="1"/>
-        </a:gradFill>
-        <a:gradFill rotWithShape="1">
-          <a:gsLst>
-            <a:gs pos="0">
-              <a:schemeClr val="phClr">
-                <a:tint val="100000"/>
-                <a:shade val="100000"/>
-                <a:satMod val="130000"/>
-              </a:schemeClr>
-            </a:gs>
-            <a:gs pos="100000">
-              <a:schemeClr val="phClr">
-                <a:tint val="50000"/>
-                <a:shade val="100000"/>
-                <a:satMod val="350000"/>
-              </a:schemeClr>
-            </a:gs>
-          </a:gsLst>
-          <a:lin ang="16200000" scaled="0"/>
-        </a:gradFill>
-      </a:fillStyleLst>
-      <a:lnStyleLst>
-        <a:ln w="9525" cap="flat" cmpd="sng" algn="ctr">
-          <a:solidFill>
-            <a:schemeClr val="phClr">
-              <a:shade val="95000"/>
-              <a:satMod val="105000"/>
-            </a:schemeClr>
-          </a:solidFill>
-          <a:prstDash val="solid"/>
-        </a:ln>
-        <a:ln w="25400" cap="flat" cmpd="sng" algn="ctr">
-          <a:solidFill>
-            <a:schemeClr val="phClr"/>
-          </a:solidFill>
-          <a:prstDash val="solid"/>
-        </a:ln>
-        <a:ln w="38100" cap="flat" cmpd="sng" algn="ctr">
-          <a:solidFill>
-            <a:schemeClr val="phClr"/>
-          </a:solidFill>
-          <a:prstDash val="solid"/>
-        </a:ln>
-      </a:lnStyleLst>
-      <a:effectStyleLst>
-        <a:effectStyle>
-          <a:effectLst>
-            <a:outerShdw blurRad="40000" dist="20000" dir="5400000" rotWithShape="0">
-              <a:srgbClr val="000000">
-                <a:alpha val="38000"/>
-              </a:srgbClr>
-            </a:outerShdw>
-          </a:effectLst>
-        </a:effectStyle>
-        <a:effectStyle>
-          <a:effectLst>
-            <a:outerShdw blurRad="40000" dist="23000" dir="5400000" rotWithShape="0">
-              <a:srgbClr val="000000">
-                <a:alpha val="35000"/>
-              </a:srgbClr>
-            </a:outerShdw>
-          </a:effectLst>
-        </a:effectStyle>
-        <a:effectStyle>
-          <a:effectLst>
-            <a:outerShdw blurRad="40000" dist="23000" dir="5400000" rotWithShape="0">
-              <a:srgbClr val="000000">
-                <a:alpha val="35000"/>
-              </a:srgbClr>
-            </a:outerShdw>
-          </a:effectLst>
-          <a:scene3d>
-            <a:camera prst="orthographicFront">
-              <a:rot lat="0" lon="0" rev="0"/>
-            </a:camera>
-            <a:lightRig rig="threePt" dir="t">
-              <a:rot lat="0" lon="0" rev="1200000"/>
-            </a:lightRig>
-          </a:scene3d>
-          <a:sp3d>
-            <a:bevelT w="63500" h="25400"/>
-          </a:sp3d>
-        </a:effectStyle>
-      </a:effectStyleLst>
-      <a:bgFillStyleLst>
-        <a:solidFill>
-          <a:schemeClr val="phClr"/>
-        </a:solidFill>
-        <a:gradFill rotWithShape="1">
-          <a:gsLst>
-            <a:gs pos="0">
-              <a:schemeClr val="phClr">
-                <a:tint val="40000"/>
-                <a:satMod val="350000"/>
-              </a:schemeClr>
-            </a:gs>
-            <a:gs pos="40000">
-              <a:schemeClr val="phClr">
-                <a:tint val="45000"/>
-                <a:shade val="99000"/>
-                <a:satMod val="350000"/>
-              </a:schemeClr>
-            </a:gs>
-            <a:gs pos="100000">
-              <a:schemeClr val="phClr">
-                <a:shade val="20000"/>
-                <a:satMod val="255000"/>
-              </a:schemeClr>
-            </a:gs>
-          </a:gsLst>
-          <a:path path="circle">
-            <a:fillToRect l="50000" t="-80000" r="50000" b="180000"/>
-          </a:path>
-        </a:gradFill>
-        <a:gradFill rotWithShape="1">
-          <a:gsLst>
-            <a:gs pos="0">
-              <a:schemeClr val="phClr">
-                <a:tint val="80000"/>
-                <a:satMod val="300000"/>
-              </a:schemeClr>
-            </a:gs>
-            <a:gs pos="100000">
-              <a:schemeClr val="phClr">
-                <a:shade val="30000"/>
-                <a:satMod val="200000"/>
-              </a:schemeClr>
-            </a:gs>
-          </a:gsLst>
-          <a:path path="circle">
-            <a:fillToRect l="50000" t="50000" r="50000" b="50000"/>
-          </a:path>
-        </a:gradFill>
-      </a:bgFillStyleLst>
-    </a:fmtScheme>
-  </a:themeElements>
+  <a:objectDefaults/>
+  <a:extraClrSchemeLst/>
 </a:theme>
 </file>